--- a/ppt/ppt_SAGy.pptx
+++ b/ppt/ppt_SAGy.pptx
@@ -5611,6 +5611,18 @@
   <p:clrMapOvr>
     <a:masterClrMapping/>
   </p:clrMapOvr>
+  <mc:AlternateContent xmlns:mc="http://schemas.openxmlformats.org/markup-compatibility/2006">
+    <mc:Choice xmlns:p14="http://schemas.microsoft.com/office/powerpoint/2010/main" Requires="p14">
+      <p:transition p14:dur="100">
+        <p:cut/>
+      </p:transition>
+    </mc:Choice>
+    <mc:Fallback>
+      <p:transition>
+        <p:cut/>
+      </p:transition>
+    </mc:Fallback>
+  </mc:AlternateContent>
 </p:sld>
 </file>
 
@@ -5631,6 +5643,154 @@
           <a:chExt cx="0" cy="0"/>
         </a:xfrm>
       </p:grpSpPr>
+      <p:sp>
+        <p:nvSpPr>
+          <p:cNvPr id="12" name="Szövegdoboz 11">
+            <a:extLst>
+              <a:ext uri="{FF2B5EF4-FFF2-40B4-BE49-F238E27FC236}">
+                <a16:creationId xmlns:a16="http://schemas.microsoft.com/office/drawing/2014/main" id="{2A07C160-8587-462D-928E-D2DBC02D734A}"/>
+              </a:ext>
+            </a:extLst>
+          </p:cNvPr>
+          <p:cNvSpPr txBox="1"/>
+          <p:nvPr/>
+        </p:nvSpPr>
+        <p:spPr>
+          <a:xfrm>
+            <a:off x="3956064" y="4021928"/>
+            <a:ext cx="2139950" cy="400110"/>
+          </a:xfrm>
+          <a:prstGeom prst="rect">
+            <a:avLst/>
+          </a:prstGeom>
+          <a:noFill/>
+        </p:spPr>
+        <p:txBody>
+          <a:bodyPr wrap="square" rtlCol="0">
+            <a:spAutoFit/>
+          </a:bodyPr>
+          <a:lstStyle/>
+          <a:p>
+            <a:r>
+              <a:rPr lang="hu-HU" sz="2000" b="1" dirty="0">
+                <a:latin typeface="Orbitron" panose="020B0604020202020204" charset="0"/>
+              </a:rPr>
+              <a:t>JavaScript</a:t>
+            </a:r>
+          </a:p>
+        </p:txBody>
+      </p:sp>
+      <p:sp>
+        <p:nvSpPr>
+          <p:cNvPr id="11" name="Szövegdoboz 10">
+            <a:extLst>
+              <a:ext uri="{FF2B5EF4-FFF2-40B4-BE49-F238E27FC236}">
+                <a16:creationId xmlns:a16="http://schemas.microsoft.com/office/drawing/2014/main" id="{4B803D8B-8AB2-4ECF-8A4B-C637CCF49AA6}"/>
+              </a:ext>
+            </a:extLst>
+          </p:cNvPr>
+          <p:cNvSpPr txBox="1"/>
+          <p:nvPr/>
+        </p:nvSpPr>
+        <p:spPr>
+          <a:xfrm>
+            <a:off x="3864283" y="3120974"/>
+            <a:ext cx="1745325" cy="400110"/>
+          </a:xfrm>
+          <a:prstGeom prst="rect">
+            <a:avLst/>
+          </a:prstGeom>
+          <a:noFill/>
+        </p:spPr>
+        <p:txBody>
+          <a:bodyPr wrap="square" rtlCol="0">
+            <a:spAutoFit/>
+          </a:bodyPr>
+          <a:lstStyle/>
+          <a:p>
+            <a:r>
+              <a:rPr lang="hu-HU" sz="2000" b="1" dirty="0">
+                <a:latin typeface="Orbitron" panose="020B0604020202020204" charset="0"/>
+              </a:rPr>
+              <a:t>CSS 3</a:t>
+            </a:r>
+          </a:p>
+        </p:txBody>
+      </p:sp>
+      <p:sp>
+        <p:nvSpPr>
+          <p:cNvPr id="10" name="Szövegdoboz 9">
+            <a:extLst>
+              <a:ext uri="{FF2B5EF4-FFF2-40B4-BE49-F238E27FC236}">
+                <a16:creationId xmlns:a16="http://schemas.microsoft.com/office/drawing/2014/main" id="{FE8E280B-B66E-4FD4-B430-0FD6D0282B0E}"/>
+              </a:ext>
+            </a:extLst>
+          </p:cNvPr>
+          <p:cNvSpPr txBox="1"/>
+          <p:nvPr/>
+        </p:nvSpPr>
+        <p:spPr>
+          <a:xfrm>
+            <a:off x="3598483" y="2311548"/>
+            <a:ext cx="2298745" cy="400110"/>
+          </a:xfrm>
+          <a:prstGeom prst="rect">
+            <a:avLst/>
+          </a:prstGeom>
+          <a:noFill/>
+        </p:spPr>
+        <p:txBody>
+          <a:bodyPr wrap="square" rtlCol="0">
+            <a:spAutoFit/>
+          </a:bodyPr>
+          <a:lstStyle/>
+          <a:p>
+            <a:r>
+              <a:rPr lang="hu-HU" sz="2000" b="1" dirty="0">
+                <a:latin typeface="Orbitron" panose="020B0604020202020204" charset="0"/>
+              </a:rPr>
+              <a:t>Bootstrap 5</a:t>
+            </a:r>
+          </a:p>
+        </p:txBody>
+      </p:sp>
+      <p:sp>
+        <p:nvSpPr>
+          <p:cNvPr id="9" name="Szövegdoboz 8">
+            <a:extLst>
+              <a:ext uri="{FF2B5EF4-FFF2-40B4-BE49-F238E27FC236}">
+                <a16:creationId xmlns:a16="http://schemas.microsoft.com/office/drawing/2014/main" id="{610A19A2-CA4C-4358-857E-29216BC5C996}"/>
+              </a:ext>
+            </a:extLst>
+          </p:cNvPr>
+          <p:cNvSpPr txBox="1"/>
+          <p:nvPr/>
+        </p:nvSpPr>
+        <p:spPr>
+          <a:xfrm>
+            <a:off x="2509367" y="1385002"/>
+            <a:ext cx="2416161" cy="400110"/>
+          </a:xfrm>
+          <a:prstGeom prst="rect">
+            <a:avLst/>
+          </a:prstGeom>
+          <a:noFill/>
+        </p:spPr>
+        <p:txBody>
+          <a:bodyPr wrap="square" rtlCol="0">
+            <a:spAutoFit/>
+          </a:bodyPr>
+          <a:lstStyle/>
+          <a:p>
+            <a:r>
+              <a:rPr lang="hu-HU" sz="2000" b="1" dirty="0">
+                <a:latin typeface="Orbitron" panose="020B0604020202020204" charset="0"/>
+              </a:rPr>
+              <a:t>HTML 5</a:t>
+            </a:r>
+          </a:p>
+        </p:txBody>
+      </p:sp>
       <p:sp>
         <p:nvSpPr>
           <p:cNvPr id="302" name="Google Shape;302;p39"/>
@@ -6431,159 +6591,903 @@
           </a:prstGeom>
         </p:spPr>
       </p:pic>
-      <p:sp>
-        <p:nvSpPr>
-          <p:cNvPr id="9" name="Szövegdoboz 8">
-            <a:extLst>
-              <a:ext uri="{FF2B5EF4-FFF2-40B4-BE49-F238E27FC236}">
-                <a16:creationId xmlns:a16="http://schemas.microsoft.com/office/drawing/2014/main" id="{610A19A2-CA4C-4358-857E-29216BC5C996}"/>
-              </a:ext>
-            </a:extLst>
-          </p:cNvPr>
-          <p:cNvSpPr txBox="1"/>
-          <p:nvPr/>
-        </p:nvSpPr>
-        <p:spPr>
-          <a:xfrm>
-            <a:off x="5132639" y="1362846"/>
-            <a:ext cx="2416161" cy="400110"/>
-          </a:xfrm>
-          <a:prstGeom prst="rect">
-            <a:avLst/>
-          </a:prstGeom>
-          <a:noFill/>
-        </p:spPr>
-        <p:txBody>
-          <a:bodyPr wrap="square" rtlCol="0">
-            <a:spAutoFit/>
-          </a:bodyPr>
-          <a:lstStyle/>
-          <a:p>
-            <a:r>
-              <a:rPr lang="hu-HU" sz="2000" b="1" dirty="0">
-                <a:latin typeface="Orbitron" panose="020B0604020202020204" charset="0"/>
-              </a:rPr>
-              <a:t>HTML 5</a:t>
-            </a:r>
-          </a:p>
-        </p:txBody>
-      </p:sp>
-      <p:sp>
-        <p:nvSpPr>
-          <p:cNvPr id="10" name="Szövegdoboz 9">
-            <a:extLst>
-              <a:ext uri="{FF2B5EF4-FFF2-40B4-BE49-F238E27FC236}">
-                <a16:creationId xmlns:a16="http://schemas.microsoft.com/office/drawing/2014/main" id="{FE8E280B-B66E-4FD4-B430-0FD6D0282B0E}"/>
-              </a:ext>
-            </a:extLst>
-          </p:cNvPr>
-          <p:cNvSpPr txBox="1"/>
-          <p:nvPr/>
-        </p:nvSpPr>
-        <p:spPr>
-          <a:xfrm>
-            <a:off x="476602" y="2300899"/>
-            <a:ext cx="2298745" cy="400110"/>
-          </a:xfrm>
-          <a:prstGeom prst="rect">
-            <a:avLst/>
-          </a:prstGeom>
-          <a:noFill/>
-        </p:spPr>
-        <p:txBody>
-          <a:bodyPr wrap="square" rtlCol="0">
-            <a:spAutoFit/>
-          </a:bodyPr>
-          <a:lstStyle/>
-          <a:p>
-            <a:r>
-              <a:rPr lang="hu-HU" sz="2000" b="1" dirty="0">
-                <a:latin typeface="Orbitron" panose="020B0604020202020204" charset="0"/>
-              </a:rPr>
-              <a:t>Bootstrap 5</a:t>
-            </a:r>
-          </a:p>
-        </p:txBody>
-      </p:sp>
-      <p:sp>
-        <p:nvSpPr>
-          <p:cNvPr id="11" name="Szövegdoboz 10">
-            <a:extLst>
-              <a:ext uri="{FF2B5EF4-FFF2-40B4-BE49-F238E27FC236}">
-                <a16:creationId xmlns:a16="http://schemas.microsoft.com/office/drawing/2014/main" id="{4B803D8B-8AB2-4ECF-8A4B-C637CCF49AA6}"/>
-              </a:ext>
-            </a:extLst>
-          </p:cNvPr>
-          <p:cNvSpPr txBox="1"/>
-          <p:nvPr/>
-        </p:nvSpPr>
-        <p:spPr>
-          <a:xfrm>
-            <a:off x="5991904" y="3092587"/>
-            <a:ext cx="1745325" cy="400110"/>
-          </a:xfrm>
-          <a:prstGeom prst="rect">
-            <a:avLst/>
-          </a:prstGeom>
-          <a:noFill/>
-        </p:spPr>
-        <p:txBody>
-          <a:bodyPr wrap="square" rtlCol="0">
-            <a:spAutoFit/>
-          </a:bodyPr>
-          <a:lstStyle/>
-          <a:p>
-            <a:r>
-              <a:rPr lang="hu-HU" sz="2000" b="1" dirty="0">
-                <a:latin typeface="Orbitron" panose="020B0604020202020204" charset="0"/>
-              </a:rPr>
-              <a:t>CSS 3</a:t>
-            </a:r>
-          </a:p>
-        </p:txBody>
-      </p:sp>
-      <p:sp>
-        <p:nvSpPr>
-          <p:cNvPr id="12" name="Szövegdoboz 11">
-            <a:extLst>
-              <a:ext uri="{FF2B5EF4-FFF2-40B4-BE49-F238E27FC236}">
-                <a16:creationId xmlns:a16="http://schemas.microsoft.com/office/drawing/2014/main" id="{2A07C160-8587-462D-928E-D2DBC02D734A}"/>
-              </a:ext>
-            </a:extLst>
-          </p:cNvPr>
-          <p:cNvSpPr txBox="1"/>
-          <p:nvPr/>
-        </p:nvSpPr>
-        <p:spPr>
-          <a:xfrm>
-            <a:off x="1446506" y="4021928"/>
-            <a:ext cx="2139950" cy="400110"/>
-          </a:xfrm>
-          <a:prstGeom prst="rect">
-            <a:avLst/>
-          </a:prstGeom>
-          <a:noFill/>
-        </p:spPr>
-        <p:txBody>
-          <a:bodyPr wrap="square" rtlCol="0">
-            <a:spAutoFit/>
-          </a:bodyPr>
-          <a:lstStyle/>
-          <a:p>
-            <a:r>
-              <a:rPr lang="hu-HU" sz="2000" b="1" dirty="0">
-                <a:latin typeface="Orbitron" panose="020B0604020202020204" charset="0"/>
-              </a:rPr>
-              <a:t>JavaScript</a:t>
-            </a:r>
-          </a:p>
-        </p:txBody>
-      </p:sp>
     </p:spTree>
   </p:cSld>
   <p:clrMapOvr>
     <a:masterClrMapping/>
   </p:clrMapOvr>
+  <mc:AlternateContent xmlns:mc="http://schemas.openxmlformats.org/markup-compatibility/2006">
+    <mc:Choice xmlns:p14="http://schemas.microsoft.com/office/powerpoint/2010/main" Requires="p14">
+      <p:transition spd="slow" p14:dur="1250">
+        <p14:switch dir="l"/>
+      </p:transition>
+    </mc:Choice>
+    <mc:Fallback>
+      <p:transition spd="slow">
+        <p:fade/>
+      </p:transition>
+    </mc:Fallback>
+  </mc:AlternateContent>
+  <p:timing>
+    <p:tnLst>
+      <p:par>
+        <p:cTn id="1" dur="indefinite" restart="never" nodeType="tmRoot">
+          <p:childTnLst>
+            <p:seq concurrent="1" nextAc="seek">
+              <p:cTn id="2" dur="indefinite" nodeType="mainSeq">
+                <p:childTnLst>
+                  <p:par>
+                    <p:cTn id="3" fill="hold">
+                      <p:stCondLst>
+                        <p:cond delay="indefinite"/>
+                      </p:stCondLst>
+                      <p:childTnLst>
+                        <p:par>
+                          <p:cTn id="4" fill="hold">
+                            <p:stCondLst>
+                              <p:cond delay="0"/>
+                            </p:stCondLst>
+                            <p:childTnLst>
+                              <p:par>
+                                <p:cTn id="5" presetID="53" presetClass="entr" presetSubtype="16" fill="hold" nodeType="clickEffect">
+                                  <p:stCondLst>
+                                    <p:cond delay="0"/>
+                                  </p:stCondLst>
+                                  <p:childTnLst>
+                                    <p:set>
+                                      <p:cBhvr>
+                                        <p:cTn id="6" dur="1" fill="hold">
+                                          <p:stCondLst>
+                                            <p:cond delay="0"/>
+                                          </p:stCondLst>
+                                        </p:cTn>
+                                        <p:tgtEl>
+                                          <p:spTgt spid="2050"/>
+                                        </p:tgtEl>
+                                        <p:attrNameLst>
+                                          <p:attrName>style.visibility</p:attrName>
+                                        </p:attrNameLst>
+                                      </p:cBhvr>
+                                      <p:to>
+                                        <p:strVal val="visible"/>
+                                      </p:to>
+                                    </p:set>
+                                    <p:anim calcmode="lin" valueType="num">
+                                      <p:cBhvr>
+                                        <p:cTn id="7" dur="500" fill="hold"/>
+                                        <p:tgtEl>
+                                          <p:spTgt spid="2050"/>
+                                        </p:tgtEl>
+                                        <p:attrNameLst>
+                                          <p:attrName>ppt_w</p:attrName>
+                                        </p:attrNameLst>
+                                      </p:cBhvr>
+                                      <p:tavLst>
+                                        <p:tav tm="0">
+                                          <p:val>
+                                            <p:fltVal val="0"/>
+                                          </p:val>
+                                        </p:tav>
+                                        <p:tav tm="100000">
+                                          <p:val>
+                                            <p:strVal val="#ppt_w"/>
+                                          </p:val>
+                                        </p:tav>
+                                      </p:tavLst>
+                                    </p:anim>
+                                    <p:anim calcmode="lin" valueType="num">
+                                      <p:cBhvr>
+                                        <p:cTn id="8" dur="500" fill="hold"/>
+                                        <p:tgtEl>
+                                          <p:spTgt spid="2050"/>
+                                        </p:tgtEl>
+                                        <p:attrNameLst>
+                                          <p:attrName>ppt_h</p:attrName>
+                                        </p:attrNameLst>
+                                      </p:cBhvr>
+                                      <p:tavLst>
+                                        <p:tav tm="0">
+                                          <p:val>
+                                            <p:fltVal val="0"/>
+                                          </p:val>
+                                        </p:tav>
+                                        <p:tav tm="100000">
+                                          <p:val>
+                                            <p:strVal val="#ppt_h"/>
+                                          </p:val>
+                                        </p:tav>
+                                      </p:tavLst>
+                                    </p:anim>
+                                    <p:animEffect transition="in" filter="fade">
+                                      <p:cBhvr>
+                                        <p:cTn id="9" dur="500"/>
+                                        <p:tgtEl>
+                                          <p:spTgt spid="2050"/>
+                                        </p:tgtEl>
+                                      </p:cBhvr>
+                                    </p:animEffect>
+                                  </p:childTnLst>
+                                </p:cTn>
+                              </p:par>
+                            </p:childTnLst>
+                          </p:cTn>
+                        </p:par>
+                        <p:par>
+                          <p:cTn id="10" fill="hold">
+                            <p:stCondLst>
+                              <p:cond delay="500"/>
+                            </p:stCondLst>
+                            <p:childTnLst>
+                              <p:par>
+                                <p:cTn id="11" presetID="22" presetClass="entr" presetSubtype="2" fill="hold" nodeType="afterEffect">
+                                  <p:stCondLst>
+                                    <p:cond delay="0"/>
+                                  </p:stCondLst>
+                                  <p:childTnLst>
+                                    <p:set>
+                                      <p:cBhvr>
+                                        <p:cTn id="12" dur="1" fill="hold">
+                                          <p:stCondLst>
+                                            <p:cond delay="0"/>
+                                          </p:stCondLst>
+                                        </p:cTn>
+                                        <p:tgtEl>
+                                          <p:spTgt spid="3"/>
+                                        </p:tgtEl>
+                                        <p:attrNameLst>
+                                          <p:attrName>style.visibility</p:attrName>
+                                        </p:attrNameLst>
+                                      </p:cBhvr>
+                                      <p:to>
+                                        <p:strVal val="visible"/>
+                                      </p:to>
+                                    </p:set>
+                                    <p:animEffect transition="in" filter="wipe(right)">
+                                      <p:cBhvr>
+                                        <p:cTn id="13" dur="500"/>
+                                        <p:tgtEl>
+                                          <p:spTgt spid="3"/>
+                                        </p:tgtEl>
+                                      </p:cBhvr>
+                                    </p:animEffect>
+                                  </p:childTnLst>
+                                </p:cTn>
+                              </p:par>
+                            </p:childTnLst>
+                          </p:cTn>
+                        </p:par>
+                        <p:par>
+                          <p:cTn id="14" fill="hold">
+                            <p:stCondLst>
+                              <p:cond delay="1000"/>
+                            </p:stCondLst>
+                            <p:childTnLst>
+                              <p:par>
+                                <p:cTn id="15" presetID="1" presetClass="entr" presetSubtype="0" fill="hold" grpId="1" nodeType="afterEffect">
+                                  <p:stCondLst>
+                                    <p:cond delay="0"/>
+                                  </p:stCondLst>
+                                  <p:childTnLst>
+                                    <p:set>
+                                      <p:cBhvr>
+                                        <p:cTn id="16" dur="1" fill="hold">
+                                          <p:stCondLst>
+                                            <p:cond delay="0"/>
+                                          </p:stCondLst>
+                                        </p:cTn>
+                                        <p:tgtEl>
+                                          <p:spTgt spid="9"/>
+                                        </p:tgtEl>
+                                        <p:attrNameLst>
+                                          <p:attrName>style.visibility</p:attrName>
+                                        </p:attrNameLst>
+                                      </p:cBhvr>
+                                      <p:to>
+                                        <p:strVal val="visible"/>
+                                      </p:to>
+                                    </p:set>
+                                  </p:childTnLst>
+                                </p:cTn>
+                              </p:par>
+                            </p:childTnLst>
+                          </p:cTn>
+                        </p:par>
+                        <p:par>
+                          <p:cTn id="17" fill="hold">
+                            <p:stCondLst>
+                              <p:cond delay="1000"/>
+                            </p:stCondLst>
+                            <p:childTnLst>
+                              <p:par>
+                                <p:cTn id="18" presetID="42" presetClass="path" presetSubtype="0" accel="10000" decel="10000" fill="hold" grpId="0" nodeType="afterEffect">
+                                  <p:stCondLst>
+                                    <p:cond delay="0"/>
+                                  </p:stCondLst>
+                                  <p:childTnLst>
+                                    <p:animMotion origin="layout" path="M -1.94444E-6 -1.97531E-6 L 0.28333 -0.00308 " pathEditMode="relative" rAng="0" ptsTypes="AA">
+                                      <p:cBhvr>
+                                        <p:cTn id="19" dur="500" fill="hold"/>
+                                        <p:tgtEl>
+                                          <p:spTgt spid="9"/>
+                                        </p:tgtEl>
+                                        <p:attrNameLst>
+                                          <p:attrName>ppt_x</p:attrName>
+                                          <p:attrName>ppt_y</p:attrName>
+                                        </p:attrNameLst>
+                                      </p:cBhvr>
+                                      <p:rCtr x="14219" y="-185"/>
+                                    </p:animMotion>
+                                  </p:childTnLst>
+                                </p:cTn>
+                              </p:par>
+                            </p:childTnLst>
+                          </p:cTn>
+                        </p:par>
+                      </p:childTnLst>
+                    </p:cTn>
+                  </p:par>
+                  <p:par>
+                    <p:cTn id="20" fill="hold">
+                      <p:stCondLst>
+                        <p:cond delay="indefinite"/>
+                      </p:stCondLst>
+                      <p:childTnLst>
+                        <p:par>
+                          <p:cTn id="21" fill="hold">
+                            <p:stCondLst>
+                              <p:cond delay="0"/>
+                            </p:stCondLst>
+                            <p:childTnLst>
+                              <p:par>
+                                <p:cTn id="22" presetID="53" presetClass="entr" presetSubtype="16" fill="hold" nodeType="clickEffect">
+                                  <p:stCondLst>
+                                    <p:cond delay="0"/>
+                                  </p:stCondLst>
+                                  <p:childTnLst>
+                                    <p:set>
+                                      <p:cBhvr>
+                                        <p:cTn id="23" dur="1" fill="hold">
+                                          <p:stCondLst>
+                                            <p:cond delay="0"/>
+                                          </p:stCondLst>
+                                        </p:cTn>
+                                        <p:tgtEl>
+                                          <p:spTgt spid="4"/>
+                                        </p:tgtEl>
+                                        <p:attrNameLst>
+                                          <p:attrName>style.visibility</p:attrName>
+                                        </p:attrNameLst>
+                                      </p:cBhvr>
+                                      <p:to>
+                                        <p:strVal val="visible"/>
+                                      </p:to>
+                                    </p:set>
+                                    <p:anim calcmode="lin" valueType="num">
+                                      <p:cBhvr>
+                                        <p:cTn id="24" dur="500" fill="hold"/>
+                                        <p:tgtEl>
+                                          <p:spTgt spid="4"/>
+                                        </p:tgtEl>
+                                        <p:attrNameLst>
+                                          <p:attrName>ppt_w</p:attrName>
+                                        </p:attrNameLst>
+                                      </p:cBhvr>
+                                      <p:tavLst>
+                                        <p:tav tm="0">
+                                          <p:val>
+                                            <p:fltVal val="0"/>
+                                          </p:val>
+                                        </p:tav>
+                                        <p:tav tm="100000">
+                                          <p:val>
+                                            <p:strVal val="#ppt_w"/>
+                                          </p:val>
+                                        </p:tav>
+                                      </p:tavLst>
+                                    </p:anim>
+                                    <p:anim calcmode="lin" valueType="num">
+                                      <p:cBhvr>
+                                        <p:cTn id="25" dur="500" fill="hold"/>
+                                        <p:tgtEl>
+                                          <p:spTgt spid="4"/>
+                                        </p:tgtEl>
+                                        <p:attrNameLst>
+                                          <p:attrName>ppt_h</p:attrName>
+                                        </p:attrNameLst>
+                                      </p:cBhvr>
+                                      <p:tavLst>
+                                        <p:tav tm="0">
+                                          <p:val>
+                                            <p:fltVal val="0"/>
+                                          </p:val>
+                                        </p:tav>
+                                        <p:tav tm="100000">
+                                          <p:val>
+                                            <p:strVal val="#ppt_h"/>
+                                          </p:val>
+                                        </p:tav>
+                                      </p:tavLst>
+                                    </p:anim>
+                                    <p:animEffect transition="in" filter="fade">
+                                      <p:cBhvr>
+                                        <p:cTn id="26" dur="500"/>
+                                        <p:tgtEl>
+                                          <p:spTgt spid="4"/>
+                                        </p:tgtEl>
+                                      </p:cBhvr>
+                                    </p:animEffect>
+                                  </p:childTnLst>
+                                </p:cTn>
+                              </p:par>
+                            </p:childTnLst>
+                          </p:cTn>
+                        </p:par>
+                        <p:par>
+                          <p:cTn id="27" fill="hold">
+                            <p:stCondLst>
+                              <p:cond delay="500"/>
+                            </p:stCondLst>
+                            <p:childTnLst>
+                              <p:par>
+                                <p:cTn id="28" presetID="22" presetClass="entr" presetSubtype="8" fill="hold" nodeType="afterEffect">
+                                  <p:stCondLst>
+                                    <p:cond delay="0"/>
+                                  </p:stCondLst>
+                                  <p:childTnLst>
+                                    <p:set>
+                                      <p:cBhvr>
+                                        <p:cTn id="29" dur="1" fill="hold">
+                                          <p:stCondLst>
+                                            <p:cond delay="0"/>
+                                          </p:stCondLst>
+                                        </p:cTn>
+                                        <p:tgtEl>
+                                          <p:spTgt spid="5"/>
+                                        </p:tgtEl>
+                                        <p:attrNameLst>
+                                          <p:attrName>style.visibility</p:attrName>
+                                        </p:attrNameLst>
+                                      </p:cBhvr>
+                                      <p:to>
+                                        <p:strVal val="visible"/>
+                                      </p:to>
+                                    </p:set>
+                                    <p:animEffect transition="in" filter="wipe(left)">
+                                      <p:cBhvr>
+                                        <p:cTn id="30" dur="500"/>
+                                        <p:tgtEl>
+                                          <p:spTgt spid="5"/>
+                                        </p:tgtEl>
+                                      </p:cBhvr>
+                                    </p:animEffect>
+                                  </p:childTnLst>
+                                </p:cTn>
+                              </p:par>
+                            </p:childTnLst>
+                          </p:cTn>
+                        </p:par>
+                        <p:par>
+                          <p:cTn id="31" fill="hold">
+                            <p:stCondLst>
+                              <p:cond delay="1000"/>
+                            </p:stCondLst>
+                            <p:childTnLst>
+                              <p:par>
+                                <p:cTn id="32" presetID="1" presetClass="entr" presetSubtype="0" fill="hold" grpId="1" nodeType="afterEffect">
+                                  <p:stCondLst>
+                                    <p:cond delay="0"/>
+                                  </p:stCondLst>
+                                  <p:childTnLst>
+                                    <p:set>
+                                      <p:cBhvr>
+                                        <p:cTn id="33" dur="1" fill="hold">
+                                          <p:stCondLst>
+                                            <p:cond delay="0"/>
+                                          </p:stCondLst>
+                                        </p:cTn>
+                                        <p:tgtEl>
+                                          <p:spTgt spid="10"/>
+                                        </p:tgtEl>
+                                        <p:attrNameLst>
+                                          <p:attrName>style.visibility</p:attrName>
+                                        </p:attrNameLst>
+                                      </p:cBhvr>
+                                      <p:to>
+                                        <p:strVal val="visible"/>
+                                      </p:to>
+                                    </p:set>
+                                  </p:childTnLst>
+                                </p:cTn>
+                              </p:par>
+                            </p:childTnLst>
+                          </p:cTn>
+                        </p:par>
+                        <p:par>
+                          <p:cTn id="34" fill="hold">
+                            <p:stCondLst>
+                              <p:cond delay="1000"/>
+                            </p:stCondLst>
+                            <p:childTnLst>
+                              <p:par>
+                                <p:cTn id="35" presetID="42" presetClass="path" presetSubtype="0" accel="10000" decel="10000" fill="hold" grpId="0" nodeType="afterEffect">
+                                  <p:stCondLst>
+                                    <p:cond delay="0"/>
+                                  </p:stCondLst>
+                                  <p:childTnLst>
+                                    <p:animMotion origin="layout" path="M -8.33333E-7 -1.60494E-6 L -0.33785 -0.00247 " pathEditMode="relative" rAng="0" ptsTypes="AA">
+                                      <p:cBhvr>
+                                        <p:cTn id="36" dur="500" fill="hold"/>
+                                        <p:tgtEl>
+                                          <p:spTgt spid="10"/>
+                                        </p:tgtEl>
+                                        <p:attrNameLst>
+                                          <p:attrName>ppt_x</p:attrName>
+                                          <p:attrName>ppt_y</p:attrName>
+                                        </p:attrNameLst>
+                                      </p:cBhvr>
+                                      <p:rCtr x="-16892" y="-123"/>
+                                    </p:animMotion>
+                                  </p:childTnLst>
+                                </p:cTn>
+                              </p:par>
+                            </p:childTnLst>
+                          </p:cTn>
+                        </p:par>
+                      </p:childTnLst>
+                    </p:cTn>
+                  </p:par>
+                  <p:par>
+                    <p:cTn id="37" fill="hold">
+                      <p:stCondLst>
+                        <p:cond delay="indefinite"/>
+                      </p:stCondLst>
+                      <p:childTnLst>
+                        <p:par>
+                          <p:cTn id="38" fill="hold">
+                            <p:stCondLst>
+                              <p:cond delay="0"/>
+                            </p:stCondLst>
+                            <p:childTnLst>
+                              <p:par>
+                                <p:cTn id="39" presetID="53" presetClass="entr" presetSubtype="16" fill="hold" nodeType="clickEffect">
+                                  <p:stCondLst>
+                                    <p:cond delay="0"/>
+                                  </p:stCondLst>
+                                  <p:childTnLst>
+                                    <p:set>
+                                      <p:cBhvr>
+                                        <p:cTn id="40" dur="1" fill="hold">
+                                          <p:stCondLst>
+                                            <p:cond delay="0"/>
+                                          </p:stCondLst>
+                                        </p:cTn>
+                                        <p:tgtEl>
+                                          <p:spTgt spid="2052"/>
+                                        </p:tgtEl>
+                                        <p:attrNameLst>
+                                          <p:attrName>style.visibility</p:attrName>
+                                        </p:attrNameLst>
+                                      </p:cBhvr>
+                                      <p:to>
+                                        <p:strVal val="visible"/>
+                                      </p:to>
+                                    </p:set>
+                                    <p:anim calcmode="lin" valueType="num">
+                                      <p:cBhvr>
+                                        <p:cTn id="41" dur="500" fill="hold"/>
+                                        <p:tgtEl>
+                                          <p:spTgt spid="2052"/>
+                                        </p:tgtEl>
+                                        <p:attrNameLst>
+                                          <p:attrName>ppt_w</p:attrName>
+                                        </p:attrNameLst>
+                                      </p:cBhvr>
+                                      <p:tavLst>
+                                        <p:tav tm="0">
+                                          <p:val>
+                                            <p:fltVal val="0"/>
+                                          </p:val>
+                                        </p:tav>
+                                        <p:tav tm="100000">
+                                          <p:val>
+                                            <p:strVal val="#ppt_w"/>
+                                          </p:val>
+                                        </p:tav>
+                                      </p:tavLst>
+                                    </p:anim>
+                                    <p:anim calcmode="lin" valueType="num">
+                                      <p:cBhvr>
+                                        <p:cTn id="42" dur="500" fill="hold"/>
+                                        <p:tgtEl>
+                                          <p:spTgt spid="2052"/>
+                                        </p:tgtEl>
+                                        <p:attrNameLst>
+                                          <p:attrName>ppt_h</p:attrName>
+                                        </p:attrNameLst>
+                                      </p:cBhvr>
+                                      <p:tavLst>
+                                        <p:tav tm="0">
+                                          <p:val>
+                                            <p:fltVal val="0"/>
+                                          </p:val>
+                                        </p:tav>
+                                        <p:tav tm="100000">
+                                          <p:val>
+                                            <p:strVal val="#ppt_h"/>
+                                          </p:val>
+                                        </p:tav>
+                                      </p:tavLst>
+                                    </p:anim>
+                                    <p:animEffect transition="in" filter="fade">
+                                      <p:cBhvr>
+                                        <p:cTn id="43" dur="500"/>
+                                        <p:tgtEl>
+                                          <p:spTgt spid="2052"/>
+                                        </p:tgtEl>
+                                      </p:cBhvr>
+                                    </p:animEffect>
+                                  </p:childTnLst>
+                                </p:cTn>
+                              </p:par>
+                            </p:childTnLst>
+                          </p:cTn>
+                        </p:par>
+                        <p:par>
+                          <p:cTn id="44" fill="hold">
+                            <p:stCondLst>
+                              <p:cond delay="500"/>
+                            </p:stCondLst>
+                            <p:childTnLst>
+                              <p:par>
+                                <p:cTn id="45" presetID="22" presetClass="entr" presetSubtype="2" fill="hold" nodeType="afterEffect">
+                                  <p:stCondLst>
+                                    <p:cond delay="0"/>
+                                  </p:stCondLst>
+                                  <p:childTnLst>
+                                    <p:set>
+                                      <p:cBhvr>
+                                        <p:cTn id="46" dur="1" fill="hold">
+                                          <p:stCondLst>
+                                            <p:cond delay="0"/>
+                                          </p:stCondLst>
+                                        </p:cTn>
+                                        <p:tgtEl>
+                                          <p:spTgt spid="6"/>
+                                        </p:tgtEl>
+                                        <p:attrNameLst>
+                                          <p:attrName>style.visibility</p:attrName>
+                                        </p:attrNameLst>
+                                      </p:cBhvr>
+                                      <p:to>
+                                        <p:strVal val="visible"/>
+                                      </p:to>
+                                    </p:set>
+                                    <p:animEffect transition="in" filter="wipe(right)">
+                                      <p:cBhvr>
+                                        <p:cTn id="47" dur="500"/>
+                                        <p:tgtEl>
+                                          <p:spTgt spid="6"/>
+                                        </p:tgtEl>
+                                      </p:cBhvr>
+                                    </p:animEffect>
+                                  </p:childTnLst>
+                                </p:cTn>
+                              </p:par>
+                            </p:childTnLst>
+                          </p:cTn>
+                        </p:par>
+                        <p:par>
+                          <p:cTn id="48" fill="hold">
+                            <p:stCondLst>
+                              <p:cond delay="1000"/>
+                            </p:stCondLst>
+                            <p:childTnLst>
+                              <p:par>
+                                <p:cTn id="49" presetID="1" presetClass="entr" presetSubtype="0" fill="hold" grpId="1" nodeType="afterEffect">
+                                  <p:stCondLst>
+                                    <p:cond delay="0"/>
+                                  </p:stCondLst>
+                                  <p:childTnLst>
+                                    <p:set>
+                                      <p:cBhvr>
+                                        <p:cTn id="50" dur="1" fill="hold">
+                                          <p:stCondLst>
+                                            <p:cond delay="0"/>
+                                          </p:stCondLst>
+                                        </p:cTn>
+                                        <p:tgtEl>
+                                          <p:spTgt spid="11"/>
+                                        </p:tgtEl>
+                                        <p:attrNameLst>
+                                          <p:attrName>style.visibility</p:attrName>
+                                        </p:attrNameLst>
+                                      </p:cBhvr>
+                                      <p:to>
+                                        <p:strVal val="visible"/>
+                                      </p:to>
+                                    </p:set>
+                                  </p:childTnLst>
+                                </p:cTn>
+                              </p:par>
+                            </p:childTnLst>
+                          </p:cTn>
+                        </p:par>
+                        <p:par>
+                          <p:cTn id="51" fill="hold">
+                            <p:stCondLst>
+                              <p:cond delay="1000"/>
+                            </p:stCondLst>
+                            <p:childTnLst>
+                              <p:par>
+                                <p:cTn id="52" presetID="42" presetClass="path" presetSubtype="0" accel="10000" decel="10000" fill="hold" grpId="0" nodeType="afterEffect">
+                                  <p:stCondLst>
+                                    <p:cond delay="0"/>
+                                  </p:stCondLst>
+                                  <p:childTnLst>
+                                    <p:animMotion origin="layout" path="M 4.44444E-6 9.87654E-7 L 0.23958 0.00092 " pathEditMode="relative" rAng="0" ptsTypes="AA">
+                                      <p:cBhvr>
+                                        <p:cTn id="53" dur="500" fill="hold"/>
+                                        <p:tgtEl>
+                                          <p:spTgt spid="11"/>
+                                        </p:tgtEl>
+                                        <p:attrNameLst>
+                                          <p:attrName>ppt_x</p:attrName>
+                                          <p:attrName>ppt_y</p:attrName>
+                                        </p:attrNameLst>
+                                      </p:cBhvr>
+                                      <p:rCtr x="11979" y="31"/>
+                                    </p:animMotion>
+                                  </p:childTnLst>
+                                </p:cTn>
+                              </p:par>
+                            </p:childTnLst>
+                          </p:cTn>
+                        </p:par>
+                      </p:childTnLst>
+                    </p:cTn>
+                  </p:par>
+                  <p:par>
+                    <p:cTn id="54" fill="hold">
+                      <p:stCondLst>
+                        <p:cond delay="indefinite"/>
+                      </p:stCondLst>
+                      <p:childTnLst>
+                        <p:par>
+                          <p:cTn id="55" fill="hold">
+                            <p:stCondLst>
+                              <p:cond delay="0"/>
+                            </p:stCondLst>
+                            <p:childTnLst>
+                              <p:par>
+                                <p:cTn id="56" presetID="53" presetClass="entr" presetSubtype="16" fill="hold" nodeType="clickEffect">
+                                  <p:stCondLst>
+                                    <p:cond delay="0"/>
+                                  </p:stCondLst>
+                                  <p:childTnLst>
+                                    <p:set>
+                                      <p:cBhvr>
+                                        <p:cTn id="57" dur="1" fill="hold">
+                                          <p:stCondLst>
+                                            <p:cond delay="0"/>
+                                          </p:stCondLst>
+                                        </p:cTn>
+                                        <p:tgtEl>
+                                          <p:spTgt spid="7"/>
+                                        </p:tgtEl>
+                                        <p:attrNameLst>
+                                          <p:attrName>style.visibility</p:attrName>
+                                        </p:attrNameLst>
+                                      </p:cBhvr>
+                                      <p:to>
+                                        <p:strVal val="visible"/>
+                                      </p:to>
+                                    </p:set>
+                                    <p:anim calcmode="lin" valueType="num">
+                                      <p:cBhvr>
+                                        <p:cTn id="58" dur="500" fill="hold"/>
+                                        <p:tgtEl>
+                                          <p:spTgt spid="7"/>
+                                        </p:tgtEl>
+                                        <p:attrNameLst>
+                                          <p:attrName>ppt_w</p:attrName>
+                                        </p:attrNameLst>
+                                      </p:cBhvr>
+                                      <p:tavLst>
+                                        <p:tav tm="0">
+                                          <p:val>
+                                            <p:fltVal val="0"/>
+                                          </p:val>
+                                        </p:tav>
+                                        <p:tav tm="100000">
+                                          <p:val>
+                                            <p:strVal val="#ppt_w"/>
+                                          </p:val>
+                                        </p:tav>
+                                      </p:tavLst>
+                                    </p:anim>
+                                    <p:anim calcmode="lin" valueType="num">
+                                      <p:cBhvr>
+                                        <p:cTn id="59" dur="500" fill="hold"/>
+                                        <p:tgtEl>
+                                          <p:spTgt spid="7"/>
+                                        </p:tgtEl>
+                                        <p:attrNameLst>
+                                          <p:attrName>ppt_h</p:attrName>
+                                        </p:attrNameLst>
+                                      </p:cBhvr>
+                                      <p:tavLst>
+                                        <p:tav tm="0">
+                                          <p:val>
+                                            <p:fltVal val="0"/>
+                                          </p:val>
+                                        </p:tav>
+                                        <p:tav tm="100000">
+                                          <p:val>
+                                            <p:strVal val="#ppt_h"/>
+                                          </p:val>
+                                        </p:tav>
+                                      </p:tavLst>
+                                    </p:anim>
+                                    <p:animEffect transition="in" filter="fade">
+                                      <p:cBhvr>
+                                        <p:cTn id="60" dur="500"/>
+                                        <p:tgtEl>
+                                          <p:spTgt spid="7"/>
+                                        </p:tgtEl>
+                                      </p:cBhvr>
+                                    </p:animEffect>
+                                  </p:childTnLst>
+                                </p:cTn>
+                              </p:par>
+                            </p:childTnLst>
+                          </p:cTn>
+                        </p:par>
+                        <p:par>
+                          <p:cTn id="61" fill="hold">
+                            <p:stCondLst>
+                              <p:cond delay="500"/>
+                            </p:stCondLst>
+                            <p:childTnLst>
+                              <p:par>
+                                <p:cTn id="62" presetID="22" presetClass="entr" presetSubtype="8" fill="hold" nodeType="afterEffect">
+                                  <p:stCondLst>
+                                    <p:cond delay="0"/>
+                                  </p:stCondLst>
+                                  <p:childTnLst>
+                                    <p:set>
+                                      <p:cBhvr>
+                                        <p:cTn id="63" dur="1" fill="hold">
+                                          <p:stCondLst>
+                                            <p:cond delay="0"/>
+                                          </p:stCondLst>
+                                        </p:cTn>
+                                        <p:tgtEl>
+                                          <p:spTgt spid="8"/>
+                                        </p:tgtEl>
+                                        <p:attrNameLst>
+                                          <p:attrName>style.visibility</p:attrName>
+                                        </p:attrNameLst>
+                                      </p:cBhvr>
+                                      <p:to>
+                                        <p:strVal val="visible"/>
+                                      </p:to>
+                                    </p:set>
+                                    <p:animEffect transition="in" filter="wipe(left)">
+                                      <p:cBhvr>
+                                        <p:cTn id="64" dur="500"/>
+                                        <p:tgtEl>
+                                          <p:spTgt spid="8"/>
+                                        </p:tgtEl>
+                                      </p:cBhvr>
+                                    </p:animEffect>
+                                  </p:childTnLst>
+                                </p:cTn>
+                              </p:par>
+                            </p:childTnLst>
+                          </p:cTn>
+                        </p:par>
+                        <p:par>
+                          <p:cTn id="65" fill="hold">
+                            <p:stCondLst>
+                              <p:cond delay="1000"/>
+                            </p:stCondLst>
+                            <p:childTnLst>
+                              <p:par>
+                                <p:cTn id="66" presetID="1" presetClass="entr" presetSubtype="0" fill="hold" grpId="1" nodeType="afterEffect">
+                                  <p:stCondLst>
+                                    <p:cond delay="0"/>
+                                  </p:stCondLst>
+                                  <p:childTnLst>
+                                    <p:set>
+                                      <p:cBhvr>
+                                        <p:cTn id="67" dur="1" fill="hold">
+                                          <p:stCondLst>
+                                            <p:cond delay="0"/>
+                                          </p:stCondLst>
+                                        </p:cTn>
+                                        <p:tgtEl>
+                                          <p:spTgt spid="12"/>
+                                        </p:tgtEl>
+                                        <p:attrNameLst>
+                                          <p:attrName>style.visibility</p:attrName>
+                                        </p:attrNameLst>
+                                      </p:cBhvr>
+                                      <p:to>
+                                        <p:strVal val="visible"/>
+                                      </p:to>
+                                    </p:set>
+                                  </p:childTnLst>
+                                </p:cTn>
+                              </p:par>
+                            </p:childTnLst>
+                          </p:cTn>
+                        </p:par>
+                        <p:par>
+                          <p:cTn id="68" fill="hold">
+                            <p:stCondLst>
+                              <p:cond delay="1000"/>
+                            </p:stCondLst>
+                            <p:childTnLst>
+                              <p:par>
+                                <p:cTn id="69" presetID="42" presetClass="path" presetSubtype="0" accel="10000" decel="10000" fill="hold" grpId="0" nodeType="afterEffect">
+                                  <p:stCondLst>
+                                    <p:cond delay="0"/>
+                                  </p:stCondLst>
+                                  <p:childTnLst>
+                                    <p:animMotion origin="layout" path="M -2.77778E-6 9.87654E-7 L -0.28194 0.00092 " pathEditMode="relative" rAng="0" ptsTypes="AA">
+                                      <p:cBhvr>
+                                        <p:cTn id="70" dur="500" fill="hold"/>
+                                        <p:tgtEl>
+                                          <p:spTgt spid="12"/>
+                                        </p:tgtEl>
+                                        <p:attrNameLst>
+                                          <p:attrName>ppt_x</p:attrName>
+                                          <p:attrName>ppt_y</p:attrName>
+                                        </p:attrNameLst>
+                                      </p:cBhvr>
+                                      <p:rCtr x="-14097" y="31"/>
+                                    </p:animMotion>
+                                  </p:childTnLst>
+                                </p:cTn>
+                              </p:par>
+                            </p:childTnLst>
+                          </p:cTn>
+                        </p:par>
+                      </p:childTnLst>
+                    </p:cTn>
+                  </p:par>
+                </p:childTnLst>
+              </p:cTn>
+              <p:prevCondLst>
+                <p:cond evt="onPrev" delay="0">
+                  <p:tgtEl>
+                    <p:sldTgt/>
+                  </p:tgtEl>
+                </p:cond>
+              </p:prevCondLst>
+              <p:nextCondLst>
+                <p:cond evt="onNext" delay="0">
+                  <p:tgtEl>
+                    <p:sldTgt/>
+                  </p:tgtEl>
+                </p:cond>
+              </p:nextCondLst>
+            </p:seq>
+          </p:childTnLst>
+        </p:cTn>
+      </p:par>
+    </p:tnLst>
+    <p:bldLst>
+      <p:bldP spid="12" grpId="0"/>
+      <p:bldP spid="12" grpId="1"/>
+      <p:bldP spid="11" grpId="0"/>
+      <p:bldP spid="11" grpId="1"/>
+      <p:bldP spid="10" grpId="0"/>
+      <p:bldP spid="10" grpId="1"/>
+      <p:bldP spid="9" grpId="0"/>
+      <p:bldP spid="9" grpId="1"/>
+    </p:bldLst>
+  </p:timing>
 </p:sld>
 </file>
 
@@ -7046,6 +7950,365 @@
           </a:sp3d>
         </p:spPr>
       </p:pic>
+      <p:pic>
+        <p:nvPicPr>
+          <p:cNvPr id="3" name="Picture 2">
+            <a:extLst>
+              <a:ext uri="{FF2B5EF4-FFF2-40B4-BE49-F238E27FC236}">
+                <a16:creationId xmlns:a16="http://schemas.microsoft.com/office/drawing/2014/main" id="{09839AA4-A3B4-FE78-990E-83804DB1ACB7}"/>
+              </a:ext>
+            </a:extLst>
+          </p:cNvPr>
+          <p:cNvPicPr>
+            <a:picLocks noChangeAspect="1"/>
+          </p:cNvPicPr>
+          <p:nvPr/>
+        </p:nvPicPr>
+        <p:blipFill>
+          <a:blip r:embed="rId4"/>
+          <a:stretch>
+            <a:fillRect/>
+          </a:stretch>
+        </p:blipFill>
+        <p:spPr>
+          <a:xfrm>
+            <a:off x="457199" y="2300920"/>
+            <a:ext cx="4142740" cy="1599568"/>
+          </a:xfrm>
+          <a:prstGeom prst="rect">
+            <a:avLst/>
+          </a:prstGeom>
+        </p:spPr>
+      </p:pic>
+      <p:pic>
+        <p:nvPicPr>
+          <p:cNvPr id="5" name="Picture 4">
+            <a:extLst>
+              <a:ext uri="{FF2B5EF4-FFF2-40B4-BE49-F238E27FC236}">
+                <a16:creationId xmlns:a16="http://schemas.microsoft.com/office/drawing/2014/main" id="{A0991241-2A71-2F56-ADC9-2316D597D549}"/>
+              </a:ext>
+            </a:extLst>
+          </p:cNvPr>
+          <p:cNvPicPr>
+            <a:picLocks noChangeAspect="1"/>
+          </p:cNvPicPr>
+          <p:nvPr/>
+        </p:nvPicPr>
+        <p:blipFill>
+          <a:blip r:embed="rId5"/>
+          <a:stretch>
+            <a:fillRect/>
+          </a:stretch>
+        </p:blipFill>
+        <p:spPr>
+          <a:xfrm>
+            <a:off x="6139655" y="3287410"/>
+            <a:ext cx="1857634" cy="181000"/>
+          </a:xfrm>
+          <a:prstGeom prst="rect">
+            <a:avLst/>
+          </a:prstGeom>
+        </p:spPr>
+      </p:pic>
+      <p:pic>
+        <p:nvPicPr>
+          <p:cNvPr id="7" name="Picture 6">
+            <a:extLst>
+              <a:ext uri="{FF2B5EF4-FFF2-40B4-BE49-F238E27FC236}">
+                <a16:creationId xmlns:a16="http://schemas.microsoft.com/office/drawing/2014/main" id="{C39AF71D-0906-1F2D-EFAD-480A1764055D}"/>
+              </a:ext>
+            </a:extLst>
+          </p:cNvPr>
+          <p:cNvPicPr>
+            <a:picLocks noChangeAspect="1"/>
+          </p:cNvPicPr>
+          <p:nvPr/>
+        </p:nvPicPr>
+        <p:blipFill>
+          <a:blip r:embed="rId6"/>
+          <a:stretch>
+            <a:fillRect/>
+          </a:stretch>
+        </p:blipFill>
+        <p:spPr>
+          <a:xfrm>
+            <a:off x="6139655" y="3574080"/>
+            <a:ext cx="2657846" cy="209579"/>
+          </a:xfrm>
+          <a:prstGeom prst="rect">
+            <a:avLst/>
+          </a:prstGeom>
+        </p:spPr>
+      </p:pic>
+      <p:sp>
+        <p:nvSpPr>
+          <p:cNvPr id="8" name="Plus Sign 7">
+            <a:extLst>
+              <a:ext uri="{FF2B5EF4-FFF2-40B4-BE49-F238E27FC236}">
+                <a16:creationId xmlns:a16="http://schemas.microsoft.com/office/drawing/2014/main" id="{6613A739-686F-76D8-1D82-45F66EC5000C}"/>
+              </a:ext>
+            </a:extLst>
+          </p:cNvPr>
+          <p:cNvSpPr/>
+          <p:nvPr/>
+        </p:nvSpPr>
+        <p:spPr>
+          <a:xfrm>
+            <a:off x="4794725" y="2893338"/>
+            <a:ext cx="1150143" cy="1150143"/>
+          </a:xfrm>
+          <a:custGeom>
+            <a:avLst/>
+            <a:gdLst>
+              <a:gd name="connsiteX0" fmla="*/ 152451 w 1150143"/>
+              <a:gd name="connsiteY0" fmla="*/ 439815 h 1150143"/>
+              <a:gd name="connsiteX1" fmla="*/ 439815 w 1150143"/>
+              <a:gd name="connsiteY1" fmla="*/ 439815 h 1150143"/>
+              <a:gd name="connsiteX2" fmla="*/ 439815 w 1150143"/>
+              <a:gd name="connsiteY2" fmla="*/ 152451 h 1150143"/>
+              <a:gd name="connsiteX3" fmla="*/ 710328 w 1150143"/>
+              <a:gd name="connsiteY3" fmla="*/ 152451 h 1150143"/>
+              <a:gd name="connsiteX4" fmla="*/ 710328 w 1150143"/>
+              <a:gd name="connsiteY4" fmla="*/ 439815 h 1150143"/>
+              <a:gd name="connsiteX5" fmla="*/ 997692 w 1150143"/>
+              <a:gd name="connsiteY5" fmla="*/ 439815 h 1150143"/>
+              <a:gd name="connsiteX6" fmla="*/ 997692 w 1150143"/>
+              <a:gd name="connsiteY6" fmla="*/ 710328 h 1150143"/>
+              <a:gd name="connsiteX7" fmla="*/ 710328 w 1150143"/>
+              <a:gd name="connsiteY7" fmla="*/ 710328 h 1150143"/>
+              <a:gd name="connsiteX8" fmla="*/ 710328 w 1150143"/>
+              <a:gd name="connsiteY8" fmla="*/ 997692 h 1150143"/>
+              <a:gd name="connsiteX9" fmla="*/ 439815 w 1150143"/>
+              <a:gd name="connsiteY9" fmla="*/ 997692 h 1150143"/>
+              <a:gd name="connsiteX10" fmla="*/ 439815 w 1150143"/>
+              <a:gd name="connsiteY10" fmla="*/ 710328 h 1150143"/>
+              <a:gd name="connsiteX11" fmla="*/ 152451 w 1150143"/>
+              <a:gd name="connsiteY11" fmla="*/ 710328 h 1150143"/>
+              <a:gd name="connsiteX12" fmla="*/ 152451 w 1150143"/>
+              <a:gd name="connsiteY12" fmla="*/ 439815 h 1150143"/>
+            </a:gdLst>
+            <a:ahLst/>
+            <a:cxnLst>
+              <a:cxn ang="0">
+                <a:pos x="connsiteX0" y="connsiteY0"/>
+              </a:cxn>
+              <a:cxn ang="0">
+                <a:pos x="connsiteX1" y="connsiteY1"/>
+              </a:cxn>
+              <a:cxn ang="0">
+                <a:pos x="connsiteX2" y="connsiteY2"/>
+              </a:cxn>
+              <a:cxn ang="0">
+                <a:pos x="connsiteX3" y="connsiteY3"/>
+              </a:cxn>
+              <a:cxn ang="0">
+                <a:pos x="connsiteX4" y="connsiteY4"/>
+              </a:cxn>
+              <a:cxn ang="0">
+                <a:pos x="connsiteX5" y="connsiteY5"/>
+              </a:cxn>
+              <a:cxn ang="0">
+                <a:pos x="connsiteX6" y="connsiteY6"/>
+              </a:cxn>
+              <a:cxn ang="0">
+                <a:pos x="connsiteX7" y="connsiteY7"/>
+              </a:cxn>
+              <a:cxn ang="0">
+                <a:pos x="connsiteX8" y="connsiteY8"/>
+              </a:cxn>
+              <a:cxn ang="0">
+                <a:pos x="connsiteX9" y="connsiteY9"/>
+              </a:cxn>
+              <a:cxn ang="0">
+                <a:pos x="connsiteX10" y="connsiteY10"/>
+              </a:cxn>
+              <a:cxn ang="0">
+                <a:pos x="connsiteX11" y="connsiteY11"/>
+              </a:cxn>
+              <a:cxn ang="0">
+                <a:pos x="connsiteX12" y="connsiteY12"/>
+              </a:cxn>
+            </a:cxnLst>
+            <a:rect l="l" t="t" r="r" b="b"/>
+            <a:pathLst>
+              <a:path w="1150143" h="1150143" fill="none" extrusionOk="0">
+                <a:moveTo>
+                  <a:pt x="152451" y="439815"/>
+                </a:moveTo>
+                <a:cubicBezTo>
+                  <a:pt x="295958" y="446130"/>
+                  <a:pt x="377472" y="441257"/>
+                  <a:pt x="439815" y="439815"/>
+                </a:cubicBezTo>
+                <a:cubicBezTo>
+                  <a:pt x="451391" y="349192"/>
+                  <a:pt x="434648" y="239376"/>
+                  <a:pt x="439815" y="152451"/>
+                </a:cubicBezTo>
+                <a:cubicBezTo>
+                  <a:pt x="532955" y="144929"/>
+                  <a:pt x="590019" y="156786"/>
+                  <a:pt x="710328" y="152451"/>
+                </a:cubicBezTo>
+                <a:cubicBezTo>
+                  <a:pt x="714359" y="233453"/>
+                  <a:pt x="697044" y="380015"/>
+                  <a:pt x="710328" y="439815"/>
+                </a:cubicBezTo>
+                <a:cubicBezTo>
+                  <a:pt x="807414" y="442521"/>
+                  <a:pt x="918664" y="453368"/>
+                  <a:pt x="997692" y="439815"/>
+                </a:cubicBezTo>
+                <a:cubicBezTo>
+                  <a:pt x="1006820" y="553286"/>
+                  <a:pt x="1008520" y="643949"/>
+                  <a:pt x="997692" y="710328"/>
+                </a:cubicBezTo>
+                <a:cubicBezTo>
+                  <a:pt x="935398" y="724462"/>
+                  <a:pt x="783858" y="696685"/>
+                  <a:pt x="710328" y="710328"/>
+                </a:cubicBezTo>
+                <a:cubicBezTo>
+                  <a:pt x="713208" y="841059"/>
+                  <a:pt x="710845" y="901775"/>
+                  <a:pt x="710328" y="997692"/>
+                </a:cubicBezTo>
+                <a:cubicBezTo>
+                  <a:pt x="642910" y="1004777"/>
+                  <a:pt x="503111" y="1004903"/>
+                  <a:pt x="439815" y="997692"/>
+                </a:cubicBezTo>
+                <a:cubicBezTo>
+                  <a:pt x="445343" y="902463"/>
+                  <a:pt x="452084" y="776598"/>
+                  <a:pt x="439815" y="710328"/>
+                </a:cubicBezTo>
+                <a:cubicBezTo>
+                  <a:pt x="359662" y="710388"/>
+                  <a:pt x="244547" y="716073"/>
+                  <a:pt x="152451" y="710328"/>
+                </a:cubicBezTo>
+                <a:cubicBezTo>
+                  <a:pt x="156847" y="586365"/>
+                  <a:pt x="162255" y="565209"/>
+                  <a:pt x="152451" y="439815"/>
+                </a:cubicBezTo>
+                <a:close/>
+              </a:path>
+              <a:path w="1150143" h="1150143" stroke="0" extrusionOk="0">
+                <a:moveTo>
+                  <a:pt x="152451" y="439815"/>
+                </a:moveTo>
+                <a:cubicBezTo>
+                  <a:pt x="238344" y="433281"/>
+                  <a:pt x="304271" y="446088"/>
+                  <a:pt x="439815" y="439815"/>
+                </a:cubicBezTo>
+                <a:cubicBezTo>
+                  <a:pt x="435837" y="331105"/>
+                  <a:pt x="439028" y="210004"/>
+                  <a:pt x="439815" y="152451"/>
+                </a:cubicBezTo>
+                <a:cubicBezTo>
+                  <a:pt x="517475" y="155333"/>
+                  <a:pt x="633593" y="148015"/>
+                  <a:pt x="710328" y="152451"/>
+                </a:cubicBezTo>
+                <a:cubicBezTo>
+                  <a:pt x="713990" y="239159"/>
+                  <a:pt x="718992" y="319700"/>
+                  <a:pt x="710328" y="439815"/>
+                </a:cubicBezTo>
+                <a:cubicBezTo>
+                  <a:pt x="811335" y="433732"/>
+                  <a:pt x="856606" y="443675"/>
+                  <a:pt x="997692" y="439815"/>
+                </a:cubicBezTo>
+                <a:cubicBezTo>
+                  <a:pt x="997443" y="573049"/>
+                  <a:pt x="994143" y="576824"/>
+                  <a:pt x="997692" y="710328"/>
+                </a:cubicBezTo>
+                <a:cubicBezTo>
+                  <a:pt x="860446" y="709359"/>
+                  <a:pt x="774275" y="704530"/>
+                  <a:pt x="710328" y="710328"/>
+                </a:cubicBezTo>
+                <a:cubicBezTo>
+                  <a:pt x="708228" y="835942"/>
+                  <a:pt x="719772" y="877872"/>
+                  <a:pt x="710328" y="997692"/>
+                </a:cubicBezTo>
+                <a:cubicBezTo>
+                  <a:pt x="637622" y="1005686"/>
+                  <a:pt x="543963" y="1008108"/>
+                  <a:pt x="439815" y="997692"/>
+                </a:cubicBezTo>
+                <a:cubicBezTo>
+                  <a:pt x="452698" y="940074"/>
+                  <a:pt x="439147" y="801990"/>
+                  <a:pt x="439815" y="710328"/>
+                </a:cubicBezTo>
+                <a:cubicBezTo>
+                  <a:pt x="341834" y="708588"/>
+                  <a:pt x="218166" y="717083"/>
+                  <a:pt x="152451" y="710328"/>
+                </a:cubicBezTo>
+                <a:cubicBezTo>
+                  <a:pt x="144198" y="576400"/>
+                  <a:pt x="145181" y="499486"/>
+                  <a:pt x="152451" y="439815"/>
+                </a:cubicBezTo>
+                <a:close/>
+              </a:path>
+            </a:pathLst>
+          </a:custGeom>
+          <a:ln w="19050" cap="sq">
+            <a:solidFill>
+              <a:schemeClr val="tx2"/>
+            </a:solidFill>
+            <a:round/>
+            <a:extLst>
+              <a:ext uri="{C807C97D-BFC1-408E-A445-0C87EB9F89A2}">
+                <ask:lineSketchStyleProps xmlns:ask="http://schemas.microsoft.com/office/drawing/2018/sketchyshapes" sd="1219033472">
+                  <a:prstGeom prst="mathPlus">
+                    <a:avLst/>
+                  </a:prstGeom>
+                  <ask:type>
+                    <ask:lineSketchFreehand/>
+                  </ask:type>
+                </ask:lineSketchStyleProps>
+              </a:ext>
+            </a:extLst>
+          </a:ln>
+        </p:spPr>
+        <p:style>
+          <a:lnRef idx="2">
+            <a:schemeClr val="accent1">
+              <a:shade val="50000"/>
+            </a:schemeClr>
+          </a:lnRef>
+          <a:fillRef idx="1">
+            <a:schemeClr val="accent1"/>
+          </a:fillRef>
+          <a:effectRef idx="0">
+            <a:schemeClr val="accent1"/>
+          </a:effectRef>
+          <a:fontRef idx="minor">
+            <a:schemeClr val="lt1"/>
+          </a:fontRef>
+        </p:style>
+        <p:txBody>
+          <a:bodyPr rtlCol="0" anchor="ctr"/>
+          <a:lstStyle/>
+          <a:p>
+            <a:pPr algn="ctr"/>
+            <a:endParaRPr lang="hu-HU"/>
+          </a:p>
+        </p:txBody>
+      </p:sp>
     </p:spTree>
     <p:extLst>
       <p:ext uri="{BB962C8B-B14F-4D97-AF65-F5344CB8AC3E}">
@@ -7088,7 +8351,7 @@
         </p:nvSpPr>
         <p:spPr>
           <a:xfrm>
-            <a:off x="831275" y="783125"/>
+            <a:off x="644826" y="506982"/>
             <a:ext cx="6147374" cy="519600"/>
           </a:xfrm>
           <a:prstGeom prst="rect">
@@ -7910,12 +9173,194 @@
           </a:p>
         </p:txBody>
       </p:sp>
+      <p:sp>
+        <p:nvSpPr>
+          <p:cNvPr id="7" name="Arrow: Chevron 6">
+            <a:extLst>
+              <a:ext uri="{FF2B5EF4-FFF2-40B4-BE49-F238E27FC236}">
+                <a16:creationId xmlns:a16="http://schemas.microsoft.com/office/drawing/2014/main" id="{819D4385-3237-85FE-3AEC-567EC3927D01}"/>
+              </a:ext>
+            </a:extLst>
+          </p:cNvPr>
+          <p:cNvSpPr/>
+          <p:nvPr/>
+        </p:nvSpPr>
+        <p:spPr>
+          <a:xfrm>
+            <a:off x="5334001" y="2571750"/>
+            <a:ext cx="785813" cy="785813"/>
+          </a:xfrm>
+          <a:custGeom>
+            <a:avLst/>
+            <a:gdLst>
+              <a:gd name="connsiteX0" fmla="*/ 0 w 785813"/>
+              <a:gd name="connsiteY0" fmla="*/ 0 h 785813"/>
+              <a:gd name="connsiteX1" fmla="*/ 392907 w 785813"/>
+              <a:gd name="connsiteY1" fmla="*/ 0 h 785813"/>
+              <a:gd name="connsiteX2" fmla="*/ 785813 w 785813"/>
+              <a:gd name="connsiteY2" fmla="*/ 392907 h 785813"/>
+              <a:gd name="connsiteX3" fmla="*/ 392907 w 785813"/>
+              <a:gd name="connsiteY3" fmla="*/ 785813 h 785813"/>
+              <a:gd name="connsiteX4" fmla="*/ 0 w 785813"/>
+              <a:gd name="connsiteY4" fmla="*/ 785813 h 785813"/>
+              <a:gd name="connsiteX5" fmla="*/ 392907 w 785813"/>
+              <a:gd name="connsiteY5" fmla="*/ 392907 h 785813"/>
+              <a:gd name="connsiteX6" fmla="*/ 0 w 785813"/>
+              <a:gd name="connsiteY6" fmla="*/ 0 h 785813"/>
+            </a:gdLst>
+            <a:ahLst/>
+            <a:cxnLst>
+              <a:cxn ang="0">
+                <a:pos x="connsiteX0" y="connsiteY0"/>
+              </a:cxn>
+              <a:cxn ang="0">
+                <a:pos x="connsiteX1" y="connsiteY1"/>
+              </a:cxn>
+              <a:cxn ang="0">
+                <a:pos x="connsiteX2" y="connsiteY2"/>
+              </a:cxn>
+              <a:cxn ang="0">
+                <a:pos x="connsiteX3" y="connsiteY3"/>
+              </a:cxn>
+              <a:cxn ang="0">
+                <a:pos x="connsiteX4" y="connsiteY4"/>
+              </a:cxn>
+              <a:cxn ang="0">
+                <a:pos x="connsiteX5" y="connsiteY5"/>
+              </a:cxn>
+              <a:cxn ang="0">
+                <a:pos x="connsiteX6" y="connsiteY6"/>
+              </a:cxn>
+            </a:cxnLst>
+            <a:rect l="l" t="t" r="r" b="b"/>
+            <a:pathLst>
+              <a:path w="785813" h="785813" fill="none" extrusionOk="0">
+                <a:moveTo>
+                  <a:pt x="0" y="0"/>
+                </a:moveTo>
+                <a:cubicBezTo>
+                  <a:pt x="85785" y="-10659"/>
+                  <a:pt x="227281" y="-8630"/>
+                  <a:pt x="392907" y="0"/>
+                </a:cubicBezTo>
+                <a:cubicBezTo>
+                  <a:pt x="481696" y="86042"/>
+                  <a:pt x="631484" y="207465"/>
+                  <a:pt x="785813" y="392907"/>
+                </a:cubicBezTo>
+                <a:cubicBezTo>
+                  <a:pt x="675101" y="535190"/>
+                  <a:pt x="549910" y="651301"/>
+                  <a:pt x="392907" y="785813"/>
+                </a:cubicBezTo>
+                <a:cubicBezTo>
+                  <a:pt x="266840" y="794907"/>
+                  <a:pt x="136177" y="786625"/>
+                  <a:pt x="0" y="785813"/>
+                </a:cubicBezTo>
+                <a:cubicBezTo>
+                  <a:pt x="167509" y="596567"/>
+                  <a:pt x="218074" y="596664"/>
+                  <a:pt x="392907" y="392907"/>
+                </a:cubicBezTo>
+                <a:cubicBezTo>
+                  <a:pt x="222748" y="211979"/>
+                  <a:pt x="125358" y="134449"/>
+                  <a:pt x="0" y="0"/>
+                </a:cubicBezTo>
+                <a:close/>
+              </a:path>
+              <a:path w="785813" h="785813" stroke="0" extrusionOk="0">
+                <a:moveTo>
+                  <a:pt x="0" y="0"/>
+                </a:moveTo>
+                <a:cubicBezTo>
+                  <a:pt x="140463" y="-13116"/>
+                  <a:pt x="262676" y="-2401"/>
+                  <a:pt x="392907" y="0"/>
+                </a:cubicBezTo>
+                <a:cubicBezTo>
+                  <a:pt x="533963" y="174962"/>
+                  <a:pt x="664835" y="233464"/>
+                  <a:pt x="785813" y="392907"/>
+                </a:cubicBezTo>
+                <a:cubicBezTo>
+                  <a:pt x="644501" y="513602"/>
+                  <a:pt x="593409" y="623407"/>
+                  <a:pt x="392907" y="785813"/>
+                </a:cubicBezTo>
+                <a:cubicBezTo>
+                  <a:pt x="238240" y="788428"/>
+                  <a:pt x="175998" y="800324"/>
+                  <a:pt x="0" y="785813"/>
+                </a:cubicBezTo>
+                <a:cubicBezTo>
+                  <a:pt x="167659" y="628289"/>
+                  <a:pt x="288663" y="516699"/>
+                  <a:pt x="392907" y="392907"/>
+                </a:cubicBezTo>
+                <a:cubicBezTo>
+                  <a:pt x="262785" y="254370"/>
+                  <a:pt x="176879" y="215833"/>
+                  <a:pt x="0" y="0"/>
+                </a:cubicBezTo>
+                <a:close/>
+              </a:path>
+            </a:pathLst>
+          </a:custGeom>
+          <a:ln w="12700" cap="sq" cmpd="sng">
+            <a:solidFill>
+              <a:schemeClr val="tx2"/>
+            </a:solidFill>
+            <a:extLst>
+              <a:ext uri="{C807C97D-BFC1-408E-A445-0C87EB9F89A2}">
+                <ask:lineSketchStyleProps xmlns:ask="http://schemas.microsoft.com/office/drawing/2018/sketchyshapes" sd="1219033472">
+                  <a:prstGeom prst="chevron">
+                    <a:avLst/>
+                  </a:prstGeom>
+                  <ask:type>
+                    <ask:lineSketchFreehand/>
+                  </ask:type>
+                </ask:lineSketchStyleProps>
+              </a:ext>
+            </a:extLst>
+          </a:ln>
+        </p:spPr>
+        <p:style>
+          <a:lnRef idx="2">
+            <a:schemeClr val="accent1">
+              <a:shade val="50000"/>
+            </a:schemeClr>
+          </a:lnRef>
+          <a:fillRef idx="1">
+            <a:schemeClr val="accent1"/>
+          </a:fillRef>
+          <a:effectRef idx="0">
+            <a:schemeClr val="accent1"/>
+          </a:effectRef>
+          <a:fontRef idx="minor">
+            <a:schemeClr val="lt1"/>
+          </a:fontRef>
+        </p:style>
+        <p:txBody>
+          <a:bodyPr rtlCol="0" anchor="ctr"/>
+          <a:lstStyle/>
+          <a:p>
+            <a:pPr algn="ctr"/>
+            <a:endParaRPr lang="hu-HU">
+              <a:solidFill>
+                <a:schemeClr val="tx1"/>
+              </a:solidFill>
+            </a:endParaRPr>
+          </a:p>
+        </p:txBody>
+      </p:sp>
       <p:pic>
         <p:nvPicPr>
-          <p:cNvPr id="10" name="Picture 9">
+          <p:cNvPr id="6" name="Picture 5">
             <a:extLst>
               <a:ext uri="{FF2B5EF4-FFF2-40B4-BE49-F238E27FC236}">
-                <a16:creationId xmlns:a16="http://schemas.microsoft.com/office/drawing/2014/main" id="{99B602AC-D291-E2D7-4B6F-A820E2C8E5CC}"/>
+                <a16:creationId xmlns:a16="http://schemas.microsoft.com/office/drawing/2014/main" id="{2BAAF25A-0FA0-CC41-8281-944FC4C32A89}"/>
               </a:ext>
             </a:extLst>
           </p:cNvPr>
@@ -7932,15 +9377,52 @@
         </p:blipFill>
         <p:spPr>
           <a:xfrm>
-            <a:off x="443346" y="1394719"/>
+            <a:off x="6493670" y="1320923"/>
+            <a:ext cx="1456798" cy="3311940"/>
+          </a:xfrm>
+          <a:prstGeom prst="roundRect">
+            <a:avLst>
+              <a:gd name="adj" fmla="val 5774"/>
+            </a:avLst>
+          </a:prstGeom>
+          <a:ln w="12700">
+            <a:solidFill>
+              <a:schemeClr val="tx2"/>
+            </a:solidFill>
+          </a:ln>
+        </p:spPr>
+      </p:pic>
+      <p:pic>
+        <p:nvPicPr>
+          <p:cNvPr id="10" name="Picture 9">
+            <a:extLst>
+              <a:ext uri="{FF2B5EF4-FFF2-40B4-BE49-F238E27FC236}">
+                <a16:creationId xmlns:a16="http://schemas.microsoft.com/office/drawing/2014/main" id="{99B602AC-D291-E2D7-4B6F-A820E2C8E5CC}"/>
+              </a:ext>
+            </a:extLst>
+          </p:cNvPr>
+          <p:cNvPicPr>
+            <a:picLocks noChangeAspect="1"/>
+          </p:cNvPicPr>
+          <p:nvPr/>
+        </p:nvPicPr>
+        <p:blipFill>
+          <a:blip r:embed="rId4"/>
+          <a:stretch>
+            <a:fillRect/>
+          </a:stretch>
+        </p:blipFill>
+        <p:spPr>
+          <a:xfrm>
+            <a:off x="1329171" y="1320923"/>
             <a:ext cx="3519054" cy="3353860"/>
           </a:xfrm>
           <a:prstGeom prst="roundRect">
             <a:avLst>
-              <a:gd name="adj" fmla="val 4068"/>
+              <a:gd name="adj" fmla="val 2622"/>
             </a:avLst>
           </a:prstGeom>
-          <a:ln w="25400">
+          <a:ln w="12700">
             <a:solidFill>
               <a:srgbClr val="FF0000"/>
             </a:solidFill>
@@ -8840,7 +10322,7 @@
               <a:gd name="adj" fmla="val 3937"/>
             </a:avLst>
           </a:prstGeom>
-          <a:ln w="25400">
+          <a:ln w="12700">
             <a:solidFill>
               <a:srgbClr val="FF0000"/>
             </a:solidFill>
@@ -8873,9 +10355,14 @@
           </a:xfrm>
           <a:prstGeom prst="roundRect">
             <a:avLst>
-              <a:gd name="adj" fmla="val 3937"/>
+              <a:gd name="adj" fmla="val 3802"/>
             </a:avLst>
           </a:prstGeom>
+          <a:ln w="6350">
+            <a:solidFill>
+              <a:schemeClr val="tx2"/>
+            </a:solidFill>
+          </a:ln>
         </p:spPr>
       </p:pic>
     </p:spTree>
@@ -8888,6 +10375,270 @@
   <p:clrMapOvr>
     <a:masterClrMapping/>
   </p:clrMapOvr>
+  <p:timing>
+    <p:tnLst>
+      <p:par>
+        <p:cTn id="1" dur="indefinite" restart="never" nodeType="tmRoot">
+          <p:childTnLst>
+            <p:seq concurrent="1" nextAc="seek">
+              <p:cTn id="2" dur="indefinite" nodeType="mainSeq">
+                <p:childTnLst>
+                  <p:par>
+                    <p:cTn id="3" fill="hold">
+                      <p:stCondLst>
+                        <p:cond delay="indefinite"/>
+                      </p:stCondLst>
+                      <p:childTnLst>
+                        <p:par>
+                          <p:cTn id="4" fill="hold">
+                            <p:stCondLst>
+                              <p:cond delay="0"/>
+                            </p:stCondLst>
+                            <p:childTnLst>
+                              <p:par>
+                                <p:cTn id="5" presetID="2" presetClass="entr" presetSubtype="4" fill="hold" nodeType="clickEffect">
+                                  <p:stCondLst>
+                                    <p:cond delay="0"/>
+                                  </p:stCondLst>
+                                  <p:childTnLst>
+                                    <p:set>
+                                      <p:cBhvr>
+                                        <p:cTn id="6" dur="1" fill="hold">
+                                          <p:stCondLst>
+                                            <p:cond delay="0"/>
+                                          </p:stCondLst>
+                                        </p:cTn>
+                                        <p:tgtEl>
+                                          <p:spTgt spid="9"/>
+                                        </p:tgtEl>
+                                        <p:attrNameLst>
+                                          <p:attrName>style.visibility</p:attrName>
+                                        </p:attrNameLst>
+                                      </p:cBhvr>
+                                      <p:to>
+                                        <p:strVal val="visible"/>
+                                      </p:to>
+                                    </p:set>
+                                    <p:anim calcmode="lin" valueType="num">
+                                      <p:cBhvr additive="base">
+                                        <p:cTn id="7" dur="500" fill="hold"/>
+                                        <p:tgtEl>
+                                          <p:spTgt spid="9"/>
+                                        </p:tgtEl>
+                                        <p:attrNameLst>
+                                          <p:attrName>ppt_x</p:attrName>
+                                        </p:attrNameLst>
+                                      </p:cBhvr>
+                                      <p:tavLst>
+                                        <p:tav tm="0">
+                                          <p:val>
+                                            <p:strVal val="#ppt_x"/>
+                                          </p:val>
+                                        </p:tav>
+                                        <p:tav tm="100000">
+                                          <p:val>
+                                            <p:strVal val="#ppt_x"/>
+                                          </p:val>
+                                        </p:tav>
+                                      </p:tavLst>
+                                    </p:anim>
+                                    <p:anim calcmode="lin" valueType="num">
+                                      <p:cBhvr additive="base">
+                                        <p:cTn id="8" dur="500" fill="hold"/>
+                                        <p:tgtEl>
+                                          <p:spTgt spid="9"/>
+                                        </p:tgtEl>
+                                        <p:attrNameLst>
+                                          <p:attrName>ppt_y</p:attrName>
+                                        </p:attrNameLst>
+                                      </p:cBhvr>
+                                      <p:tavLst>
+                                        <p:tav tm="0">
+                                          <p:val>
+                                            <p:strVal val="1+#ppt_h/2"/>
+                                          </p:val>
+                                        </p:tav>
+                                        <p:tav tm="100000">
+                                          <p:val>
+                                            <p:strVal val="#ppt_y"/>
+                                          </p:val>
+                                        </p:tav>
+                                      </p:tavLst>
+                                    </p:anim>
+                                  </p:childTnLst>
+                                </p:cTn>
+                              </p:par>
+                            </p:childTnLst>
+                          </p:cTn>
+                        </p:par>
+                      </p:childTnLst>
+                    </p:cTn>
+                  </p:par>
+                  <p:par>
+                    <p:cTn id="9" fill="hold">
+                      <p:stCondLst>
+                        <p:cond delay="indefinite"/>
+                      </p:stCondLst>
+                      <p:childTnLst>
+                        <p:par>
+                          <p:cTn id="10" fill="hold">
+                            <p:stCondLst>
+                              <p:cond delay="0"/>
+                            </p:stCondLst>
+                            <p:childTnLst>
+                              <p:par>
+                                <p:cTn id="11" presetID="53" presetClass="entr" presetSubtype="16" fill="hold" nodeType="clickEffect">
+                                  <p:stCondLst>
+                                    <p:cond delay="0"/>
+                                  </p:stCondLst>
+                                  <p:childTnLst>
+                                    <p:set>
+                                      <p:cBhvr>
+                                        <p:cTn id="12" dur="1" fill="hold">
+                                          <p:stCondLst>
+                                            <p:cond delay="0"/>
+                                          </p:stCondLst>
+                                        </p:cTn>
+                                        <p:tgtEl>
+                                          <p:spTgt spid="8"/>
+                                        </p:tgtEl>
+                                        <p:attrNameLst>
+                                          <p:attrName>style.visibility</p:attrName>
+                                        </p:attrNameLst>
+                                      </p:cBhvr>
+                                      <p:to>
+                                        <p:strVal val="visible"/>
+                                      </p:to>
+                                    </p:set>
+                                    <p:anim calcmode="lin" valueType="num">
+                                      <p:cBhvr>
+                                        <p:cTn id="13" dur="500" fill="hold"/>
+                                        <p:tgtEl>
+                                          <p:spTgt spid="8"/>
+                                        </p:tgtEl>
+                                        <p:attrNameLst>
+                                          <p:attrName>ppt_w</p:attrName>
+                                        </p:attrNameLst>
+                                      </p:cBhvr>
+                                      <p:tavLst>
+                                        <p:tav tm="0">
+                                          <p:val>
+                                            <p:fltVal val="0"/>
+                                          </p:val>
+                                        </p:tav>
+                                        <p:tav tm="100000">
+                                          <p:val>
+                                            <p:strVal val="#ppt_w"/>
+                                          </p:val>
+                                        </p:tav>
+                                      </p:tavLst>
+                                    </p:anim>
+                                    <p:anim calcmode="lin" valueType="num">
+                                      <p:cBhvr>
+                                        <p:cTn id="14" dur="500" fill="hold"/>
+                                        <p:tgtEl>
+                                          <p:spTgt spid="8"/>
+                                        </p:tgtEl>
+                                        <p:attrNameLst>
+                                          <p:attrName>ppt_h</p:attrName>
+                                        </p:attrNameLst>
+                                      </p:cBhvr>
+                                      <p:tavLst>
+                                        <p:tav tm="0">
+                                          <p:val>
+                                            <p:fltVal val="0"/>
+                                          </p:val>
+                                        </p:tav>
+                                        <p:tav tm="100000">
+                                          <p:val>
+                                            <p:strVal val="#ppt_h"/>
+                                          </p:val>
+                                        </p:tav>
+                                      </p:tavLst>
+                                    </p:anim>
+                                    <p:animEffect transition="in" filter="fade">
+                                      <p:cBhvr>
+                                        <p:cTn id="15" dur="500"/>
+                                        <p:tgtEl>
+                                          <p:spTgt spid="8"/>
+                                        </p:tgtEl>
+                                      </p:cBhvr>
+                                    </p:animEffect>
+                                  </p:childTnLst>
+                                </p:cTn>
+                              </p:par>
+                            </p:childTnLst>
+                          </p:cTn>
+                        </p:par>
+                        <p:par>
+                          <p:cTn id="16" fill="hold">
+                            <p:stCondLst>
+                              <p:cond delay="500"/>
+                            </p:stCondLst>
+                            <p:childTnLst>
+                              <p:par>
+                                <p:cTn id="17" presetID="10" presetClass="exit" presetSubtype="0" fill="hold" nodeType="afterEffect">
+                                  <p:stCondLst>
+                                    <p:cond delay="0"/>
+                                  </p:stCondLst>
+                                  <p:childTnLst>
+                                    <p:animEffect transition="out" filter="fade">
+                                      <p:cBhvr>
+                                        <p:cTn id="18" dur="500"/>
+                                        <p:tgtEl>
+                                          <p:spTgt spid="9"/>
+                                        </p:tgtEl>
+                                      </p:cBhvr>
+                                    </p:animEffect>
+                                    <p:set>
+                                      <p:cBhvr>
+                                        <p:cTn id="19" dur="1" fill="hold">
+                                          <p:stCondLst>
+                                            <p:cond delay="499"/>
+                                          </p:stCondLst>
+                                        </p:cTn>
+                                        <p:tgtEl>
+                                          <p:spTgt spid="9"/>
+                                        </p:tgtEl>
+                                        <p:attrNameLst>
+                                          <p:attrName>style.visibility</p:attrName>
+                                        </p:attrNameLst>
+                                      </p:cBhvr>
+                                      <p:to>
+                                        <p:strVal val="hidden"/>
+                                      </p:to>
+                                    </p:set>
+                                  </p:childTnLst>
+                                </p:cTn>
+                              </p:par>
+                            </p:childTnLst>
+                          </p:cTn>
+                        </p:par>
+                      </p:childTnLst>
+                    </p:cTn>
+                  </p:par>
+                </p:childTnLst>
+              </p:cTn>
+              <p:prevCondLst>
+                <p:cond evt="onPrev" delay="0">
+                  <p:tgtEl>
+                    <p:sldTgt/>
+                  </p:tgtEl>
+                </p:cond>
+              </p:prevCondLst>
+              <p:nextCondLst>
+                <p:cond evt="onNext" delay="0">
+                  <p:tgtEl>
+                    <p:sldTgt/>
+                  </p:tgtEl>
+                </p:cond>
+              </p:nextCondLst>
+            </p:seq>
+          </p:childTnLst>
+        </p:cTn>
+      </p:par>
+    </p:tnLst>
+  </p:timing>
 </p:sld>
 </file>
 
@@ -9398,8 +11149,8 @@
         </p:blipFill>
         <p:spPr>
           <a:xfrm>
-            <a:off x="2725517" y="3237419"/>
-            <a:ext cx="5436433" cy="1249193"/>
+            <a:off x="1303756" y="3503150"/>
+            <a:ext cx="3103783" cy="713193"/>
           </a:xfrm>
           <a:prstGeom prst="roundRect">
             <a:avLst>
@@ -9761,6 +11512,36 @@
               </a:prstClr>
             </a:innerShdw>
           </a:effectLst>
+        </p:spPr>
+      </p:pic>
+      <p:pic>
+        <p:nvPicPr>
+          <p:cNvPr id="6" name="Picture 5">
+            <a:extLst>
+              <a:ext uri="{FF2B5EF4-FFF2-40B4-BE49-F238E27FC236}">
+                <a16:creationId xmlns:a16="http://schemas.microsoft.com/office/drawing/2014/main" id="{1B498D30-4445-952D-9849-E0837CC0A314}"/>
+              </a:ext>
+            </a:extLst>
+          </p:cNvPr>
+          <p:cNvPicPr>
+            <a:picLocks noChangeAspect="1"/>
+          </p:cNvPicPr>
+          <p:nvPr/>
+        </p:nvPicPr>
+        <p:blipFill>
+          <a:blip r:embed="rId6"/>
+          <a:stretch>
+            <a:fillRect/>
+          </a:stretch>
+        </p:blipFill>
+        <p:spPr>
+          <a:xfrm>
+            <a:off x="4571975" y="1430120"/>
+            <a:ext cx="3664342" cy="2948184"/>
+          </a:xfrm>
+          <a:prstGeom prst="rect">
+            <a:avLst/>
+          </a:prstGeom>
         </p:spPr>
       </p:pic>
     </p:spTree>

--- a/ppt/ppt_SAGy.pptx
+++ b/ppt/ppt_SAGy.pptx
@@ -5,7 +5,7 @@
     <p:sldMasterId id="2147483683" r:id="rId1"/>
   </p:sldMasterIdLst>
   <p:notesMasterIdLst>
-    <p:notesMasterId r:id="rId9"/>
+    <p:notesMasterId r:id="rId8"/>
   </p:notesMasterIdLst>
   <p:sldIdLst>
     <p:sldId id="256" r:id="rId2"/>
@@ -14,22 +14,21 @@
     <p:sldId id="262" r:id="rId5"/>
     <p:sldId id="293" r:id="rId6"/>
     <p:sldId id="294" r:id="rId7"/>
-    <p:sldId id="291" r:id="rId8"/>
   </p:sldIdLst>
   <p:sldSz cx="9144000" cy="5143500" type="screen16x9"/>
   <p:notesSz cx="6858000" cy="9144000"/>
   <p:embeddedFontLst>
     <p:embeddedFont>
-      <p:font typeface="Open Sans" panose="020B0606030504020204" pitchFamily="34" charset="0"/>
-      <p:regular r:id="rId10"/>
-      <p:bold r:id="rId11"/>
-      <p:italic r:id="rId12"/>
-      <p:boldItalic r:id="rId13"/>
+      <p:font typeface="Open Sans" panose="020B0604020202020204" charset="0"/>
+      <p:regular r:id="rId9"/>
+      <p:bold r:id="rId10"/>
+      <p:italic r:id="rId11"/>
+      <p:boldItalic r:id="rId12"/>
     </p:embeddedFont>
     <p:embeddedFont>
       <p:font typeface="Orbitron" panose="020B0604020202020204" charset="0"/>
-      <p:regular r:id="rId14"/>
-      <p:bold r:id="rId15"/>
+      <p:regular r:id="rId13"/>
+      <p:bold r:id="rId14"/>
     </p:embeddedFont>
   </p:embeddedFontLst>
   <p:defaultTextStyle>
@@ -1349,110 +1348,6 @@
 </p:notes>
 </file>
 
-<file path=ppt/notesSlides/notesSlide7.xml><?xml version="1.0" encoding="utf-8"?>
-<p:notes xmlns:a="http://schemas.openxmlformats.org/drawingml/2006/main" xmlns:r="http://schemas.openxmlformats.org/officeDocument/2006/relationships" xmlns:p="http://schemas.openxmlformats.org/presentationml/2006/main" showMasterSp="0" showMasterPhAnim="0">
-  <p:cSld>
-    <p:spTree>
-      <p:nvGrpSpPr>
-        <p:cNvPr id="1" name="Shape 8328"/>
-        <p:cNvGrpSpPr/>
-        <p:nvPr/>
-      </p:nvGrpSpPr>
-      <p:grpSpPr>
-        <a:xfrm>
-          <a:off x="0" y="0"/>
-          <a:ext cx="0" cy="0"/>
-          <a:chOff x="0" y="0"/>
-          <a:chExt cx="0" cy="0"/>
-        </a:xfrm>
-      </p:grpSpPr>
-      <p:sp>
-        <p:nvSpPr>
-          <p:cNvPr id="8329" name="Google Shape;8329;g113ae00dae4_0_765:notes"/>
-          <p:cNvSpPr>
-            <a:spLocks noGrp="1" noRot="1" noChangeAspect="1"/>
-          </p:cNvSpPr>
-          <p:nvPr>
-            <p:ph type="sldImg" idx="2"/>
-          </p:nvPr>
-        </p:nvSpPr>
-        <p:spPr>
-          <a:xfrm>
-            <a:off x="381000" y="685800"/>
-            <a:ext cx="6096000" cy="3429000"/>
-          </a:xfrm>
-          <a:custGeom>
-            <a:avLst/>
-            <a:gdLst/>
-            <a:ahLst/>
-            <a:cxnLst/>
-            <a:rect l="l" t="t" r="r" b="b"/>
-            <a:pathLst>
-              <a:path w="120000" h="120000" extrusionOk="0">
-                <a:moveTo>
-                  <a:pt x="0" y="0"/>
-                </a:moveTo>
-                <a:lnTo>
-                  <a:pt x="120000" y="0"/>
-                </a:lnTo>
-                <a:lnTo>
-                  <a:pt x="120000" y="120000"/>
-                </a:lnTo>
-                <a:lnTo>
-                  <a:pt x="0" y="120000"/>
-                </a:lnTo>
-                <a:close/>
-              </a:path>
-            </a:pathLst>
-          </a:custGeom>
-        </p:spPr>
-      </p:sp>
-      <p:sp>
-        <p:nvSpPr>
-          <p:cNvPr id="8330" name="Google Shape;8330;g113ae00dae4_0_765:notes"/>
-          <p:cNvSpPr txBox="1">
-            <a:spLocks noGrp="1"/>
-          </p:cNvSpPr>
-          <p:nvPr>
-            <p:ph type="body" idx="1"/>
-          </p:nvPr>
-        </p:nvSpPr>
-        <p:spPr>
-          <a:xfrm>
-            <a:off x="685800" y="4343400"/>
-            <a:ext cx="5486400" cy="4114800"/>
-          </a:xfrm>
-          <a:prstGeom prst="rect">
-            <a:avLst/>
-          </a:prstGeom>
-        </p:spPr>
-        <p:txBody>
-          <a:bodyPr spcFirstLastPara="1" wrap="square" lIns="91425" tIns="91425" rIns="91425" bIns="91425" anchor="t" anchorCtr="0">
-            <a:noAutofit/>
-          </a:bodyPr>
-          <a:lstStyle/>
-          <a:p>
-            <a:pPr marL="0" lvl="0" indent="0" algn="l" rtl="0">
-              <a:spcBef>
-                <a:spcPts val="0"/>
-              </a:spcBef>
-              <a:spcAft>
-                <a:spcPts val="0"/>
-              </a:spcAft>
-              <a:buNone/>
-            </a:pPr>
-            <a:endParaRPr/>
-          </a:p>
-        </p:txBody>
-      </p:sp>
-    </p:spTree>
-  </p:cSld>
-  <p:clrMapOvr>
-    <a:masterClrMapping/>
-  </p:clrMapOvr>
-</p:notes>
-</file>
-
 <file path=ppt/slideLayouts/slideLayout1.xml><?xml version="1.0" encoding="utf-8"?>
 <p:sldLayout xmlns:a="http://schemas.openxmlformats.org/drawingml/2006/main" xmlns:r="http://schemas.openxmlformats.org/officeDocument/2006/relationships" xmlns:p="http://schemas.openxmlformats.org/presentationml/2006/main" matchingName="Title slide" type="title">
   <p:cSld name="TITLE">
@@ -2019,6 +1914,9 @@
   <p:clrMapOvr>
     <a:masterClrMapping/>
   </p:clrMapOvr>
+  <p:transition spd="slow">
+    <p:push dir="r"/>
+  </p:transition>
 </p:sldLayout>
 </file>
 
@@ -2571,6 +2469,9 @@
   <p:clrMapOvr>
     <a:masterClrMapping/>
   </p:clrMapOvr>
+  <p:transition spd="slow">
+    <p:push dir="r"/>
+  </p:transition>
 </p:sldLayout>
 </file>
 
@@ -2602,6 +2503,9 @@
   <p:clrMapOvr>
     <a:masterClrMapping/>
   </p:clrMapOvr>
+  <p:transition spd="slow">
+    <p:push dir="r"/>
+  </p:transition>
 </p:sldLayout>
 </file>
 
@@ -3114,719 +3018,13 @@
   <p:clrMapOvr>
     <a:masterClrMapping/>
   </p:clrMapOvr>
+  <p:transition spd="slow">
+    <p:push dir="r"/>
+  </p:transition>
 </p:sldLayout>
 </file>
 
 <file path=ppt/slideLayouts/slideLayout5.xml><?xml version="1.0" encoding="utf-8"?>
-<p:sldLayout xmlns:a="http://schemas.openxmlformats.org/drawingml/2006/main" xmlns:r="http://schemas.openxmlformats.org/officeDocument/2006/relationships" xmlns:p="http://schemas.openxmlformats.org/presentationml/2006/main" matchingName="Thanks">
-  <p:cSld name="BLANK_1_1_1_1_1_1_2">
-    <p:spTree>
-      <p:nvGrpSpPr>
-        <p:cNvPr id="1" name="Shape 258"/>
-        <p:cNvGrpSpPr/>
-        <p:nvPr/>
-      </p:nvGrpSpPr>
-      <p:grpSpPr>
-        <a:xfrm>
-          <a:off x="0" y="0"/>
-          <a:ext cx="0" cy="0"/>
-          <a:chOff x="0" y="0"/>
-          <a:chExt cx="0" cy="0"/>
-        </a:xfrm>
-      </p:grpSpPr>
-      <p:sp>
-        <p:nvSpPr>
-          <p:cNvPr id="259" name="Google Shape;259;p32"/>
-          <p:cNvSpPr/>
-          <p:nvPr/>
-        </p:nvSpPr>
-        <p:spPr>
-          <a:xfrm>
-            <a:off x="176400" y="174050"/>
-            <a:ext cx="8791200" cy="4805400"/>
-          </a:xfrm>
-          <a:prstGeom prst="roundRect">
-            <a:avLst>
-              <a:gd name="adj" fmla="val 5813"/>
-            </a:avLst>
-          </a:prstGeom>
-          <a:solidFill>
-            <a:schemeClr val="dk1"/>
-          </a:solidFill>
-          <a:ln w="19050" cap="flat" cmpd="sng">
-            <a:solidFill>
-              <a:schemeClr val="lt2"/>
-            </a:solidFill>
-            <a:prstDash val="solid"/>
-            <a:round/>
-            <a:headEnd type="none" w="sm" len="sm"/>
-            <a:tailEnd type="none" w="sm" len="sm"/>
-          </a:ln>
-        </p:spPr>
-        <p:txBody>
-          <a:bodyPr spcFirstLastPara="1" wrap="square" lIns="91425" tIns="91425" rIns="91425" bIns="91425" anchor="ctr" anchorCtr="0">
-            <a:noAutofit/>
-          </a:bodyPr>
-          <a:lstStyle/>
-          <a:p>
-            <a:pPr marL="0" lvl="0" indent="0" algn="l" rtl="0">
-              <a:spcBef>
-                <a:spcPts val="0"/>
-              </a:spcBef>
-              <a:spcAft>
-                <a:spcPts val="0"/>
-              </a:spcAft>
-              <a:buNone/>
-            </a:pPr>
-            <a:endParaRPr/>
-          </a:p>
-        </p:txBody>
-      </p:sp>
-      <p:grpSp>
-        <p:nvGrpSpPr>
-          <p:cNvPr id="260" name="Google Shape;260;p32"/>
-          <p:cNvGrpSpPr/>
-          <p:nvPr/>
-        </p:nvGrpSpPr>
-        <p:grpSpPr>
-          <a:xfrm>
-            <a:off x="0" y="0"/>
-            <a:ext cx="9144003" cy="5143501"/>
-            <a:chOff x="0" y="0"/>
-            <a:chExt cx="9144003" cy="5143501"/>
-          </a:xfrm>
-        </p:grpSpPr>
-        <p:pic>
-          <p:nvPicPr>
-            <p:cNvPr id="261" name="Google Shape;261;p32"/>
-            <p:cNvPicPr preferRelativeResize="0"/>
-            <p:nvPr/>
-          </p:nvPicPr>
-          <p:blipFill>
-            <a:blip r:embed="rId2">
-              <a:alphaModFix amt="20000"/>
-            </a:blip>
-            <a:stretch>
-              <a:fillRect/>
-            </a:stretch>
-          </p:blipFill>
-          <p:spPr>
-            <a:xfrm>
-              <a:off x="2859" y="1"/>
-              <a:ext cx="9138285" cy="5143500"/>
-            </a:xfrm>
-            <a:prstGeom prst="rect">
-              <a:avLst/>
-            </a:prstGeom>
-            <a:noFill/>
-            <a:ln>
-              <a:noFill/>
-            </a:ln>
-          </p:spPr>
-        </p:pic>
-        <p:pic>
-          <p:nvPicPr>
-            <p:cNvPr id="262" name="Google Shape;262;p32"/>
-            <p:cNvPicPr preferRelativeResize="0"/>
-            <p:nvPr/>
-          </p:nvPicPr>
-          <p:blipFill>
-            <a:blip r:embed="rId3">
-              <a:alphaModFix amt="20000"/>
-            </a:blip>
-            <a:stretch>
-              <a:fillRect/>
-            </a:stretch>
-          </p:blipFill>
-          <p:spPr>
-            <a:xfrm>
-              <a:off x="0" y="0"/>
-              <a:ext cx="9144003" cy="5143501"/>
-            </a:xfrm>
-            <a:prstGeom prst="rect">
-              <a:avLst/>
-            </a:prstGeom>
-            <a:noFill/>
-            <a:ln>
-              <a:noFill/>
-            </a:ln>
-          </p:spPr>
-        </p:pic>
-      </p:grpSp>
-      <p:sp>
-        <p:nvSpPr>
-          <p:cNvPr id="263" name="Google Shape;263;p32"/>
-          <p:cNvSpPr txBox="1">
-            <a:spLocks noGrp="1"/>
-          </p:cNvSpPr>
-          <p:nvPr>
-            <p:ph type="ctrTitle"/>
-          </p:nvPr>
-        </p:nvSpPr>
-        <p:spPr>
-          <a:xfrm>
-            <a:off x="953450" y="761075"/>
-            <a:ext cx="4749000" cy="818400"/>
-          </a:xfrm>
-          <a:prstGeom prst="rect">
-            <a:avLst/>
-          </a:prstGeom>
-          <a:ln>
-            <a:noFill/>
-          </a:ln>
-        </p:spPr>
-        <p:txBody>
-          <a:bodyPr spcFirstLastPara="1" wrap="square" lIns="91425" tIns="91425" rIns="91425" bIns="91425" anchor="ctr" anchorCtr="0">
-            <a:noAutofit/>
-          </a:bodyPr>
-          <a:lstStyle>
-            <a:lvl1pPr lvl="0" rtl="0">
-              <a:spcBef>
-                <a:spcPts val="0"/>
-              </a:spcBef>
-              <a:spcAft>
-                <a:spcPts val="0"/>
-              </a:spcAft>
-              <a:buClr>
-                <a:schemeClr val="lt1"/>
-              </a:buClr>
-              <a:buSzPts val="5200"/>
-              <a:buNone/>
-              <a:defRPr sz="4800">
-                <a:solidFill>
-                  <a:schemeClr val="lt1"/>
-                </a:solidFill>
-              </a:defRPr>
-            </a:lvl1pPr>
-            <a:lvl2pPr lvl="1" algn="ctr" rtl="0">
-              <a:spcBef>
-                <a:spcPts val="0"/>
-              </a:spcBef>
-              <a:spcAft>
-                <a:spcPts val="0"/>
-              </a:spcAft>
-              <a:buClr>
-                <a:schemeClr val="lt1"/>
-              </a:buClr>
-              <a:buSzPts val="5200"/>
-              <a:buNone/>
-              <a:defRPr sz="5200">
-                <a:solidFill>
-                  <a:schemeClr val="lt1"/>
-                </a:solidFill>
-              </a:defRPr>
-            </a:lvl2pPr>
-            <a:lvl3pPr lvl="2" algn="ctr" rtl="0">
-              <a:spcBef>
-                <a:spcPts val="0"/>
-              </a:spcBef>
-              <a:spcAft>
-                <a:spcPts val="0"/>
-              </a:spcAft>
-              <a:buClr>
-                <a:schemeClr val="lt1"/>
-              </a:buClr>
-              <a:buSzPts val="5200"/>
-              <a:buNone/>
-              <a:defRPr sz="5200">
-                <a:solidFill>
-                  <a:schemeClr val="lt1"/>
-                </a:solidFill>
-              </a:defRPr>
-            </a:lvl3pPr>
-            <a:lvl4pPr lvl="3" algn="ctr" rtl="0">
-              <a:spcBef>
-                <a:spcPts val="0"/>
-              </a:spcBef>
-              <a:spcAft>
-                <a:spcPts val="0"/>
-              </a:spcAft>
-              <a:buClr>
-                <a:schemeClr val="lt1"/>
-              </a:buClr>
-              <a:buSzPts val="5200"/>
-              <a:buNone/>
-              <a:defRPr sz="5200">
-                <a:solidFill>
-                  <a:schemeClr val="lt1"/>
-                </a:solidFill>
-              </a:defRPr>
-            </a:lvl4pPr>
-            <a:lvl5pPr lvl="4" algn="ctr" rtl="0">
-              <a:spcBef>
-                <a:spcPts val="0"/>
-              </a:spcBef>
-              <a:spcAft>
-                <a:spcPts val="0"/>
-              </a:spcAft>
-              <a:buClr>
-                <a:schemeClr val="lt1"/>
-              </a:buClr>
-              <a:buSzPts val="5200"/>
-              <a:buNone/>
-              <a:defRPr sz="5200">
-                <a:solidFill>
-                  <a:schemeClr val="lt1"/>
-                </a:solidFill>
-              </a:defRPr>
-            </a:lvl5pPr>
-            <a:lvl6pPr lvl="5" algn="ctr" rtl="0">
-              <a:spcBef>
-                <a:spcPts val="0"/>
-              </a:spcBef>
-              <a:spcAft>
-                <a:spcPts val="0"/>
-              </a:spcAft>
-              <a:buClr>
-                <a:schemeClr val="lt1"/>
-              </a:buClr>
-              <a:buSzPts val="5200"/>
-              <a:buNone/>
-              <a:defRPr sz="5200">
-                <a:solidFill>
-                  <a:schemeClr val="lt1"/>
-                </a:solidFill>
-              </a:defRPr>
-            </a:lvl6pPr>
-            <a:lvl7pPr lvl="6" algn="ctr" rtl="0">
-              <a:spcBef>
-                <a:spcPts val="0"/>
-              </a:spcBef>
-              <a:spcAft>
-                <a:spcPts val="0"/>
-              </a:spcAft>
-              <a:buClr>
-                <a:schemeClr val="lt1"/>
-              </a:buClr>
-              <a:buSzPts val="5200"/>
-              <a:buNone/>
-              <a:defRPr sz="5200">
-                <a:solidFill>
-                  <a:schemeClr val="lt1"/>
-                </a:solidFill>
-              </a:defRPr>
-            </a:lvl7pPr>
-            <a:lvl8pPr lvl="7" algn="ctr" rtl="0">
-              <a:spcBef>
-                <a:spcPts val="0"/>
-              </a:spcBef>
-              <a:spcAft>
-                <a:spcPts val="0"/>
-              </a:spcAft>
-              <a:buClr>
-                <a:schemeClr val="lt1"/>
-              </a:buClr>
-              <a:buSzPts val="5200"/>
-              <a:buNone/>
-              <a:defRPr sz="5200">
-                <a:solidFill>
-                  <a:schemeClr val="lt1"/>
-                </a:solidFill>
-              </a:defRPr>
-            </a:lvl8pPr>
-            <a:lvl9pPr lvl="8" algn="ctr" rtl="0">
-              <a:spcBef>
-                <a:spcPts val="0"/>
-              </a:spcBef>
-              <a:spcAft>
-                <a:spcPts val="0"/>
-              </a:spcAft>
-              <a:buClr>
-                <a:schemeClr val="lt1"/>
-              </a:buClr>
-              <a:buSzPts val="5200"/>
-              <a:buNone/>
-              <a:defRPr sz="5200">
-                <a:solidFill>
-                  <a:schemeClr val="lt1"/>
-                </a:solidFill>
-              </a:defRPr>
-            </a:lvl9pPr>
-          </a:lstStyle>
-          <a:p>
-            <a:endParaRPr/>
-          </a:p>
-        </p:txBody>
-      </p:sp>
-      <p:sp>
-        <p:nvSpPr>
-          <p:cNvPr id="264" name="Google Shape;264;p32"/>
-          <p:cNvSpPr txBox="1">
-            <a:spLocks noGrp="1"/>
-          </p:cNvSpPr>
-          <p:nvPr>
-            <p:ph type="subTitle" idx="1"/>
-          </p:nvPr>
-        </p:nvSpPr>
-        <p:spPr>
-          <a:xfrm>
-            <a:off x="953450" y="1579325"/>
-            <a:ext cx="4749000" cy="1176000"/>
-          </a:xfrm>
-          <a:prstGeom prst="rect">
-            <a:avLst/>
-          </a:prstGeom>
-        </p:spPr>
-        <p:txBody>
-          <a:bodyPr spcFirstLastPara="1" wrap="square" lIns="91425" tIns="91425" rIns="91425" bIns="91425" anchor="ctr" anchorCtr="0">
-            <a:noAutofit/>
-          </a:bodyPr>
-          <a:lstStyle>
-            <a:lvl1pPr lvl="0" rtl="0">
-              <a:lnSpc>
-                <a:spcPct val="100000"/>
-              </a:lnSpc>
-              <a:spcBef>
-                <a:spcPts val="0"/>
-              </a:spcBef>
-              <a:spcAft>
-                <a:spcPts val="0"/>
-              </a:spcAft>
-              <a:buClr>
-                <a:schemeClr val="lt1"/>
-              </a:buClr>
-              <a:buSzPts val="1400"/>
-              <a:buNone/>
-              <a:defRPr>
-                <a:solidFill>
-                  <a:schemeClr val="lt1"/>
-                </a:solidFill>
-              </a:defRPr>
-            </a:lvl1pPr>
-            <a:lvl2pPr lvl="1" algn="ctr" rtl="0">
-              <a:lnSpc>
-                <a:spcPct val="100000"/>
-              </a:lnSpc>
-              <a:spcBef>
-                <a:spcPts val="0"/>
-              </a:spcBef>
-              <a:spcAft>
-                <a:spcPts val="0"/>
-              </a:spcAft>
-              <a:buClr>
-                <a:schemeClr val="lt1"/>
-              </a:buClr>
-              <a:buSzPts val="1800"/>
-              <a:buNone/>
-              <a:defRPr sz="1800">
-                <a:solidFill>
-                  <a:schemeClr val="lt1"/>
-                </a:solidFill>
-              </a:defRPr>
-            </a:lvl2pPr>
-            <a:lvl3pPr lvl="2" algn="ctr" rtl="0">
-              <a:lnSpc>
-                <a:spcPct val="100000"/>
-              </a:lnSpc>
-              <a:spcBef>
-                <a:spcPts val="0"/>
-              </a:spcBef>
-              <a:spcAft>
-                <a:spcPts val="0"/>
-              </a:spcAft>
-              <a:buClr>
-                <a:schemeClr val="lt1"/>
-              </a:buClr>
-              <a:buSzPts val="1800"/>
-              <a:buNone/>
-              <a:defRPr sz="1800">
-                <a:solidFill>
-                  <a:schemeClr val="lt1"/>
-                </a:solidFill>
-              </a:defRPr>
-            </a:lvl3pPr>
-            <a:lvl4pPr lvl="3" algn="ctr" rtl="0">
-              <a:lnSpc>
-                <a:spcPct val="100000"/>
-              </a:lnSpc>
-              <a:spcBef>
-                <a:spcPts val="0"/>
-              </a:spcBef>
-              <a:spcAft>
-                <a:spcPts val="0"/>
-              </a:spcAft>
-              <a:buClr>
-                <a:schemeClr val="lt1"/>
-              </a:buClr>
-              <a:buSzPts val="1800"/>
-              <a:buNone/>
-              <a:defRPr sz="1800">
-                <a:solidFill>
-                  <a:schemeClr val="lt1"/>
-                </a:solidFill>
-              </a:defRPr>
-            </a:lvl4pPr>
-            <a:lvl5pPr lvl="4" algn="ctr" rtl="0">
-              <a:lnSpc>
-                <a:spcPct val="100000"/>
-              </a:lnSpc>
-              <a:spcBef>
-                <a:spcPts val="0"/>
-              </a:spcBef>
-              <a:spcAft>
-                <a:spcPts val="0"/>
-              </a:spcAft>
-              <a:buClr>
-                <a:schemeClr val="lt1"/>
-              </a:buClr>
-              <a:buSzPts val="1800"/>
-              <a:buNone/>
-              <a:defRPr sz="1800">
-                <a:solidFill>
-                  <a:schemeClr val="lt1"/>
-                </a:solidFill>
-              </a:defRPr>
-            </a:lvl5pPr>
-            <a:lvl6pPr lvl="5" algn="ctr" rtl="0">
-              <a:lnSpc>
-                <a:spcPct val="100000"/>
-              </a:lnSpc>
-              <a:spcBef>
-                <a:spcPts val="0"/>
-              </a:spcBef>
-              <a:spcAft>
-                <a:spcPts val="0"/>
-              </a:spcAft>
-              <a:buClr>
-                <a:schemeClr val="lt1"/>
-              </a:buClr>
-              <a:buSzPts val="1800"/>
-              <a:buNone/>
-              <a:defRPr sz="1800">
-                <a:solidFill>
-                  <a:schemeClr val="lt1"/>
-                </a:solidFill>
-              </a:defRPr>
-            </a:lvl6pPr>
-            <a:lvl7pPr lvl="6" algn="ctr" rtl="0">
-              <a:lnSpc>
-                <a:spcPct val="100000"/>
-              </a:lnSpc>
-              <a:spcBef>
-                <a:spcPts val="0"/>
-              </a:spcBef>
-              <a:spcAft>
-                <a:spcPts val="0"/>
-              </a:spcAft>
-              <a:buClr>
-                <a:schemeClr val="lt1"/>
-              </a:buClr>
-              <a:buSzPts val="1800"/>
-              <a:buNone/>
-              <a:defRPr sz="1800">
-                <a:solidFill>
-                  <a:schemeClr val="lt1"/>
-                </a:solidFill>
-              </a:defRPr>
-            </a:lvl7pPr>
-            <a:lvl8pPr lvl="7" algn="ctr" rtl="0">
-              <a:lnSpc>
-                <a:spcPct val="100000"/>
-              </a:lnSpc>
-              <a:spcBef>
-                <a:spcPts val="0"/>
-              </a:spcBef>
-              <a:spcAft>
-                <a:spcPts val="0"/>
-              </a:spcAft>
-              <a:buClr>
-                <a:schemeClr val="lt1"/>
-              </a:buClr>
-              <a:buSzPts val="1800"/>
-              <a:buNone/>
-              <a:defRPr sz="1800">
-                <a:solidFill>
-                  <a:schemeClr val="lt1"/>
-                </a:solidFill>
-              </a:defRPr>
-            </a:lvl8pPr>
-            <a:lvl9pPr lvl="8" algn="ctr" rtl="0">
-              <a:lnSpc>
-                <a:spcPct val="100000"/>
-              </a:lnSpc>
-              <a:spcBef>
-                <a:spcPts val="0"/>
-              </a:spcBef>
-              <a:spcAft>
-                <a:spcPts val="0"/>
-              </a:spcAft>
-              <a:buClr>
-                <a:schemeClr val="lt1"/>
-              </a:buClr>
-              <a:buSzPts val="1800"/>
-              <a:buNone/>
-              <a:defRPr sz="1800">
-                <a:solidFill>
-                  <a:schemeClr val="lt1"/>
-                </a:solidFill>
-              </a:defRPr>
-            </a:lvl9pPr>
-          </a:lstStyle>
-          <a:p>
-            <a:endParaRPr/>
-          </a:p>
-        </p:txBody>
-      </p:sp>
-      <p:sp>
-        <p:nvSpPr>
-          <p:cNvPr id="265" name="Google Shape;265;p32"/>
-          <p:cNvSpPr txBox="1"/>
-          <p:nvPr/>
-        </p:nvSpPr>
-        <p:spPr>
-          <a:xfrm>
-            <a:off x="953450" y="3571750"/>
-            <a:ext cx="3864900" cy="657900"/>
-          </a:xfrm>
-          <a:prstGeom prst="rect">
-            <a:avLst/>
-          </a:prstGeom>
-          <a:noFill/>
-          <a:ln>
-            <a:noFill/>
-          </a:ln>
-        </p:spPr>
-        <p:txBody>
-          <a:bodyPr spcFirstLastPara="1" wrap="square" lIns="91425" tIns="91425" rIns="91425" bIns="91425" anchor="ctr" anchorCtr="0">
-            <a:noAutofit/>
-          </a:bodyPr>
-          <a:lstStyle/>
-          <a:p>
-            <a:pPr marL="0" lvl="0" indent="0" algn="l" rtl="0">
-              <a:lnSpc>
-                <a:spcPct val="100000"/>
-              </a:lnSpc>
-              <a:spcBef>
-                <a:spcPts val="0"/>
-              </a:spcBef>
-              <a:spcAft>
-                <a:spcPts val="0"/>
-              </a:spcAft>
-              <a:buNone/>
-            </a:pPr>
-            <a:r>
-              <a:rPr lang="en" sz="1200">
-                <a:solidFill>
-                  <a:schemeClr val="lt1"/>
-                </a:solidFill>
-                <a:latin typeface="Open Sans"/>
-                <a:ea typeface="Open Sans"/>
-                <a:cs typeface="Open Sans"/>
-                <a:sym typeface="Open Sans"/>
-              </a:rPr>
-              <a:t>CREDITS: This presentation template was created by </a:t>
-            </a:r>
-            <a:r>
-              <a:rPr lang="en" sz="1200" b="1">
-                <a:solidFill>
-                  <a:schemeClr val="lt1"/>
-                </a:solidFill>
-                <a:uFill>
-                  <a:noFill/>
-                </a:uFill>
-                <a:latin typeface="Open Sans"/>
-                <a:ea typeface="Open Sans"/>
-                <a:cs typeface="Open Sans"/>
-                <a:sym typeface="Open Sans"/>
-                <a:hlinkClick r:id="rId4">
-                  <a:extLst>
-                    <a:ext uri="{A12FA001-AC4F-418D-AE19-62706E023703}">
-                      <ahyp:hlinkClr xmlns:ahyp="http://schemas.microsoft.com/office/drawing/2018/hyperlinkcolor" val="tx"/>
-                    </a:ext>
-                  </a:extLst>
-                </a:hlinkClick>
-              </a:rPr>
-              <a:t>Slidesgo</a:t>
-            </a:r>
-            <a:r>
-              <a:rPr lang="en" sz="1200">
-                <a:solidFill>
-                  <a:schemeClr val="lt1"/>
-                </a:solidFill>
-                <a:latin typeface="Open Sans"/>
-                <a:ea typeface="Open Sans"/>
-                <a:cs typeface="Open Sans"/>
-                <a:sym typeface="Open Sans"/>
-              </a:rPr>
-              <a:t>, including icons by </a:t>
-            </a:r>
-            <a:r>
-              <a:rPr lang="en" sz="1200" b="1">
-                <a:solidFill>
-                  <a:schemeClr val="lt1"/>
-                </a:solidFill>
-                <a:uFill>
-                  <a:noFill/>
-                </a:uFill>
-                <a:latin typeface="Open Sans"/>
-                <a:ea typeface="Open Sans"/>
-                <a:cs typeface="Open Sans"/>
-                <a:sym typeface="Open Sans"/>
-                <a:hlinkClick r:id="rId5">
-                  <a:extLst>
-                    <a:ext uri="{A12FA001-AC4F-418D-AE19-62706E023703}">
-                      <ahyp:hlinkClr xmlns:ahyp="http://schemas.microsoft.com/office/drawing/2018/hyperlinkcolor" val="tx"/>
-                    </a:ext>
-                  </a:extLst>
-                </a:hlinkClick>
-              </a:rPr>
-              <a:t>Flaticon</a:t>
-            </a:r>
-            <a:r>
-              <a:rPr lang="en" sz="1200">
-                <a:solidFill>
-                  <a:schemeClr val="lt1"/>
-                </a:solidFill>
-                <a:latin typeface="Open Sans"/>
-                <a:ea typeface="Open Sans"/>
-                <a:cs typeface="Open Sans"/>
-                <a:sym typeface="Open Sans"/>
-              </a:rPr>
-              <a:t> and infographics &amp; images by </a:t>
-            </a:r>
-            <a:r>
-              <a:rPr lang="en" sz="1200" b="1">
-                <a:solidFill>
-                  <a:schemeClr val="lt1"/>
-                </a:solidFill>
-                <a:uFill>
-                  <a:noFill/>
-                </a:uFill>
-                <a:latin typeface="Open Sans"/>
-                <a:ea typeface="Open Sans"/>
-                <a:cs typeface="Open Sans"/>
-                <a:sym typeface="Open Sans"/>
-                <a:hlinkClick r:id="rId6">
-                  <a:extLst>
-                    <a:ext uri="{A12FA001-AC4F-418D-AE19-62706E023703}">
-                      <ahyp:hlinkClr xmlns:ahyp="http://schemas.microsoft.com/office/drawing/2018/hyperlinkcolor" val="tx"/>
-                    </a:ext>
-                  </a:extLst>
-                </a:hlinkClick>
-              </a:rPr>
-              <a:t>Freepik</a:t>
-            </a:r>
-            <a:endParaRPr sz="1200" b="1">
-              <a:solidFill>
-                <a:schemeClr val="lt1"/>
-              </a:solidFill>
-              <a:latin typeface="Open Sans"/>
-              <a:ea typeface="Open Sans"/>
-              <a:cs typeface="Open Sans"/>
-              <a:sym typeface="Open Sans"/>
-            </a:endParaRPr>
-          </a:p>
-        </p:txBody>
-      </p:sp>
-    </p:spTree>
-  </p:cSld>
-  <p:clrMapOvr>
-    <a:masterClrMapping/>
-  </p:clrMapOvr>
-</p:sldLayout>
-</file>
-
-<file path=ppt/slideLayouts/slideLayout6.xml><?xml version="1.0" encoding="utf-8"?>
 <p:sldLayout xmlns:a="http://schemas.openxmlformats.org/drawingml/2006/main" xmlns:r="http://schemas.openxmlformats.org/officeDocument/2006/relationships" xmlns:p="http://schemas.openxmlformats.org/presentationml/2006/main" matchingName="Background">
   <p:cSld name="BLANK_1_1_1_1_1_1_1">
     <p:spTree>
@@ -3967,10 +3165,13 @@
   <p:clrMapOvr>
     <a:masterClrMapping/>
   </p:clrMapOvr>
+  <p:transition spd="slow">
+    <p:push dir="r"/>
+  </p:transition>
 </p:sldLayout>
 </file>
 
-<file path=ppt/slideLayouts/slideLayout7.xml><?xml version="1.0" encoding="utf-8"?>
+<file path=ppt/slideLayouts/slideLayout6.xml><?xml version="1.0" encoding="utf-8"?>
 <p:sldLayout xmlns:a="http://schemas.openxmlformats.org/drawingml/2006/main" xmlns:r="http://schemas.openxmlformats.org/officeDocument/2006/relationships" xmlns:p="http://schemas.openxmlformats.org/presentationml/2006/main" matchingName="Background 1">
   <p:cSld name="BLANK_1_1_1_1_1_1_1_1">
     <p:spTree>
@@ -4111,6 +3312,9 @@
   <p:clrMapOvr>
     <a:masterClrMapping/>
   </p:clrMapOvr>
+  <p:transition spd="slow">
+    <p:push dir="r"/>
+  </p:transition>
 </p:sldLayout>
 </file>
 
@@ -4656,10 +3860,12 @@
     <p:sldLayoutId id="2147483650" r:id="rId2"/>
     <p:sldLayoutId id="2147483658" r:id="rId3"/>
     <p:sldLayoutId id="2147483661" r:id="rId4"/>
-    <p:sldLayoutId id="2147483678" r:id="rId5"/>
-    <p:sldLayoutId id="2147483679" r:id="rId6"/>
-    <p:sldLayoutId id="2147483680" r:id="rId7"/>
+    <p:sldLayoutId id="2147483679" r:id="rId5"/>
+    <p:sldLayoutId id="2147483680" r:id="rId6"/>
   </p:sldLayoutIdLst>
+  <p:transition spd="slow">
+    <p:push dir="r"/>
+  </p:transition>
   <p:hf hdr="0" ftr="0" dt="0"/>
   <p:txStyles>
     <p:titleStyle>
@@ -5611,18 +4817,9 @@
   <p:clrMapOvr>
     <a:masterClrMapping/>
   </p:clrMapOvr>
-  <mc:AlternateContent xmlns:mc="http://schemas.openxmlformats.org/markup-compatibility/2006">
-    <mc:Choice xmlns:p14="http://schemas.microsoft.com/office/powerpoint/2010/main" Requires="p14">
-      <p:transition p14:dur="100">
-        <p:cut/>
-      </p:transition>
-    </mc:Choice>
-    <mc:Fallback>
-      <p:transition>
-        <p:cut/>
-      </p:transition>
-    </mc:Fallback>
-  </mc:AlternateContent>
+  <p:transition spd="slow">
+    <p:push dir="r"/>
+  </p:transition>
 </p:sld>
 </file>
 
@@ -6596,18 +5793,9 @@
   <p:clrMapOvr>
     <a:masterClrMapping/>
   </p:clrMapOvr>
-  <mc:AlternateContent xmlns:mc="http://schemas.openxmlformats.org/markup-compatibility/2006">
-    <mc:Choice xmlns:p14="http://schemas.microsoft.com/office/powerpoint/2010/main" Requires="p14">
-      <p:transition spd="slow" p14:dur="1250">
-        <p14:switch dir="l"/>
-      </p:transition>
-    </mc:Choice>
-    <mc:Fallback>
-      <p:transition spd="slow">
-        <p:fade/>
-      </p:transition>
-    </mc:Fallback>
-  </mc:AlternateContent>
+  <p:transition spd="slow">
+    <p:push dir="r"/>
+  </p:transition>
   <p:timing>
     <p:tnLst>
       <p:par>
@@ -8272,7 +7460,7 @@
             <a:round/>
             <a:extLst>
               <a:ext uri="{C807C97D-BFC1-408E-A445-0C87EB9F89A2}">
-                <ask:lineSketchStyleProps xmlns:ask="http://schemas.microsoft.com/office/drawing/2018/sketchyshapes" sd="1219033472">
+                <ask:lineSketchStyleProps xmlns:ask="http://schemas.microsoft.com/office/drawing/2018/sketchyshapes" xmlns="" sd="1219033472">
                   <a:prstGeom prst="mathPlus">
                     <a:avLst/>
                   </a:prstGeom>
@@ -8319,6 +7507,317 @@
   <p:clrMapOvr>
     <a:masterClrMapping/>
   </p:clrMapOvr>
+  <p:transition spd="slow">
+    <p:push dir="r"/>
+  </p:transition>
+  <p:timing>
+    <p:tnLst>
+      <p:par>
+        <p:cTn id="1" dur="indefinite" restart="never" nodeType="tmRoot">
+          <p:childTnLst>
+            <p:seq concurrent="1" nextAc="seek">
+              <p:cTn id="2" dur="indefinite" nodeType="mainSeq">
+                <p:childTnLst>
+                  <p:par>
+                    <p:cTn id="3" fill="hold">
+                      <p:stCondLst>
+                        <p:cond delay="indefinite"/>
+                      </p:stCondLst>
+                      <p:childTnLst>
+                        <p:par>
+                          <p:cTn id="4" fill="hold">
+                            <p:stCondLst>
+                              <p:cond delay="0"/>
+                            </p:stCondLst>
+                            <p:childTnLst>
+                              <p:par>
+                                <p:cTn id="5" presetID="42" presetClass="entr" presetSubtype="0" fill="hold" nodeType="clickEffect">
+                                  <p:stCondLst>
+                                    <p:cond delay="0"/>
+                                  </p:stCondLst>
+                                  <p:childTnLst>
+                                    <p:set>
+                                      <p:cBhvr>
+                                        <p:cTn id="6" dur="1" fill="hold">
+                                          <p:stCondLst>
+                                            <p:cond delay="0"/>
+                                          </p:stCondLst>
+                                        </p:cTn>
+                                        <p:tgtEl>
+                                          <p:spTgt spid="24"/>
+                                        </p:tgtEl>
+                                        <p:attrNameLst>
+                                          <p:attrName>style.visibility</p:attrName>
+                                        </p:attrNameLst>
+                                      </p:cBhvr>
+                                      <p:to>
+                                        <p:strVal val="visible"/>
+                                      </p:to>
+                                    </p:set>
+                                    <p:animEffect transition="in" filter="fade">
+                                      <p:cBhvr>
+                                        <p:cTn id="7" dur="1000"/>
+                                        <p:tgtEl>
+                                          <p:spTgt spid="24"/>
+                                        </p:tgtEl>
+                                      </p:cBhvr>
+                                    </p:animEffect>
+                                    <p:anim calcmode="lin" valueType="num">
+                                      <p:cBhvr>
+                                        <p:cTn id="8" dur="1000" fill="hold"/>
+                                        <p:tgtEl>
+                                          <p:spTgt spid="24"/>
+                                        </p:tgtEl>
+                                        <p:attrNameLst>
+                                          <p:attrName>ppt_x</p:attrName>
+                                        </p:attrNameLst>
+                                      </p:cBhvr>
+                                      <p:tavLst>
+                                        <p:tav tm="0">
+                                          <p:val>
+                                            <p:strVal val="#ppt_x"/>
+                                          </p:val>
+                                        </p:tav>
+                                        <p:tav tm="100000">
+                                          <p:val>
+                                            <p:strVal val="#ppt_x"/>
+                                          </p:val>
+                                        </p:tav>
+                                      </p:tavLst>
+                                    </p:anim>
+                                    <p:anim calcmode="lin" valueType="num">
+                                      <p:cBhvr>
+                                        <p:cTn id="9" dur="1000" fill="hold"/>
+                                        <p:tgtEl>
+                                          <p:spTgt spid="24"/>
+                                        </p:tgtEl>
+                                        <p:attrNameLst>
+                                          <p:attrName>ppt_y</p:attrName>
+                                        </p:attrNameLst>
+                                      </p:cBhvr>
+                                      <p:tavLst>
+                                        <p:tav tm="0">
+                                          <p:val>
+                                            <p:strVal val="#ppt_y+.1"/>
+                                          </p:val>
+                                        </p:tav>
+                                        <p:tav tm="100000">
+                                          <p:val>
+                                            <p:strVal val="#ppt_y"/>
+                                          </p:val>
+                                        </p:tav>
+                                      </p:tavLst>
+                                    </p:anim>
+                                  </p:childTnLst>
+                                </p:cTn>
+                              </p:par>
+                            </p:childTnLst>
+                          </p:cTn>
+                        </p:par>
+                      </p:childTnLst>
+                    </p:cTn>
+                  </p:par>
+                  <p:par>
+                    <p:cTn id="10" fill="hold">
+                      <p:stCondLst>
+                        <p:cond delay="indefinite"/>
+                      </p:stCondLst>
+                      <p:childTnLst>
+                        <p:par>
+                          <p:cTn id="11" fill="hold">
+                            <p:stCondLst>
+                              <p:cond delay="0"/>
+                            </p:stCondLst>
+                            <p:childTnLst>
+                              <p:par>
+                                <p:cTn id="12" presetID="22" presetClass="entr" presetSubtype="8" fill="hold" nodeType="clickEffect">
+                                  <p:stCondLst>
+                                    <p:cond delay="0"/>
+                                  </p:stCondLst>
+                                  <p:childTnLst>
+                                    <p:set>
+                                      <p:cBhvr>
+                                        <p:cTn id="13" dur="1" fill="hold">
+                                          <p:stCondLst>
+                                            <p:cond delay="0"/>
+                                          </p:stCondLst>
+                                        </p:cTn>
+                                        <p:tgtEl>
+                                          <p:spTgt spid="3"/>
+                                        </p:tgtEl>
+                                        <p:attrNameLst>
+                                          <p:attrName>style.visibility</p:attrName>
+                                        </p:attrNameLst>
+                                      </p:cBhvr>
+                                      <p:to>
+                                        <p:strVal val="visible"/>
+                                      </p:to>
+                                    </p:set>
+                                    <p:animEffect transition="in" filter="wipe(left)">
+                                      <p:cBhvr>
+                                        <p:cTn id="14" dur="500"/>
+                                        <p:tgtEl>
+                                          <p:spTgt spid="3"/>
+                                        </p:tgtEl>
+                                      </p:cBhvr>
+                                    </p:animEffect>
+                                  </p:childTnLst>
+                                </p:cTn>
+                              </p:par>
+                            </p:childTnLst>
+                          </p:cTn>
+                        </p:par>
+                        <p:par>
+                          <p:cTn id="15" fill="hold">
+                            <p:stCondLst>
+                              <p:cond delay="500"/>
+                            </p:stCondLst>
+                            <p:childTnLst>
+                              <p:par>
+                                <p:cTn id="16" presetID="22" presetClass="entr" presetSubtype="8" fill="hold" grpId="0" nodeType="afterEffect">
+                                  <p:stCondLst>
+                                    <p:cond delay="0"/>
+                                  </p:stCondLst>
+                                  <p:childTnLst>
+                                    <p:set>
+                                      <p:cBhvr>
+                                        <p:cTn id="17" dur="1" fill="hold">
+                                          <p:stCondLst>
+                                            <p:cond delay="0"/>
+                                          </p:stCondLst>
+                                        </p:cTn>
+                                        <p:tgtEl>
+                                          <p:spTgt spid="8"/>
+                                        </p:tgtEl>
+                                        <p:attrNameLst>
+                                          <p:attrName>style.visibility</p:attrName>
+                                        </p:attrNameLst>
+                                      </p:cBhvr>
+                                      <p:to>
+                                        <p:strVal val="visible"/>
+                                      </p:to>
+                                    </p:set>
+                                    <p:animEffect transition="in" filter="wipe(left)">
+                                      <p:cBhvr>
+                                        <p:cTn id="18" dur="500"/>
+                                        <p:tgtEl>
+                                          <p:spTgt spid="8"/>
+                                        </p:tgtEl>
+                                      </p:cBhvr>
+                                    </p:animEffect>
+                                  </p:childTnLst>
+                                </p:cTn>
+                              </p:par>
+                            </p:childTnLst>
+                          </p:cTn>
+                        </p:par>
+                        <p:par>
+                          <p:cTn id="19" fill="hold">
+                            <p:stCondLst>
+                              <p:cond delay="1000"/>
+                            </p:stCondLst>
+                            <p:childTnLst>
+                              <p:par>
+                                <p:cTn id="20" presetID="22" presetClass="entr" presetSubtype="8" fill="hold" nodeType="afterEffect">
+                                  <p:stCondLst>
+                                    <p:cond delay="0"/>
+                                  </p:stCondLst>
+                                  <p:childTnLst>
+                                    <p:set>
+                                      <p:cBhvr>
+                                        <p:cTn id="21" dur="1" fill="hold">
+                                          <p:stCondLst>
+                                            <p:cond delay="0"/>
+                                          </p:stCondLst>
+                                        </p:cTn>
+                                        <p:tgtEl>
+                                          <p:spTgt spid="5"/>
+                                        </p:tgtEl>
+                                        <p:attrNameLst>
+                                          <p:attrName>style.visibility</p:attrName>
+                                        </p:attrNameLst>
+                                      </p:cBhvr>
+                                      <p:to>
+                                        <p:strVal val="visible"/>
+                                      </p:to>
+                                    </p:set>
+                                    <p:animEffect transition="in" filter="wipe(left)">
+                                      <p:cBhvr>
+                                        <p:cTn id="22" dur="500"/>
+                                        <p:tgtEl>
+                                          <p:spTgt spid="5"/>
+                                        </p:tgtEl>
+                                      </p:cBhvr>
+                                    </p:animEffect>
+                                  </p:childTnLst>
+                                </p:cTn>
+                              </p:par>
+                              <p:par>
+                                <p:cTn id="23" presetID="22" presetClass="entr" presetSubtype="8" fill="hold" nodeType="withEffect">
+                                  <p:stCondLst>
+                                    <p:cond delay="0"/>
+                                  </p:stCondLst>
+                                  <p:childTnLst>
+                                    <p:set>
+                                      <p:cBhvr>
+                                        <p:cTn id="24" dur="1" fill="hold">
+                                          <p:stCondLst>
+                                            <p:cond delay="0"/>
+                                          </p:stCondLst>
+                                        </p:cTn>
+                                        <p:tgtEl>
+                                          <p:spTgt spid="7"/>
+                                        </p:tgtEl>
+                                        <p:attrNameLst>
+                                          <p:attrName>style.visibility</p:attrName>
+                                        </p:attrNameLst>
+                                      </p:cBhvr>
+                                      <p:to>
+                                        <p:strVal val="visible"/>
+                                      </p:to>
+                                    </p:set>
+                                    <p:animEffect transition="in" filter="wipe(left)">
+                                      <p:cBhvr>
+                                        <p:cTn id="25" dur="500"/>
+                                        <p:tgtEl>
+                                          <p:spTgt spid="7"/>
+                                        </p:tgtEl>
+                                      </p:cBhvr>
+                                    </p:animEffect>
+                                  </p:childTnLst>
+                                </p:cTn>
+                              </p:par>
+                            </p:childTnLst>
+                          </p:cTn>
+                        </p:par>
+                      </p:childTnLst>
+                    </p:cTn>
+                  </p:par>
+                </p:childTnLst>
+              </p:cTn>
+              <p:prevCondLst>
+                <p:cond evt="onPrev" delay="0">
+                  <p:tgtEl>
+                    <p:sldTgt/>
+                  </p:tgtEl>
+                </p:cond>
+              </p:prevCondLst>
+              <p:nextCondLst>
+                <p:cond evt="onNext" delay="0">
+                  <p:tgtEl>
+                    <p:sldTgt/>
+                  </p:tgtEl>
+                </p:cond>
+              </p:nextCondLst>
+            </p:seq>
+          </p:childTnLst>
+        </p:cTn>
+      </p:par>
+    </p:tnLst>
+    <p:bldLst>
+      <p:bldP spid="8" grpId="0" animBg="1"/>
+    </p:bldLst>
+  </p:timing>
 </p:sld>
 </file>
 
@@ -9314,7 +8813,7 @@
             </a:solidFill>
             <a:extLst>
               <a:ext uri="{C807C97D-BFC1-408E-A445-0C87EB9F89A2}">
-                <ask:lineSketchStyleProps xmlns:ask="http://schemas.microsoft.com/office/drawing/2018/sketchyshapes" sd="1219033472">
+                <ask:lineSketchStyleProps xmlns:ask="http://schemas.microsoft.com/office/drawing/2018/sketchyshapes" xmlns="" sd="1219033472">
                   <a:prstGeom prst="chevron">
                     <a:avLst/>
                   </a:prstGeom>
@@ -9434,6 +8933,230 @@
   <p:clrMapOvr>
     <a:masterClrMapping/>
   </p:clrMapOvr>
+  <p:transition spd="slow">
+    <p:push dir="r"/>
+  </p:transition>
+  <p:timing>
+    <p:tnLst>
+      <p:par>
+        <p:cTn id="1" dur="indefinite" restart="never" nodeType="tmRoot">
+          <p:childTnLst>
+            <p:seq concurrent="1" nextAc="seek">
+              <p:cTn id="2" dur="indefinite" nodeType="mainSeq">
+                <p:childTnLst>
+                  <p:par>
+                    <p:cTn id="3" fill="hold">
+                      <p:stCondLst>
+                        <p:cond delay="indefinite"/>
+                      </p:stCondLst>
+                      <p:childTnLst>
+                        <p:par>
+                          <p:cTn id="4" fill="hold">
+                            <p:stCondLst>
+                              <p:cond delay="0"/>
+                            </p:stCondLst>
+                            <p:childTnLst>
+                              <p:par>
+                                <p:cTn id="5" presetID="2" presetClass="entr" presetSubtype="8" fill="hold" nodeType="clickEffect">
+                                  <p:stCondLst>
+                                    <p:cond delay="0"/>
+                                  </p:stCondLst>
+                                  <p:childTnLst>
+                                    <p:set>
+                                      <p:cBhvr>
+                                        <p:cTn id="6" dur="1" fill="hold">
+                                          <p:stCondLst>
+                                            <p:cond delay="0"/>
+                                          </p:stCondLst>
+                                        </p:cTn>
+                                        <p:tgtEl>
+                                          <p:spTgt spid="10"/>
+                                        </p:tgtEl>
+                                        <p:attrNameLst>
+                                          <p:attrName>style.visibility</p:attrName>
+                                        </p:attrNameLst>
+                                      </p:cBhvr>
+                                      <p:to>
+                                        <p:strVal val="visible"/>
+                                      </p:to>
+                                    </p:set>
+                                    <p:anim calcmode="lin" valueType="num">
+                                      <p:cBhvr additive="base">
+                                        <p:cTn id="7" dur="500" fill="hold"/>
+                                        <p:tgtEl>
+                                          <p:spTgt spid="10"/>
+                                        </p:tgtEl>
+                                        <p:attrNameLst>
+                                          <p:attrName>ppt_x</p:attrName>
+                                        </p:attrNameLst>
+                                      </p:cBhvr>
+                                      <p:tavLst>
+                                        <p:tav tm="0">
+                                          <p:val>
+                                            <p:strVal val="0-#ppt_w/2"/>
+                                          </p:val>
+                                        </p:tav>
+                                        <p:tav tm="100000">
+                                          <p:val>
+                                            <p:strVal val="#ppt_x"/>
+                                          </p:val>
+                                        </p:tav>
+                                      </p:tavLst>
+                                    </p:anim>
+                                    <p:anim calcmode="lin" valueType="num">
+                                      <p:cBhvr additive="base">
+                                        <p:cTn id="8" dur="500" fill="hold"/>
+                                        <p:tgtEl>
+                                          <p:spTgt spid="10"/>
+                                        </p:tgtEl>
+                                        <p:attrNameLst>
+                                          <p:attrName>ppt_y</p:attrName>
+                                        </p:attrNameLst>
+                                      </p:cBhvr>
+                                      <p:tavLst>
+                                        <p:tav tm="0">
+                                          <p:val>
+                                            <p:strVal val="#ppt_y"/>
+                                          </p:val>
+                                        </p:tav>
+                                        <p:tav tm="100000">
+                                          <p:val>
+                                            <p:strVal val="#ppt_y"/>
+                                          </p:val>
+                                        </p:tav>
+                                      </p:tavLst>
+                                    </p:anim>
+                                  </p:childTnLst>
+                                </p:cTn>
+                              </p:par>
+                            </p:childTnLst>
+                          </p:cTn>
+                        </p:par>
+                      </p:childTnLst>
+                    </p:cTn>
+                  </p:par>
+                  <p:par>
+                    <p:cTn id="9" fill="hold">
+                      <p:stCondLst>
+                        <p:cond delay="indefinite"/>
+                      </p:stCondLst>
+                      <p:childTnLst>
+                        <p:par>
+                          <p:cTn id="10" fill="hold">
+                            <p:stCondLst>
+                              <p:cond delay="0"/>
+                            </p:stCondLst>
+                            <p:childTnLst>
+                              <p:par>
+                                <p:cTn id="11" presetID="22" presetClass="entr" presetSubtype="8" fill="hold" grpId="0" nodeType="clickEffect">
+                                  <p:stCondLst>
+                                    <p:cond delay="0"/>
+                                  </p:stCondLst>
+                                  <p:childTnLst>
+                                    <p:set>
+                                      <p:cBhvr>
+                                        <p:cTn id="12" dur="1" fill="hold">
+                                          <p:stCondLst>
+                                            <p:cond delay="0"/>
+                                          </p:stCondLst>
+                                        </p:cTn>
+                                        <p:tgtEl>
+                                          <p:spTgt spid="7"/>
+                                        </p:tgtEl>
+                                        <p:attrNameLst>
+                                          <p:attrName>style.visibility</p:attrName>
+                                        </p:attrNameLst>
+                                      </p:cBhvr>
+                                      <p:to>
+                                        <p:strVal val="visible"/>
+                                      </p:to>
+                                    </p:set>
+                                    <p:animEffect transition="in" filter="wipe(left)">
+                                      <p:cBhvr>
+                                        <p:cTn id="13" dur="500"/>
+                                        <p:tgtEl>
+                                          <p:spTgt spid="7"/>
+                                        </p:tgtEl>
+                                      </p:cBhvr>
+                                    </p:animEffect>
+                                  </p:childTnLst>
+                                </p:cTn>
+                              </p:par>
+                            </p:childTnLst>
+                          </p:cTn>
+                        </p:par>
+                        <p:par>
+                          <p:cTn id="14" fill="hold">
+                            <p:stCondLst>
+                              <p:cond delay="500"/>
+                            </p:stCondLst>
+                            <p:childTnLst>
+                              <p:par>
+                                <p:cTn id="15" presetID="22" presetClass="entr" presetSubtype="8" fill="hold" nodeType="afterEffect">
+                                  <p:stCondLst>
+                                    <p:cond delay="0"/>
+                                  </p:stCondLst>
+                                  <p:childTnLst>
+                                    <p:set>
+                                      <p:cBhvr>
+                                        <p:cTn id="16" dur="1" fill="hold">
+                                          <p:stCondLst>
+                                            <p:cond delay="0"/>
+                                          </p:stCondLst>
+                                        </p:cTn>
+                                        <p:tgtEl>
+                                          <p:spTgt spid="6"/>
+                                        </p:tgtEl>
+                                        <p:attrNameLst>
+                                          <p:attrName>style.visibility</p:attrName>
+                                        </p:attrNameLst>
+                                      </p:cBhvr>
+                                      <p:to>
+                                        <p:strVal val="visible"/>
+                                      </p:to>
+                                    </p:set>
+                                    <p:animEffect transition="in" filter="wipe(left)">
+                                      <p:cBhvr>
+                                        <p:cTn id="17" dur="500"/>
+                                        <p:tgtEl>
+                                          <p:spTgt spid="6"/>
+                                        </p:tgtEl>
+                                      </p:cBhvr>
+                                    </p:animEffect>
+                                  </p:childTnLst>
+                                </p:cTn>
+                              </p:par>
+                            </p:childTnLst>
+                          </p:cTn>
+                        </p:par>
+                      </p:childTnLst>
+                    </p:cTn>
+                  </p:par>
+                </p:childTnLst>
+              </p:cTn>
+              <p:prevCondLst>
+                <p:cond evt="onPrev" delay="0">
+                  <p:tgtEl>
+                    <p:sldTgt/>
+                  </p:tgtEl>
+                </p:cond>
+              </p:prevCondLst>
+              <p:nextCondLst>
+                <p:cond evt="onNext" delay="0">
+                  <p:tgtEl>
+                    <p:sldTgt/>
+                  </p:tgtEl>
+                </p:cond>
+              </p:nextCondLst>
+            </p:seq>
+          </p:childTnLst>
+        </p:cTn>
+      </p:par>
+    </p:tnLst>
+    <p:bldLst>
+      <p:bldP spid="7" grpId="0" animBg="1"/>
+    </p:bldLst>
+  </p:timing>
 </p:sld>
 </file>
 
@@ -10375,6 +10098,9 @@
   <p:clrMapOvr>
     <a:masterClrMapping/>
   </p:clrMapOvr>
+  <p:transition spd="slow">
+    <p:push dir="r"/>
+  </p:transition>
   <p:timing>
     <p:tnLst>
       <p:par>
@@ -11164,7 +10890,7 @@
             <a:prstDash val="solid"/>
             <a:extLst>
               <a:ext uri="{C807C97D-BFC1-408E-A445-0C87EB9F89A2}">
-                <ask:lineSketchStyleProps xmlns:ask="http://schemas.microsoft.com/office/drawing/2018/sketchyshapes" sd="2459340768">
+                <ask:lineSketchStyleProps xmlns:ask="http://schemas.microsoft.com/office/drawing/2018/sketchyshapes" xmlns="" sd="2459340768">
                   <a:custGeom>
                     <a:avLst/>
                     <a:gdLst>
@@ -11554,6558 +11280,220 @@
   <p:clrMapOvr>
     <a:masterClrMapping/>
   </p:clrMapOvr>
-</p:sld>
-</file>
-
-<file path=ppt/slides/slide7.xml><?xml version="1.0" encoding="utf-8"?>
-<p:sld xmlns:a="http://schemas.openxmlformats.org/drawingml/2006/main" xmlns:r="http://schemas.openxmlformats.org/officeDocument/2006/relationships" xmlns:p="http://schemas.openxmlformats.org/presentationml/2006/main">
-  <p:cSld>
-    <p:spTree>
-      <p:nvGrpSpPr>
-        <p:cNvPr id="1" name="Shape 8331"/>
-        <p:cNvGrpSpPr/>
-        <p:nvPr/>
-      </p:nvGrpSpPr>
-      <p:grpSpPr>
-        <a:xfrm>
-          <a:off x="0" y="0"/>
-          <a:ext cx="0" cy="0"/>
-          <a:chOff x="0" y="0"/>
-          <a:chExt cx="0" cy="0"/>
-        </a:xfrm>
-      </p:grpSpPr>
-      <p:sp>
-        <p:nvSpPr>
-          <p:cNvPr id="8332" name="Google Shape;8332;p73"/>
-          <p:cNvSpPr txBox="1">
-            <a:spLocks noGrp="1"/>
-          </p:cNvSpPr>
-          <p:nvPr>
-            <p:ph type="ctrTitle"/>
-          </p:nvPr>
-        </p:nvSpPr>
-        <p:spPr>
-          <a:xfrm>
-            <a:off x="953450" y="761075"/>
-            <a:ext cx="4749000" cy="818400"/>
-          </a:xfrm>
-          <a:prstGeom prst="rect">
-            <a:avLst/>
-          </a:prstGeom>
-        </p:spPr>
-        <p:txBody>
-          <a:bodyPr spcFirstLastPara="1" wrap="square" lIns="91425" tIns="91425" rIns="91425" bIns="91425" anchor="ctr" anchorCtr="0">
-            <a:noAutofit/>
-          </a:bodyPr>
-          <a:lstStyle/>
-          <a:p>
-            <a:pPr marL="0" lvl="0" indent="0" algn="l" rtl="0">
-              <a:spcBef>
-                <a:spcPts val="0"/>
-              </a:spcBef>
-              <a:spcAft>
-                <a:spcPts val="0"/>
-              </a:spcAft>
-              <a:buNone/>
-            </a:pPr>
-            <a:r>
-              <a:rPr lang="en"/>
-              <a:t>THANKS!</a:t>
-            </a:r>
-            <a:endParaRPr/>
-          </a:p>
-        </p:txBody>
-      </p:sp>
-      <p:sp>
-        <p:nvSpPr>
-          <p:cNvPr id="8333" name="Google Shape;8333;p73"/>
-          <p:cNvSpPr txBox="1">
-            <a:spLocks noGrp="1"/>
-          </p:cNvSpPr>
-          <p:nvPr>
-            <p:ph type="subTitle" idx="1"/>
-          </p:nvPr>
-        </p:nvSpPr>
-        <p:spPr>
-          <a:xfrm>
-            <a:off x="953450" y="1579325"/>
-            <a:ext cx="4749000" cy="1176000"/>
-          </a:xfrm>
-          <a:prstGeom prst="rect">
-            <a:avLst/>
-          </a:prstGeom>
-        </p:spPr>
-        <p:txBody>
-          <a:bodyPr spcFirstLastPara="1" wrap="square" lIns="91425" tIns="91425" rIns="91425" bIns="91425" anchor="ctr" anchorCtr="0">
-            <a:noAutofit/>
-          </a:bodyPr>
-          <a:lstStyle/>
-          <a:p>
-            <a:pPr marL="0" lvl="0" indent="0" algn="l" rtl="0">
-              <a:spcBef>
-                <a:spcPts val="0"/>
-              </a:spcBef>
-              <a:spcAft>
-                <a:spcPts val="0"/>
-              </a:spcAft>
-              <a:buClr>
-                <a:schemeClr val="hlink"/>
-              </a:buClr>
-              <a:buSzPts val="1100"/>
-              <a:buFont typeface="Arial"/>
-              <a:buNone/>
-            </a:pPr>
-            <a:r>
-              <a:rPr lang="en" sz="1800" b="1">
-                <a:latin typeface="Orbitron"/>
-                <a:ea typeface="Orbitron"/>
-                <a:cs typeface="Orbitron"/>
-                <a:sym typeface="Orbitron"/>
-              </a:rPr>
-              <a:t>Do you have any questions?</a:t>
-            </a:r>
-            <a:endParaRPr sz="1800" b="1">
-              <a:latin typeface="Orbitron"/>
-              <a:ea typeface="Orbitron"/>
-              <a:cs typeface="Orbitron"/>
-              <a:sym typeface="Orbitron"/>
-            </a:endParaRPr>
-          </a:p>
-          <a:p>
-            <a:pPr marL="0" lvl="0" indent="0" algn="l" rtl="0">
-              <a:spcBef>
-                <a:spcPts val="1000"/>
-              </a:spcBef>
-              <a:spcAft>
-                <a:spcPts val="0"/>
-              </a:spcAft>
-              <a:buClr>
-                <a:schemeClr val="hlink"/>
-              </a:buClr>
-              <a:buSzPts val="1100"/>
-              <a:buFont typeface="Arial"/>
-              <a:buNone/>
-            </a:pPr>
-            <a:r>
-              <a:rPr lang="en"/>
-              <a:t>youremail@freepik.com </a:t>
-            </a:r>
-            <a:endParaRPr/>
-          </a:p>
-          <a:p>
-            <a:pPr marL="0" lvl="0" indent="0" algn="l" rtl="0">
-              <a:spcBef>
-                <a:spcPts val="0"/>
-              </a:spcBef>
-              <a:spcAft>
-                <a:spcPts val="0"/>
-              </a:spcAft>
-              <a:buClr>
-                <a:schemeClr val="hlink"/>
-              </a:buClr>
-              <a:buSzPts val="1100"/>
-              <a:buFont typeface="Arial"/>
-              <a:buNone/>
-            </a:pPr>
-            <a:r>
-              <a:rPr lang="en"/>
-              <a:t>+91  620 421 838 </a:t>
-            </a:r>
-            <a:endParaRPr/>
-          </a:p>
-          <a:p>
-            <a:pPr marL="0" lvl="0" indent="0" algn="l" rtl="0">
-              <a:spcBef>
-                <a:spcPts val="0"/>
-              </a:spcBef>
-              <a:spcAft>
-                <a:spcPts val="0"/>
-              </a:spcAft>
-              <a:buNone/>
-            </a:pPr>
-            <a:r>
-              <a:rPr lang="en"/>
-              <a:t>yourcompany.com</a:t>
-            </a:r>
-            <a:endParaRPr/>
-          </a:p>
-        </p:txBody>
-      </p:sp>
-      <p:sp>
-        <p:nvSpPr>
-          <p:cNvPr id="8334" name="Google Shape;8334;p73"/>
-          <p:cNvSpPr txBox="1"/>
-          <p:nvPr/>
-        </p:nvSpPr>
-        <p:spPr>
-          <a:xfrm>
-            <a:off x="953450" y="4247409"/>
-            <a:ext cx="3000000" cy="207000"/>
-          </a:xfrm>
-          <a:prstGeom prst="rect">
-            <a:avLst/>
-          </a:prstGeom>
-          <a:noFill/>
-          <a:ln>
-            <a:noFill/>
-          </a:ln>
-        </p:spPr>
-        <p:txBody>
-          <a:bodyPr spcFirstLastPara="1" wrap="square" lIns="91425" tIns="91425" rIns="91425" bIns="91425" anchor="ctr" anchorCtr="0">
-            <a:noAutofit/>
-          </a:bodyPr>
-          <a:lstStyle/>
-          <a:p>
-            <a:pPr marL="0" lvl="0" indent="0" algn="l" rtl="0">
-              <a:spcBef>
-                <a:spcPts val="0"/>
-              </a:spcBef>
-              <a:spcAft>
-                <a:spcPts val="0"/>
-              </a:spcAft>
-              <a:buNone/>
-            </a:pPr>
-            <a:r>
-              <a:rPr lang="en" sz="1200">
-                <a:solidFill>
-                  <a:schemeClr val="lt1"/>
-                </a:solidFill>
-                <a:latin typeface="Open Sans"/>
-                <a:ea typeface="Open Sans"/>
-                <a:cs typeface="Open Sans"/>
-                <a:sym typeface="Open Sans"/>
-              </a:rPr>
-              <a:t>Please keep this slide for attribution</a:t>
-            </a:r>
-            <a:endParaRPr sz="1200">
-              <a:solidFill>
-                <a:schemeClr val="lt1"/>
-              </a:solidFill>
-              <a:latin typeface="Open Sans"/>
-              <a:ea typeface="Open Sans"/>
-              <a:cs typeface="Open Sans"/>
-              <a:sym typeface="Open Sans"/>
-            </a:endParaRPr>
-          </a:p>
-        </p:txBody>
-      </p:sp>
-      <p:sp>
-        <p:nvSpPr>
-          <p:cNvPr id="8335" name="Google Shape;8335;p73"/>
-          <p:cNvSpPr/>
-          <p:nvPr/>
-        </p:nvSpPr>
-        <p:spPr>
-          <a:xfrm>
-            <a:off x="1054605" y="2992044"/>
-            <a:ext cx="345674" cy="346056"/>
-          </a:xfrm>
-          <a:custGeom>
-            <a:avLst/>
-            <a:gdLst/>
-            <a:ahLst/>
-            <a:cxnLst/>
-            <a:rect l="l" t="t" r="r" b="b"/>
-            <a:pathLst>
-              <a:path w="10860" h="10872" extrusionOk="0">
-                <a:moveTo>
-                  <a:pt x="5430" y="1"/>
-                </a:moveTo>
-                <a:cubicBezTo>
-                  <a:pt x="3990" y="1"/>
-                  <a:pt x="2608" y="560"/>
-                  <a:pt x="1596" y="1584"/>
-                </a:cubicBezTo>
-                <a:cubicBezTo>
-                  <a:pt x="561" y="2620"/>
-                  <a:pt x="1" y="3989"/>
-                  <a:pt x="1" y="5430"/>
-                </a:cubicBezTo>
-                <a:cubicBezTo>
-                  <a:pt x="1" y="6561"/>
-                  <a:pt x="346" y="7645"/>
-                  <a:pt x="1001" y="8573"/>
-                </a:cubicBezTo>
-                <a:cubicBezTo>
-                  <a:pt x="1632" y="9466"/>
-                  <a:pt x="2513" y="10145"/>
-                  <a:pt x="3537" y="10538"/>
-                </a:cubicBezTo>
-                <a:cubicBezTo>
-                  <a:pt x="3559" y="10544"/>
-                  <a:pt x="3579" y="10547"/>
-                  <a:pt x="3599" y="10547"/>
-                </a:cubicBezTo>
-                <a:cubicBezTo>
-                  <a:pt x="3656" y="10547"/>
-                  <a:pt x="3704" y="10522"/>
-                  <a:pt x="3740" y="10478"/>
-                </a:cubicBezTo>
-                <a:cubicBezTo>
-                  <a:pt x="3763" y="10443"/>
-                  <a:pt x="3763" y="10395"/>
-                  <a:pt x="3763" y="10371"/>
-                </a:cubicBezTo>
-                <a:lnTo>
-                  <a:pt x="3763" y="7275"/>
-                </a:lnTo>
-                <a:cubicBezTo>
-                  <a:pt x="3763" y="7180"/>
-                  <a:pt x="3692" y="7097"/>
-                  <a:pt x="3585" y="7097"/>
-                </a:cubicBezTo>
-                <a:lnTo>
-                  <a:pt x="2156" y="7097"/>
-                </a:lnTo>
-                <a:lnTo>
-                  <a:pt x="2156" y="5835"/>
-                </a:lnTo>
-                <a:lnTo>
-                  <a:pt x="3585" y="5835"/>
-                </a:lnTo>
-                <a:cubicBezTo>
-                  <a:pt x="3680" y="5835"/>
-                  <a:pt x="3763" y="5751"/>
-                  <a:pt x="3763" y="5656"/>
-                </a:cubicBezTo>
-                <a:lnTo>
-                  <a:pt x="3763" y="5430"/>
-                </a:lnTo>
-                <a:cubicBezTo>
-                  <a:pt x="3763" y="3942"/>
-                  <a:pt x="5180" y="2632"/>
-                  <a:pt x="6799" y="2632"/>
-                </a:cubicBezTo>
-                <a:lnTo>
-                  <a:pt x="7550" y="2632"/>
-                </a:lnTo>
-                <a:lnTo>
-                  <a:pt x="7550" y="3894"/>
-                </a:lnTo>
-                <a:lnTo>
-                  <a:pt x="6799" y="3894"/>
-                </a:lnTo>
-                <a:cubicBezTo>
-                  <a:pt x="6311" y="3894"/>
-                  <a:pt x="5883" y="4025"/>
-                  <a:pt x="5561" y="4287"/>
-                </a:cubicBezTo>
-                <a:cubicBezTo>
-                  <a:pt x="5228" y="4561"/>
-                  <a:pt x="5025" y="4966"/>
-                  <a:pt x="5025" y="5430"/>
-                </a:cubicBezTo>
-                <a:lnTo>
-                  <a:pt x="5025" y="5656"/>
-                </a:lnTo>
-                <a:cubicBezTo>
-                  <a:pt x="5025" y="5740"/>
-                  <a:pt x="5109" y="5835"/>
-                  <a:pt x="5204" y="5835"/>
-                </a:cubicBezTo>
-                <a:lnTo>
-                  <a:pt x="5883" y="5835"/>
-                </a:lnTo>
-                <a:cubicBezTo>
-                  <a:pt x="5966" y="5835"/>
-                  <a:pt x="6061" y="5751"/>
-                  <a:pt x="6061" y="5656"/>
-                </a:cubicBezTo>
-                <a:cubicBezTo>
-                  <a:pt x="6061" y="5561"/>
-                  <a:pt x="5978" y="5478"/>
-                  <a:pt x="5883" y="5478"/>
-                </a:cubicBezTo>
-                <a:lnTo>
-                  <a:pt x="5371" y="5478"/>
-                </a:lnTo>
-                <a:lnTo>
-                  <a:pt x="5371" y="5418"/>
-                </a:lnTo>
-                <a:cubicBezTo>
-                  <a:pt x="5371" y="4525"/>
-                  <a:pt x="6145" y="4204"/>
-                  <a:pt x="6799" y="4204"/>
-                </a:cubicBezTo>
-                <a:lnTo>
-                  <a:pt x="7704" y="4204"/>
-                </a:lnTo>
-                <a:cubicBezTo>
-                  <a:pt x="7800" y="4204"/>
-                  <a:pt x="7883" y="4132"/>
-                  <a:pt x="7883" y="4025"/>
-                </a:cubicBezTo>
-                <a:lnTo>
-                  <a:pt x="7883" y="2418"/>
-                </a:lnTo>
-                <a:cubicBezTo>
-                  <a:pt x="7883" y="2334"/>
-                  <a:pt x="7811" y="2239"/>
-                  <a:pt x="7704" y="2239"/>
-                </a:cubicBezTo>
-                <a:lnTo>
-                  <a:pt x="6799" y="2239"/>
-                </a:lnTo>
-                <a:cubicBezTo>
-                  <a:pt x="5966" y="2239"/>
-                  <a:pt x="5121" y="2572"/>
-                  <a:pt x="4466" y="3156"/>
-                </a:cubicBezTo>
-                <a:cubicBezTo>
-                  <a:pt x="3799" y="3763"/>
-                  <a:pt x="3418" y="4549"/>
-                  <a:pt x="3418" y="5382"/>
-                </a:cubicBezTo>
-                <a:lnTo>
-                  <a:pt x="3418" y="5442"/>
-                </a:lnTo>
-                <a:lnTo>
-                  <a:pt x="1989" y="5442"/>
-                </a:lnTo>
-                <a:cubicBezTo>
-                  <a:pt x="1906" y="5442"/>
-                  <a:pt x="1811" y="5513"/>
-                  <a:pt x="1811" y="5620"/>
-                </a:cubicBezTo>
-                <a:lnTo>
-                  <a:pt x="1811" y="7228"/>
-                </a:lnTo>
-                <a:cubicBezTo>
-                  <a:pt x="1811" y="7323"/>
-                  <a:pt x="1894" y="7406"/>
-                  <a:pt x="1989" y="7406"/>
-                </a:cubicBezTo>
-                <a:lnTo>
-                  <a:pt x="3418" y="7406"/>
-                </a:lnTo>
-                <a:lnTo>
-                  <a:pt x="3418" y="10085"/>
-                </a:lnTo>
-                <a:cubicBezTo>
-                  <a:pt x="1561" y="9300"/>
-                  <a:pt x="346" y="7442"/>
-                  <a:pt x="346" y="5418"/>
-                </a:cubicBezTo>
-                <a:cubicBezTo>
-                  <a:pt x="346" y="2596"/>
-                  <a:pt x="2620" y="322"/>
-                  <a:pt x="5430" y="322"/>
-                </a:cubicBezTo>
-                <a:cubicBezTo>
-                  <a:pt x="8228" y="322"/>
-                  <a:pt x="10526" y="2620"/>
-                  <a:pt x="10526" y="5418"/>
-                </a:cubicBezTo>
-                <a:cubicBezTo>
-                  <a:pt x="10526" y="8228"/>
-                  <a:pt x="8240" y="10502"/>
-                  <a:pt x="5430" y="10502"/>
-                </a:cubicBezTo>
-                <a:lnTo>
-                  <a:pt x="5371" y="10502"/>
-                </a:lnTo>
-                <a:lnTo>
-                  <a:pt x="5371" y="7418"/>
-                </a:lnTo>
-                <a:lnTo>
-                  <a:pt x="7728" y="7418"/>
-                </a:lnTo>
-                <a:cubicBezTo>
-                  <a:pt x="7811" y="7418"/>
-                  <a:pt x="7907" y="7347"/>
-                  <a:pt x="7907" y="7240"/>
-                </a:cubicBezTo>
-                <a:lnTo>
-                  <a:pt x="7907" y="5656"/>
-                </a:lnTo>
-                <a:cubicBezTo>
-                  <a:pt x="7907" y="5561"/>
-                  <a:pt x="7823" y="5478"/>
-                  <a:pt x="7728" y="5478"/>
-                </a:cubicBezTo>
-                <a:lnTo>
-                  <a:pt x="6728" y="5478"/>
-                </a:lnTo>
-                <a:cubicBezTo>
-                  <a:pt x="6633" y="5478"/>
-                  <a:pt x="6549" y="5549"/>
-                  <a:pt x="6549" y="5656"/>
-                </a:cubicBezTo>
-                <a:cubicBezTo>
-                  <a:pt x="6549" y="5740"/>
-                  <a:pt x="6621" y="5835"/>
-                  <a:pt x="6728" y="5835"/>
-                </a:cubicBezTo>
-                <a:lnTo>
-                  <a:pt x="7561" y="5835"/>
-                </a:lnTo>
-                <a:lnTo>
-                  <a:pt x="7561" y="7097"/>
-                </a:lnTo>
-                <a:lnTo>
-                  <a:pt x="5204" y="7097"/>
-                </a:lnTo>
-                <a:cubicBezTo>
-                  <a:pt x="5121" y="7097"/>
-                  <a:pt x="5025" y="7168"/>
-                  <a:pt x="5025" y="7275"/>
-                </a:cubicBezTo>
-                <a:lnTo>
-                  <a:pt x="5025" y="10693"/>
-                </a:lnTo>
-                <a:cubicBezTo>
-                  <a:pt x="5025" y="10788"/>
-                  <a:pt x="5109" y="10859"/>
-                  <a:pt x="5192" y="10871"/>
-                </a:cubicBezTo>
-                <a:lnTo>
-                  <a:pt x="5430" y="10871"/>
-                </a:lnTo>
-                <a:cubicBezTo>
-                  <a:pt x="6871" y="10871"/>
-                  <a:pt x="8240" y="10312"/>
-                  <a:pt x="9276" y="9288"/>
-                </a:cubicBezTo>
-                <a:cubicBezTo>
-                  <a:pt x="10300" y="8252"/>
-                  <a:pt x="10859" y="6883"/>
-                  <a:pt x="10859" y="5442"/>
-                </a:cubicBezTo>
-                <a:cubicBezTo>
-                  <a:pt x="10859" y="3989"/>
-                  <a:pt x="10300" y="2620"/>
-                  <a:pt x="9276" y="1584"/>
-                </a:cubicBezTo>
-                <a:cubicBezTo>
-                  <a:pt x="8240" y="560"/>
-                  <a:pt x="6871" y="1"/>
-                  <a:pt x="5430" y="1"/>
-                </a:cubicBezTo>
-                <a:close/>
-              </a:path>
-            </a:pathLst>
-          </a:custGeom>
-          <a:solidFill>
-            <a:schemeClr val="lt1"/>
-          </a:solidFill>
-          <a:ln>
-            <a:noFill/>
-          </a:ln>
-        </p:spPr>
-        <p:txBody>
-          <a:bodyPr spcFirstLastPara="1" wrap="square" lIns="91425" tIns="91425" rIns="91425" bIns="91425" anchor="ctr" anchorCtr="0">
-            <a:noAutofit/>
-          </a:bodyPr>
-          <a:lstStyle/>
-          <a:p>
-            <a:pPr marL="0" lvl="0" indent="0" algn="l" rtl="0">
-              <a:spcBef>
-                <a:spcPts val="0"/>
-              </a:spcBef>
-              <a:spcAft>
-                <a:spcPts val="0"/>
-              </a:spcAft>
-              <a:buNone/>
-            </a:pPr>
-            <a:endParaRPr/>
-          </a:p>
-        </p:txBody>
-      </p:sp>
-      <p:grpSp>
-        <p:nvGrpSpPr>
-          <p:cNvPr id="8336" name="Google Shape;8336;p73"/>
-          <p:cNvGrpSpPr/>
-          <p:nvPr/>
-        </p:nvGrpSpPr>
-        <p:grpSpPr>
-          <a:xfrm>
-            <a:off x="1523260" y="2992235"/>
-            <a:ext cx="346056" cy="345674"/>
-            <a:chOff x="3303268" y="3817349"/>
-            <a:chExt cx="346056" cy="345674"/>
-          </a:xfrm>
-        </p:grpSpPr>
-        <p:sp>
-          <p:nvSpPr>
-            <p:cNvPr id="8337" name="Google Shape;8337;p73"/>
-            <p:cNvSpPr/>
-            <p:nvPr/>
-          </p:nvSpPr>
-          <p:spPr>
-            <a:xfrm>
-              <a:off x="3303268" y="3817349"/>
-              <a:ext cx="346056" cy="345674"/>
-            </a:xfrm>
-            <a:custGeom>
-              <a:avLst/>
-              <a:gdLst/>
-              <a:ahLst/>
-              <a:cxnLst/>
-              <a:rect l="l" t="t" r="r" b="b"/>
-              <a:pathLst>
-                <a:path w="10872" h="10860" extrusionOk="0">
-                  <a:moveTo>
-                    <a:pt x="5418" y="334"/>
-                  </a:moveTo>
-                  <a:cubicBezTo>
-                    <a:pt x="8228" y="334"/>
-                    <a:pt x="10514" y="2608"/>
-                    <a:pt x="10514" y="5430"/>
-                  </a:cubicBezTo>
-                  <a:cubicBezTo>
-                    <a:pt x="10514" y="8240"/>
-                    <a:pt x="8228" y="10514"/>
-                    <a:pt x="5418" y="10514"/>
-                  </a:cubicBezTo>
-                  <a:cubicBezTo>
-                    <a:pt x="2608" y="10514"/>
-                    <a:pt x="334" y="8240"/>
-                    <a:pt x="334" y="5430"/>
-                  </a:cubicBezTo>
-                  <a:cubicBezTo>
-                    <a:pt x="334" y="2608"/>
-                    <a:pt x="2608" y="334"/>
-                    <a:pt x="5418" y="334"/>
-                  </a:cubicBezTo>
-                  <a:close/>
-                  <a:moveTo>
-                    <a:pt x="5430" y="1"/>
-                  </a:moveTo>
-                  <a:cubicBezTo>
-                    <a:pt x="3989" y="1"/>
-                    <a:pt x="2620" y="560"/>
-                    <a:pt x="1596" y="1584"/>
-                  </a:cubicBezTo>
-                  <a:cubicBezTo>
-                    <a:pt x="572" y="2620"/>
-                    <a:pt x="1" y="3989"/>
-                    <a:pt x="1" y="5430"/>
-                  </a:cubicBezTo>
-                  <a:cubicBezTo>
-                    <a:pt x="1" y="6871"/>
-                    <a:pt x="572" y="8240"/>
-                    <a:pt x="1596" y="9264"/>
-                  </a:cubicBezTo>
-                  <a:cubicBezTo>
-                    <a:pt x="2620" y="10300"/>
-                    <a:pt x="3989" y="10859"/>
-                    <a:pt x="5430" y="10859"/>
-                  </a:cubicBezTo>
-                  <a:cubicBezTo>
-                    <a:pt x="6883" y="10859"/>
-                    <a:pt x="8252" y="10300"/>
-                    <a:pt x="9276" y="9264"/>
-                  </a:cubicBezTo>
-                  <a:cubicBezTo>
-                    <a:pt x="10300" y="8240"/>
-                    <a:pt x="10871" y="6871"/>
-                    <a:pt x="10871" y="5430"/>
-                  </a:cubicBezTo>
-                  <a:cubicBezTo>
-                    <a:pt x="10871" y="3989"/>
-                    <a:pt x="10300" y="2620"/>
-                    <a:pt x="9276" y="1584"/>
-                  </a:cubicBezTo>
-                  <a:cubicBezTo>
-                    <a:pt x="8252" y="560"/>
-                    <a:pt x="6883" y="1"/>
-                    <a:pt x="5430" y="1"/>
-                  </a:cubicBezTo>
-                  <a:close/>
-                </a:path>
-              </a:pathLst>
-            </a:custGeom>
-            <a:solidFill>
-              <a:schemeClr val="lt1"/>
-            </a:solidFill>
-            <a:ln>
-              <a:noFill/>
-            </a:ln>
-          </p:spPr>
-          <p:txBody>
-            <a:bodyPr spcFirstLastPara="1" wrap="square" lIns="91425" tIns="91425" rIns="91425" bIns="91425" anchor="ctr" anchorCtr="0">
-              <a:noAutofit/>
-            </a:bodyPr>
-            <a:lstStyle/>
-            <a:p>
-              <a:pPr marL="0" lvl="0" indent="0" algn="l" rtl="0">
-                <a:spcBef>
-                  <a:spcPts val="0"/>
-                </a:spcBef>
-                <a:spcAft>
-                  <a:spcPts val="0"/>
-                </a:spcAft>
-                <a:buNone/>
-              </a:pPr>
-              <a:endParaRPr/>
-            </a:p>
-          </p:txBody>
-        </p:sp>
-        <p:sp>
-          <p:nvSpPr>
-            <p:cNvPr id="8338" name="Google Shape;8338;p73"/>
-            <p:cNvSpPr/>
-            <p:nvPr/>
-          </p:nvSpPr>
-          <p:spPr>
-            <a:xfrm>
-              <a:off x="3368074" y="3882537"/>
-              <a:ext cx="215298" cy="215298"/>
-            </a:xfrm>
-            <a:custGeom>
-              <a:avLst/>
-              <a:gdLst/>
-              <a:ahLst/>
-              <a:cxnLst/>
-              <a:rect l="l" t="t" r="r" b="b"/>
-              <a:pathLst>
-                <a:path w="6764" h="6764" extrusionOk="0">
-                  <a:moveTo>
-                    <a:pt x="5335" y="346"/>
-                  </a:moveTo>
-                  <a:cubicBezTo>
-                    <a:pt x="5930" y="346"/>
-                    <a:pt x="6418" y="834"/>
-                    <a:pt x="6418" y="1429"/>
-                  </a:cubicBezTo>
-                  <a:lnTo>
-                    <a:pt x="6418" y="5335"/>
-                  </a:lnTo>
-                  <a:cubicBezTo>
-                    <a:pt x="6418" y="5930"/>
-                    <a:pt x="5930" y="6418"/>
-                    <a:pt x="5335" y="6418"/>
-                  </a:cubicBezTo>
-                  <a:lnTo>
-                    <a:pt x="1429" y="6418"/>
-                  </a:lnTo>
-                  <a:cubicBezTo>
-                    <a:pt x="834" y="6418"/>
-                    <a:pt x="346" y="5930"/>
-                    <a:pt x="346" y="5335"/>
-                  </a:cubicBezTo>
-                  <a:lnTo>
-                    <a:pt x="346" y="1429"/>
-                  </a:lnTo>
-                  <a:cubicBezTo>
-                    <a:pt x="346" y="834"/>
-                    <a:pt x="834" y="346"/>
-                    <a:pt x="1429" y="346"/>
-                  </a:cubicBezTo>
-                  <a:close/>
-                  <a:moveTo>
-                    <a:pt x="1429" y="1"/>
-                  </a:moveTo>
-                  <a:cubicBezTo>
-                    <a:pt x="644" y="1"/>
-                    <a:pt x="1" y="644"/>
-                    <a:pt x="1" y="1429"/>
-                  </a:cubicBezTo>
-                  <a:lnTo>
-                    <a:pt x="1" y="5335"/>
-                  </a:lnTo>
-                  <a:cubicBezTo>
-                    <a:pt x="1" y="6120"/>
-                    <a:pt x="644" y="6763"/>
-                    <a:pt x="1429" y="6763"/>
-                  </a:cubicBezTo>
-                  <a:lnTo>
-                    <a:pt x="5335" y="6763"/>
-                  </a:lnTo>
-                  <a:cubicBezTo>
-                    <a:pt x="6121" y="6763"/>
-                    <a:pt x="6763" y="6120"/>
-                    <a:pt x="6763" y="5335"/>
-                  </a:cubicBezTo>
-                  <a:lnTo>
-                    <a:pt x="6763" y="1429"/>
-                  </a:lnTo>
-                  <a:cubicBezTo>
-                    <a:pt x="6763" y="644"/>
-                    <a:pt x="6121" y="1"/>
-                    <a:pt x="5335" y="1"/>
-                  </a:cubicBezTo>
-                  <a:close/>
-                </a:path>
-              </a:pathLst>
-            </a:custGeom>
-            <a:solidFill>
-              <a:schemeClr val="lt1"/>
-            </a:solidFill>
-            <a:ln>
-              <a:noFill/>
-            </a:ln>
-          </p:spPr>
-          <p:txBody>
-            <a:bodyPr spcFirstLastPara="1" wrap="square" lIns="91425" tIns="91425" rIns="91425" bIns="91425" anchor="ctr" anchorCtr="0">
-              <a:noAutofit/>
-            </a:bodyPr>
-            <a:lstStyle/>
-            <a:p>
-              <a:pPr marL="0" lvl="0" indent="0" algn="l" rtl="0">
-                <a:spcBef>
-                  <a:spcPts val="0"/>
-                </a:spcBef>
-                <a:spcAft>
-                  <a:spcPts val="0"/>
-                </a:spcAft>
-                <a:buNone/>
-              </a:pPr>
-              <a:endParaRPr/>
-            </a:p>
-          </p:txBody>
-        </p:sp>
-        <p:sp>
-          <p:nvSpPr>
-            <p:cNvPr id="8339" name="Google Shape;8339;p73"/>
-            <p:cNvSpPr/>
-            <p:nvPr/>
-          </p:nvSpPr>
-          <p:spPr>
-            <a:xfrm>
-              <a:off x="3418143" y="3933656"/>
-              <a:ext cx="114811" cy="112742"/>
-            </a:xfrm>
-            <a:custGeom>
-              <a:avLst/>
-              <a:gdLst/>
-              <a:ahLst/>
-              <a:cxnLst/>
-              <a:rect l="l" t="t" r="r" b="b"/>
-              <a:pathLst>
-                <a:path w="3607" h="3542" extrusionOk="0">
-                  <a:moveTo>
-                    <a:pt x="1822" y="0"/>
-                  </a:moveTo>
-                  <a:cubicBezTo>
-                    <a:pt x="812" y="0"/>
-                    <a:pt x="1" y="851"/>
-                    <a:pt x="59" y="1859"/>
-                  </a:cubicBezTo>
-                  <a:cubicBezTo>
-                    <a:pt x="95" y="2776"/>
-                    <a:pt x="833" y="3502"/>
-                    <a:pt x="1726" y="3538"/>
-                  </a:cubicBezTo>
-                  <a:cubicBezTo>
-                    <a:pt x="1764" y="3541"/>
-                    <a:pt x="1802" y="3542"/>
-                    <a:pt x="1840" y="3542"/>
-                  </a:cubicBezTo>
-                  <a:cubicBezTo>
-                    <a:pt x="2178" y="3542"/>
-                    <a:pt x="2494" y="3447"/>
-                    <a:pt x="2762" y="3276"/>
-                  </a:cubicBezTo>
-                  <a:cubicBezTo>
-                    <a:pt x="2857" y="3217"/>
-                    <a:pt x="2869" y="3086"/>
-                    <a:pt x="2797" y="3014"/>
-                  </a:cubicBezTo>
-                  <a:cubicBezTo>
-                    <a:pt x="2761" y="2978"/>
-                    <a:pt x="2711" y="2964"/>
-                    <a:pt x="2664" y="2964"/>
-                  </a:cubicBezTo>
-                  <a:cubicBezTo>
-                    <a:pt x="2634" y="2964"/>
-                    <a:pt x="2606" y="2969"/>
-                    <a:pt x="2583" y="2979"/>
-                  </a:cubicBezTo>
-                  <a:cubicBezTo>
-                    <a:pt x="2380" y="3096"/>
-                    <a:pt x="2149" y="3185"/>
-                    <a:pt x="1897" y="3185"/>
-                  </a:cubicBezTo>
-                  <a:cubicBezTo>
-                    <a:pt x="1868" y="3185"/>
-                    <a:pt x="1839" y="3183"/>
-                    <a:pt x="1809" y="3181"/>
-                  </a:cubicBezTo>
-                  <a:cubicBezTo>
-                    <a:pt x="1023" y="3169"/>
-                    <a:pt x="380" y="2514"/>
-                    <a:pt x="392" y="1716"/>
-                  </a:cubicBezTo>
-                  <a:cubicBezTo>
-                    <a:pt x="426" y="948"/>
-                    <a:pt x="1028" y="330"/>
-                    <a:pt x="1792" y="330"/>
-                  </a:cubicBezTo>
-                  <a:cubicBezTo>
-                    <a:pt x="1833" y="330"/>
-                    <a:pt x="1874" y="332"/>
-                    <a:pt x="1916" y="335"/>
-                  </a:cubicBezTo>
-                  <a:cubicBezTo>
-                    <a:pt x="2619" y="371"/>
-                    <a:pt x="3190" y="943"/>
-                    <a:pt x="3250" y="1633"/>
-                  </a:cubicBezTo>
-                  <a:cubicBezTo>
-                    <a:pt x="3285" y="1919"/>
-                    <a:pt x="3214" y="2193"/>
-                    <a:pt x="3095" y="2431"/>
-                  </a:cubicBezTo>
-                  <a:cubicBezTo>
-                    <a:pt x="3059" y="2490"/>
-                    <a:pt x="3059" y="2574"/>
-                    <a:pt x="3119" y="2633"/>
-                  </a:cubicBezTo>
-                  <a:cubicBezTo>
-                    <a:pt x="3149" y="2663"/>
-                    <a:pt x="3191" y="2678"/>
-                    <a:pt x="3234" y="2678"/>
-                  </a:cubicBezTo>
-                  <a:cubicBezTo>
-                    <a:pt x="3295" y="2678"/>
-                    <a:pt x="3358" y="2648"/>
-                    <a:pt x="3393" y="2586"/>
-                  </a:cubicBezTo>
-                  <a:cubicBezTo>
-                    <a:pt x="3536" y="2324"/>
-                    <a:pt x="3607" y="2014"/>
-                    <a:pt x="3583" y="1669"/>
-                  </a:cubicBezTo>
-                  <a:cubicBezTo>
-                    <a:pt x="3536" y="764"/>
-                    <a:pt x="2797" y="50"/>
-                    <a:pt x="1904" y="2"/>
-                  </a:cubicBezTo>
-                  <a:cubicBezTo>
-                    <a:pt x="1877" y="1"/>
-                    <a:pt x="1849" y="0"/>
-                    <a:pt x="1822" y="0"/>
-                  </a:cubicBezTo>
-                  <a:close/>
-                </a:path>
-              </a:pathLst>
-            </a:custGeom>
-            <a:solidFill>
-              <a:schemeClr val="lt1"/>
-            </a:solidFill>
-            <a:ln>
-              <a:noFill/>
-            </a:ln>
-          </p:spPr>
-          <p:txBody>
-            <a:bodyPr spcFirstLastPara="1" wrap="square" lIns="91425" tIns="91425" rIns="91425" bIns="91425" anchor="ctr" anchorCtr="0">
-              <a:noAutofit/>
-            </a:bodyPr>
-            <a:lstStyle/>
-            <a:p>
-              <a:pPr marL="0" lvl="0" indent="0" algn="l" rtl="0">
-                <a:spcBef>
-                  <a:spcPts val="0"/>
-                </a:spcBef>
-                <a:spcAft>
-                  <a:spcPts val="0"/>
-                </a:spcAft>
-                <a:buNone/>
-              </a:pPr>
-              <a:endParaRPr/>
-            </a:p>
-          </p:txBody>
-        </p:sp>
-        <p:sp>
-          <p:nvSpPr>
-            <p:cNvPr id="8340" name="Google Shape;8340;p73"/>
-            <p:cNvSpPr/>
-            <p:nvPr/>
-          </p:nvSpPr>
-          <p:spPr>
-            <a:xfrm>
-              <a:off x="3519298" y="3910197"/>
-              <a:ext cx="29570" cy="29220"/>
-            </a:xfrm>
-            <a:custGeom>
-              <a:avLst/>
-              <a:gdLst/>
-              <a:ahLst/>
-              <a:cxnLst/>
-              <a:rect l="l" t="t" r="r" b="b"/>
-              <a:pathLst>
-                <a:path w="929" h="918" extrusionOk="0">
-                  <a:moveTo>
-                    <a:pt x="465" y="1"/>
-                  </a:moveTo>
-                  <a:cubicBezTo>
-                    <a:pt x="203" y="1"/>
-                    <a:pt x="0" y="203"/>
-                    <a:pt x="0" y="453"/>
-                  </a:cubicBezTo>
-                  <a:cubicBezTo>
-                    <a:pt x="0" y="715"/>
-                    <a:pt x="203" y="918"/>
-                    <a:pt x="465" y="918"/>
-                  </a:cubicBezTo>
-                  <a:cubicBezTo>
-                    <a:pt x="715" y="918"/>
-                    <a:pt x="929" y="715"/>
-                    <a:pt x="929" y="453"/>
-                  </a:cubicBezTo>
-                  <a:cubicBezTo>
-                    <a:pt x="929" y="203"/>
-                    <a:pt x="715" y="1"/>
-                    <a:pt x="465" y="1"/>
-                  </a:cubicBezTo>
-                  <a:close/>
-                </a:path>
-              </a:pathLst>
-            </a:custGeom>
-            <a:solidFill>
-              <a:schemeClr val="lt1"/>
-            </a:solidFill>
-            <a:ln>
-              <a:noFill/>
-            </a:ln>
-          </p:spPr>
-          <p:txBody>
-            <a:bodyPr spcFirstLastPara="1" wrap="square" lIns="91425" tIns="91425" rIns="91425" bIns="91425" anchor="ctr" anchorCtr="0">
-              <a:noAutofit/>
-            </a:bodyPr>
-            <a:lstStyle/>
-            <a:p>
-              <a:pPr marL="0" lvl="0" indent="0" algn="l" rtl="0">
-                <a:spcBef>
-                  <a:spcPts val="0"/>
-                </a:spcBef>
-                <a:spcAft>
-                  <a:spcPts val="0"/>
-                </a:spcAft>
-                <a:buNone/>
-              </a:pPr>
-              <a:endParaRPr/>
-            </a:p>
-          </p:txBody>
-        </p:sp>
-      </p:grpSp>
-      <p:grpSp>
-        <p:nvGrpSpPr>
-          <p:cNvPr id="8341" name="Google Shape;8341;p73"/>
-          <p:cNvGrpSpPr/>
-          <p:nvPr/>
-        </p:nvGrpSpPr>
-        <p:grpSpPr>
-          <a:xfrm>
-            <a:off x="1992297" y="2992235"/>
-            <a:ext cx="346056" cy="345674"/>
-            <a:chOff x="3752358" y="3817349"/>
-            <a:chExt cx="346056" cy="345674"/>
-          </a:xfrm>
-        </p:grpSpPr>
-        <p:sp>
-          <p:nvSpPr>
-            <p:cNvPr id="8342" name="Google Shape;8342;p73"/>
-            <p:cNvSpPr/>
-            <p:nvPr/>
-          </p:nvSpPr>
-          <p:spPr>
-            <a:xfrm>
-              <a:off x="3752358" y="3817349"/>
-              <a:ext cx="346056" cy="345674"/>
-            </a:xfrm>
-            <a:custGeom>
-              <a:avLst/>
-              <a:gdLst/>
-              <a:ahLst/>
-              <a:cxnLst/>
-              <a:rect l="l" t="t" r="r" b="b"/>
-              <a:pathLst>
-                <a:path w="10872" h="10860" extrusionOk="0">
-                  <a:moveTo>
-                    <a:pt x="5430" y="334"/>
-                  </a:moveTo>
-                  <a:cubicBezTo>
-                    <a:pt x="8252" y="334"/>
-                    <a:pt x="10526" y="2608"/>
-                    <a:pt x="10526" y="5430"/>
-                  </a:cubicBezTo>
-                  <a:cubicBezTo>
-                    <a:pt x="10526" y="8240"/>
-                    <a:pt x="8228" y="10514"/>
-                    <a:pt x="5430" y="10514"/>
-                  </a:cubicBezTo>
-                  <a:cubicBezTo>
-                    <a:pt x="2620" y="10514"/>
-                    <a:pt x="346" y="8240"/>
-                    <a:pt x="346" y="5430"/>
-                  </a:cubicBezTo>
-                  <a:cubicBezTo>
-                    <a:pt x="346" y="2608"/>
-                    <a:pt x="2620" y="334"/>
-                    <a:pt x="5430" y="334"/>
-                  </a:cubicBezTo>
-                  <a:close/>
-                  <a:moveTo>
-                    <a:pt x="5430" y="1"/>
-                  </a:moveTo>
-                  <a:cubicBezTo>
-                    <a:pt x="3989" y="1"/>
-                    <a:pt x="2620" y="560"/>
-                    <a:pt x="1596" y="1584"/>
-                  </a:cubicBezTo>
-                  <a:cubicBezTo>
-                    <a:pt x="572" y="2620"/>
-                    <a:pt x="1" y="3989"/>
-                    <a:pt x="1" y="5430"/>
-                  </a:cubicBezTo>
-                  <a:cubicBezTo>
-                    <a:pt x="1" y="6871"/>
-                    <a:pt x="572" y="8240"/>
-                    <a:pt x="1596" y="9264"/>
-                  </a:cubicBezTo>
-                  <a:cubicBezTo>
-                    <a:pt x="2620" y="10300"/>
-                    <a:pt x="3989" y="10859"/>
-                    <a:pt x="5430" y="10859"/>
-                  </a:cubicBezTo>
-                  <a:cubicBezTo>
-                    <a:pt x="6882" y="10859"/>
-                    <a:pt x="8252" y="10300"/>
-                    <a:pt x="9276" y="9264"/>
-                  </a:cubicBezTo>
-                  <a:cubicBezTo>
-                    <a:pt x="10300" y="8240"/>
-                    <a:pt x="10871" y="6871"/>
-                    <a:pt x="10871" y="5430"/>
-                  </a:cubicBezTo>
-                  <a:cubicBezTo>
-                    <a:pt x="10871" y="3989"/>
-                    <a:pt x="10300" y="2620"/>
-                    <a:pt x="9276" y="1584"/>
-                  </a:cubicBezTo>
-                  <a:cubicBezTo>
-                    <a:pt x="8252" y="560"/>
-                    <a:pt x="6882" y="1"/>
-                    <a:pt x="5430" y="1"/>
-                  </a:cubicBezTo>
-                  <a:close/>
-                </a:path>
-              </a:pathLst>
-            </a:custGeom>
-            <a:solidFill>
-              <a:schemeClr val="lt1"/>
-            </a:solidFill>
-            <a:ln>
-              <a:noFill/>
-            </a:ln>
-          </p:spPr>
-          <p:txBody>
-            <a:bodyPr spcFirstLastPara="1" wrap="square" lIns="91425" tIns="91425" rIns="91425" bIns="91425" anchor="ctr" anchorCtr="0">
-              <a:noAutofit/>
-            </a:bodyPr>
-            <a:lstStyle/>
-            <a:p>
-              <a:pPr marL="0" lvl="0" indent="0" algn="l" rtl="0">
-                <a:spcBef>
-                  <a:spcPts val="0"/>
-                </a:spcBef>
-                <a:spcAft>
-                  <a:spcPts val="0"/>
-                </a:spcAft>
-                <a:buNone/>
-              </a:pPr>
-              <a:endParaRPr/>
-            </a:p>
-          </p:txBody>
-        </p:sp>
-        <p:sp>
-          <p:nvSpPr>
-            <p:cNvPr id="8343" name="Google Shape;8343;p73"/>
-            <p:cNvSpPr/>
-            <p:nvPr/>
-          </p:nvSpPr>
-          <p:spPr>
-            <a:xfrm>
-              <a:off x="3831933" y="3955682"/>
-              <a:ext cx="47809" cy="120540"/>
-            </a:xfrm>
-            <a:custGeom>
-              <a:avLst/>
-              <a:gdLst/>
-              <a:ahLst/>
-              <a:cxnLst/>
-              <a:rect l="l" t="t" r="r" b="b"/>
-              <a:pathLst>
-                <a:path w="1502" h="3787" extrusionOk="0">
-                  <a:moveTo>
-                    <a:pt x="1168" y="346"/>
-                  </a:moveTo>
-                  <a:lnTo>
-                    <a:pt x="1168" y="3430"/>
-                  </a:lnTo>
-                  <a:lnTo>
-                    <a:pt x="358" y="3430"/>
-                  </a:lnTo>
-                  <a:lnTo>
-                    <a:pt x="358" y="346"/>
-                  </a:lnTo>
-                  <a:close/>
-                  <a:moveTo>
-                    <a:pt x="180" y="1"/>
-                  </a:moveTo>
-                  <a:cubicBezTo>
-                    <a:pt x="96" y="1"/>
-                    <a:pt x="1" y="72"/>
-                    <a:pt x="1" y="179"/>
-                  </a:cubicBezTo>
-                  <a:lnTo>
-                    <a:pt x="1" y="3608"/>
-                  </a:lnTo>
-                  <a:cubicBezTo>
-                    <a:pt x="1" y="3703"/>
-                    <a:pt x="72" y="3787"/>
-                    <a:pt x="180" y="3787"/>
-                  </a:cubicBezTo>
-                  <a:lnTo>
-                    <a:pt x="1323" y="3787"/>
-                  </a:lnTo>
-                  <a:cubicBezTo>
-                    <a:pt x="1418" y="3787"/>
-                    <a:pt x="1501" y="3715"/>
-                    <a:pt x="1501" y="3608"/>
-                  </a:cubicBezTo>
-                  <a:lnTo>
-                    <a:pt x="1501" y="179"/>
-                  </a:lnTo>
-                  <a:cubicBezTo>
-                    <a:pt x="1501" y="72"/>
-                    <a:pt x="1430" y="1"/>
-                    <a:pt x="1323" y="1"/>
-                  </a:cubicBezTo>
-                  <a:close/>
-                </a:path>
-              </a:pathLst>
-            </a:custGeom>
-            <a:solidFill>
-              <a:schemeClr val="lt1"/>
-            </a:solidFill>
-            <a:ln>
-              <a:noFill/>
-            </a:ln>
-          </p:spPr>
-          <p:txBody>
-            <a:bodyPr spcFirstLastPara="1" wrap="square" lIns="91425" tIns="91425" rIns="91425" bIns="91425" anchor="ctr" anchorCtr="0">
-              <a:noAutofit/>
-            </a:bodyPr>
-            <a:lstStyle/>
-            <a:p>
-              <a:pPr marL="0" lvl="0" indent="0" algn="l" rtl="0">
-                <a:spcBef>
-                  <a:spcPts val="0"/>
-                </a:spcBef>
-                <a:spcAft>
-                  <a:spcPts val="0"/>
-                </a:spcAft>
-                <a:buNone/>
-              </a:pPr>
-              <a:endParaRPr/>
-            </a:p>
-          </p:txBody>
-        </p:sp>
-        <p:sp>
-          <p:nvSpPr>
-            <p:cNvPr id="8344" name="Google Shape;8344;p73"/>
-            <p:cNvSpPr/>
-            <p:nvPr/>
-          </p:nvSpPr>
-          <p:spPr>
-            <a:xfrm>
-              <a:off x="3824739" y="3890112"/>
-              <a:ext cx="55002" cy="55002"/>
-            </a:xfrm>
-            <a:custGeom>
-              <a:avLst/>
-              <a:gdLst/>
-              <a:ahLst/>
-              <a:cxnLst/>
-              <a:rect l="l" t="t" r="r" b="b"/>
-              <a:pathLst>
-                <a:path w="1728" h="1728" extrusionOk="0">
-                  <a:moveTo>
-                    <a:pt x="870" y="334"/>
-                  </a:moveTo>
-                  <a:cubicBezTo>
-                    <a:pt x="1156" y="334"/>
-                    <a:pt x="1394" y="572"/>
-                    <a:pt x="1394" y="846"/>
-                  </a:cubicBezTo>
-                  <a:cubicBezTo>
-                    <a:pt x="1394" y="1132"/>
-                    <a:pt x="1156" y="1370"/>
-                    <a:pt x="870" y="1370"/>
-                  </a:cubicBezTo>
-                  <a:cubicBezTo>
-                    <a:pt x="584" y="1370"/>
-                    <a:pt x="346" y="1132"/>
-                    <a:pt x="346" y="846"/>
-                  </a:cubicBezTo>
-                  <a:cubicBezTo>
-                    <a:pt x="346" y="572"/>
-                    <a:pt x="584" y="334"/>
-                    <a:pt x="870" y="334"/>
-                  </a:cubicBezTo>
-                  <a:close/>
-                  <a:moveTo>
-                    <a:pt x="870" y="1"/>
-                  </a:moveTo>
-                  <a:cubicBezTo>
-                    <a:pt x="394" y="1"/>
-                    <a:pt x="1" y="394"/>
-                    <a:pt x="1" y="870"/>
-                  </a:cubicBezTo>
-                  <a:cubicBezTo>
-                    <a:pt x="1" y="1346"/>
-                    <a:pt x="394" y="1727"/>
-                    <a:pt x="870" y="1727"/>
-                  </a:cubicBezTo>
-                  <a:cubicBezTo>
-                    <a:pt x="1346" y="1727"/>
-                    <a:pt x="1727" y="1334"/>
-                    <a:pt x="1727" y="870"/>
-                  </a:cubicBezTo>
-                  <a:cubicBezTo>
-                    <a:pt x="1727" y="394"/>
-                    <a:pt x="1346" y="1"/>
-                    <a:pt x="870" y="1"/>
-                  </a:cubicBezTo>
-                  <a:close/>
-                </a:path>
-              </a:pathLst>
-            </a:custGeom>
-            <a:solidFill>
-              <a:schemeClr val="lt1"/>
-            </a:solidFill>
-            <a:ln>
-              <a:noFill/>
-            </a:ln>
-          </p:spPr>
-          <p:txBody>
-            <a:bodyPr spcFirstLastPara="1" wrap="square" lIns="91425" tIns="91425" rIns="91425" bIns="91425" anchor="ctr" anchorCtr="0">
-              <a:noAutofit/>
-            </a:bodyPr>
-            <a:lstStyle/>
-            <a:p>
-              <a:pPr marL="0" lvl="0" indent="0" algn="l" rtl="0">
-                <a:spcBef>
-                  <a:spcPts val="0"/>
-                </a:spcBef>
-                <a:spcAft>
-                  <a:spcPts val="0"/>
-                </a:spcAft>
-                <a:buNone/>
-              </a:pPr>
-              <a:endParaRPr/>
-            </a:p>
-          </p:txBody>
-        </p:sp>
-        <p:sp>
-          <p:nvSpPr>
-            <p:cNvPr id="8345" name="Google Shape;8345;p73"/>
-            <p:cNvSpPr/>
-            <p:nvPr/>
-          </p:nvSpPr>
-          <p:spPr>
-            <a:xfrm>
-              <a:off x="3904696" y="3955682"/>
-              <a:ext cx="128148" cy="120540"/>
-            </a:xfrm>
-            <a:custGeom>
-              <a:avLst/>
-              <a:gdLst/>
-              <a:ahLst/>
-              <a:cxnLst/>
-              <a:rect l="l" t="t" r="r" b="b"/>
-              <a:pathLst>
-                <a:path w="4026" h="3787" extrusionOk="0">
-                  <a:moveTo>
-                    <a:pt x="191" y="1"/>
-                  </a:moveTo>
-                  <a:cubicBezTo>
-                    <a:pt x="96" y="1"/>
-                    <a:pt x="1" y="72"/>
-                    <a:pt x="1" y="179"/>
-                  </a:cubicBezTo>
-                  <a:lnTo>
-                    <a:pt x="1" y="3608"/>
-                  </a:lnTo>
-                  <a:cubicBezTo>
-                    <a:pt x="1" y="3703"/>
-                    <a:pt x="84" y="3787"/>
-                    <a:pt x="191" y="3787"/>
-                  </a:cubicBezTo>
-                  <a:lnTo>
-                    <a:pt x="1334" y="3787"/>
-                  </a:lnTo>
-                  <a:cubicBezTo>
-                    <a:pt x="1418" y="3787"/>
-                    <a:pt x="1513" y="3715"/>
-                    <a:pt x="1513" y="3608"/>
-                  </a:cubicBezTo>
-                  <a:lnTo>
-                    <a:pt x="1513" y="2382"/>
-                  </a:lnTo>
-                  <a:cubicBezTo>
-                    <a:pt x="1513" y="1977"/>
-                    <a:pt x="1596" y="1501"/>
-                    <a:pt x="2037" y="1501"/>
-                  </a:cubicBezTo>
-                  <a:cubicBezTo>
-                    <a:pt x="2347" y="1501"/>
-                    <a:pt x="2477" y="1763"/>
-                    <a:pt x="2525" y="2060"/>
-                  </a:cubicBezTo>
-                  <a:cubicBezTo>
-                    <a:pt x="2537" y="2156"/>
-                    <a:pt x="2608" y="2215"/>
-                    <a:pt x="2692" y="2215"/>
-                  </a:cubicBezTo>
-                  <a:cubicBezTo>
-                    <a:pt x="2787" y="2215"/>
-                    <a:pt x="2870" y="2120"/>
-                    <a:pt x="2847" y="2025"/>
-                  </a:cubicBezTo>
-                  <a:cubicBezTo>
-                    <a:pt x="2763" y="1465"/>
-                    <a:pt x="2477" y="1155"/>
-                    <a:pt x="2013" y="1155"/>
-                  </a:cubicBezTo>
-                  <a:cubicBezTo>
-                    <a:pt x="1465" y="1155"/>
-                    <a:pt x="1156" y="1608"/>
-                    <a:pt x="1156" y="2382"/>
-                  </a:cubicBezTo>
-                  <a:lnTo>
-                    <a:pt x="1156" y="3430"/>
-                  </a:lnTo>
-                  <a:lnTo>
-                    <a:pt x="346" y="3430"/>
-                  </a:lnTo>
-                  <a:lnTo>
-                    <a:pt x="346" y="358"/>
-                  </a:lnTo>
-                  <a:lnTo>
-                    <a:pt x="918" y="358"/>
-                  </a:lnTo>
-                  <a:lnTo>
-                    <a:pt x="918" y="572"/>
-                  </a:lnTo>
-                  <a:cubicBezTo>
-                    <a:pt x="918" y="632"/>
-                    <a:pt x="930" y="679"/>
-                    <a:pt x="977" y="715"/>
-                  </a:cubicBezTo>
-                  <a:cubicBezTo>
-                    <a:pt x="1007" y="733"/>
-                    <a:pt x="1043" y="742"/>
-                    <a:pt x="1078" y="742"/>
-                  </a:cubicBezTo>
-                  <a:cubicBezTo>
-                    <a:pt x="1114" y="742"/>
-                    <a:pt x="1150" y="733"/>
-                    <a:pt x="1180" y="715"/>
-                  </a:cubicBezTo>
-                  <a:cubicBezTo>
-                    <a:pt x="1477" y="477"/>
-                    <a:pt x="1835" y="358"/>
-                    <a:pt x="2227" y="358"/>
-                  </a:cubicBezTo>
-                  <a:cubicBezTo>
-                    <a:pt x="3204" y="358"/>
-                    <a:pt x="3656" y="1191"/>
-                    <a:pt x="3656" y="2001"/>
-                  </a:cubicBezTo>
-                  <a:lnTo>
-                    <a:pt x="3656" y="3430"/>
-                  </a:lnTo>
-                  <a:lnTo>
-                    <a:pt x="2847" y="3430"/>
-                  </a:lnTo>
-                  <a:lnTo>
-                    <a:pt x="2847" y="2870"/>
-                  </a:lnTo>
-                  <a:cubicBezTo>
-                    <a:pt x="2847" y="2775"/>
-                    <a:pt x="2775" y="2703"/>
-                    <a:pt x="2692" y="2703"/>
-                  </a:cubicBezTo>
-                  <a:cubicBezTo>
-                    <a:pt x="2597" y="2703"/>
-                    <a:pt x="2525" y="2775"/>
-                    <a:pt x="2525" y="2870"/>
-                  </a:cubicBezTo>
-                  <a:lnTo>
-                    <a:pt x="2525" y="3596"/>
-                  </a:lnTo>
-                  <a:cubicBezTo>
-                    <a:pt x="2525" y="3691"/>
-                    <a:pt x="2597" y="3775"/>
-                    <a:pt x="2704" y="3775"/>
-                  </a:cubicBezTo>
-                  <a:lnTo>
-                    <a:pt x="3847" y="3775"/>
-                  </a:lnTo>
-                  <a:cubicBezTo>
-                    <a:pt x="3942" y="3775"/>
-                    <a:pt x="4025" y="3703"/>
-                    <a:pt x="4025" y="3596"/>
-                  </a:cubicBezTo>
-                  <a:lnTo>
-                    <a:pt x="4025" y="1989"/>
-                  </a:lnTo>
-                  <a:cubicBezTo>
-                    <a:pt x="4025" y="810"/>
-                    <a:pt x="3299" y="1"/>
-                    <a:pt x="2239" y="1"/>
-                  </a:cubicBezTo>
-                  <a:cubicBezTo>
-                    <a:pt x="1894" y="1"/>
-                    <a:pt x="1573" y="84"/>
-                    <a:pt x="1275" y="251"/>
-                  </a:cubicBezTo>
-                  <a:lnTo>
-                    <a:pt x="1275" y="179"/>
-                  </a:lnTo>
-                  <a:cubicBezTo>
-                    <a:pt x="1275" y="84"/>
-                    <a:pt x="1204" y="1"/>
-                    <a:pt x="1096" y="1"/>
-                  </a:cubicBezTo>
-                  <a:close/>
-                </a:path>
-              </a:pathLst>
-            </a:custGeom>
-            <a:solidFill>
-              <a:schemeClr val="lt1"/>
-            </a:solidFill>
-            <a:ln>
-              <a:noFill/>
-            </a:ln>
-          </p:spPr>
-          <p:txBody>
-            <a:bodyPr spcFirstLastPara="1" wrap="square" lIns="91425" tIns="91425" rIns="91425" bIns="91425" anchor="ctr" anchorCtr="0">
-              <a:noAutofit/>
-            </a:bodyPr>
-            <a:lstStyle/>
-            <a:p>
-              <a:pPr marL="0" lvl="0" indent="0" algn="l" rtl="0">
-                <a:spcBef>
-                  <a:spcPts val="0"/>
-                </a:spcBef>
-                <a:spcAft>
-                  <a:spcPts val="0"/>
-                </a:spcAft>
-                <a:buNone/>
-              </a:pPr>
-              <a:endParaRPr/>
-            </a:p>
-          </p:txBody>
-        </p:sp>
-      </p:grpSp>
-      <p:grpSp>
-        <p:nvGrpSpPr>
-          <p:cNvPr id="8346" name="Google Shape;8346;p73"/>
-          <p:cNvGrpSpPr/>
-          <p:nvPr/>
-        </p:nvGrpSpPr>
-        <p:grpSpPr>
-          <a:xfrm>
-            <a:off x="2461334" y="2992235"/>
-            <a:ext cx="346024" cy="345674"/>
-            <a:chOff x="4201447" y="3817349"/>
-            <a:chExt cx="346024" cy="345674"/>
-          </a:xfrm>
-        </p:grpSpPr>
-        <p:sp>
-          <p:nvSpPr>
-            <p:cNvPr id="8347" name="Google Shape;8347;p73"/>
-            <p:cNvSpPr/>
-            <p:nvPr/>
-          </p:nvSpPr>
-          <p:spPr>
-            <a:xfrm>
-              <a:off x="4201447" y="3817349"/>
-              <a:ext cx="346024" cy="345674"/>
-            </a:xfrm>
-            <a:custGeom>
-              <a:avLst/>
-              <a:gdLst/>
-              <a:ahLst/>
-              <a:cxnLst/>
-              <a:rect l="l" t="t" r="r" b="b"/>
-              <a:pathLst>
-                <a:path w="10871" h="10860" extrusionOk="0">
-                  <a:moveTo>
-                    <a:pt x="5430" y="334"/>
-                  </a:moveTo>
-                  <a:cubicBezTo>
-                    <a:pt x="8252" y="334"/>
-                    <a:pt x="10526" y="2608"/>
-                    <a:pt x="10526" y="5430"/>
-                  </a:cubicBezTo>
-                  <a:cubicBezTo>
-                    <a:pt x="10526" y="8240"/>
-                    <a:pt x="8252" y="10514"/>
-                    <a:pt x="5430" y="10514"/>
-                  </a:cubicBezTo>
-                  <a:cubicBezTo>
-                    <a:pt x="2620" y="10514"/>
-                    <a:pt x="346" y="8240"/>
-                    <a:pt x="346" y="5430"/>
-                  </a:cubicBezTo>
-                  <a:cubicBezTo>
-                    <a:pt x="346" y="2608"/>
-                    <a:pt x="2620" y="334"/>
-                    <a:pt x="5430" y="334"/>
-                  </a:cubicBezTo>
-                  <a:close/>
-                  <a:moveTo>
-                    <a:pt x="5430" y="1"/>
-                  </a:moveTo>
-                  <a:cubicBezTo>
-                    <a:pt x="3989" y="1"/>
-                    <a:pt x="2620" y="560"/>
-                    <a:pt x="1596" y="1584"/>
-                  </a:cubicBezTo>
-                  <a:cubicBezTo>
-                    <a:pt x="572" y="2620"/>
-                    <a:pt x="1" y="3989"/>
-                    <a:pt x="1" y="5430"/>
-                  </a:cubicBezTo>
-                  <a:cubicBezTo>
-                    <a:pt x="1" y="6871"/>
-                    <a:pt x="572" y="8240"/>
-                    <a:pt x="1596" y="9264"/>
-                  </a:cubicBezTo>
-                  <a:cubicBezTo>
-                    <a:pt x="2620" y="10300"/>
-                    <a:pt x="3989" y="10859"/>
-                    <a:pt x="5430" y="10859"/>
-                  </a:cubicBezTo>
-                  <a:cubicBezTo>
-                    <a:pt x="6882" y="10859"/>
-                    <a:pt x="8252" y="10300"/>
-                    <a:pt x="9276" y="9264"/>
-                  </a:cubicBezTo>
-                  <a:cubicBezTo>
-                    <a:pt x="10299" y="8240"/>
-                    <a:pt x="10871" y="6871"/>
-                    <a:pt x="10871" y="5430"/>
-                  </a:cubicBezTo>
-                  <a:cubicBezTo>
-                    <a:pt x="10871" y="3989"/>
-                    <a:pt x="10299" y="2620"/>
-                    <a:pt x="9276" y="1584"/>
-                  </a:cubicBezTo>
-                  <a:cubicBezTo>
-                    <a:pt x="8252" y="560"/>
-                    <a:pt x="6882" y="1"/>
-                    <a:pt x="5430" y="1"/>
-                  </a:cubicBezTo>
-                  <a:close/>
-                </a:path>
-              </a:pathLst>
-            </a:custGeom>
-            <a:solidFill>
-              <a:schemeClr val="lt1"/>
-            </a:solidFill>
-            <a:ln>
-              <a:noFill/>
-            </a:ln>
-          </p:spPr>
-          <p:txBody>
-            <a:bodyPr spcFirstLastPara="1" wrap="square" lIns="91425" tIns="91425" rIns="91425" bIns="91425" anchor="ctr" anchorCtr="0">
-              <a:noAutofit/>
-            </a:bodyPr>
-            <a:lstStyle/>
-            <a:p>
-              <a:pPr marL="0" lvl="0" indent="0" algn="l" rtl="0">
-                <a:spcBef>
-                  <a:spcPts val="0"/>
-                </a:spcBef>
-                <a:spcAft>
-                  <a:spcPts val="0"/>
-                </a:spcAft>
-                <a:buNone/>
-              </a:pPr>
-              <a:endParaRPr/>
-            </a:p>
-          </p:txBody>
-        </p:sp>
-        <p:sp>
-          <p:nvSpPr>
-            <p:cNvPr id="8348" name="Google Shape;8348;p73"/>
-            <p:cNvSpPr/>
-            <p:nvPr/>
-          </p:nvSpPr>
-          <p:spPr>
-            <a:xfrm>
-              <a:off x="4271569" y="3904531"/>
-              <a:ext cx="227394" cy="185728"/>
-            </a:xfrm>
-            <a:custGeom>
-              <a:avLst/>
-              <a:gdLst/>
-              <a:ahLst/>
-              <a:cxnLst/>
-              <a:rect l="l" t="t" r="r" b="b"/>
-              <a:pathLst>
-                <a:path w="7144" h="5835" extrusionOk="0">
-                  <a:moveTo>
-                    <a:pt x="4620" y="0"/>
-                  </a:moveTo>
-                  <a:cubicBezTo>
-                    <a:pt x="3727" y="0"/>
-                    <a:pt x="2977" y="691"/>
-                    <a:pt x="2905" y="1572"/>
-                  </a:cubicBezTo>
-                  <a:cubicBezTo>
-                    <a:pt x="2727" y="1548"/>
-                    <a:pt x="2358" y="1441"/>
-                    <a:pt x="2262" y="1405"/>
-                  </a:cubicBezTo>
-                  <a:cubicBezTo>
-                    <a:pt x="1643" y="1203"/>
-                    <a:pt x="1072" y="810"/>
-                    <a:pt x="631" y="322"/>
-                  </a:cubicBezTo>
-                  <a:cubicBezTo>
-                    <a:pt x="596" y="298"/>
-                    <a:pt x="572" y="274"/>
-                    <a:pt x="524" y="262"/>
-                  </a:cubicBezTo>
-                  <a:cubicBezTo>
-                    <a:pt x="517" y="261"/>
-                    <a:pt x="509" y="260"/>
-                    <a:pt x="501" y="260"/>
-                  </a:cubicBezTo>
-                  <a:cubicBezTo>
-                    <a:pt x="436" y="260"/>
-                    <a:pt x="367" y="304"/>
-                    <a:pt x="346" y="357"/>
-                  </a:cubicBezTo>
-                  <a:cubicBezTo>
-                    <a:pt x="238" y="572"/>
-                    <a:pt x="179" y="810"/>
-                    <a:pt x="179" y="1048"/>
-                  </a:cubicBezTo>
-                  <a:cubicBezTo>
-                    <a:pt x="179" y="1393"/>
-                    <a:pt x="286" y="1727"/>
-                    <a:pt x="476" y="1977"/>
-                  </a:cubicBezTo>
-                  <a:cubicBezTo>
-                    <a:pt x="466" y="1975"/>
-                    <a:pt x="456" y="1974"/>
-                    <a:pt x="446" y="1974"/>
-                  </a:cubicBezTo>
-                  <a:cubicBezTo>
-                    <a:pt x="397" y="1974"/>
-                    <a:pt x="349" y="1997"/>
-                    <a:pt x="310" y="2036"/>
-                  </a:cubicBezTo>
-                  <a:cubicBezTo>
-                    <a:pt x="286" y="2060"/>
-                    <a:pt x="286" y="2108"/>
-                    <a:pt x="274" y="2143"/>
-                  </a:cubicBezTo>
-                  <a:lnTo>
-                    <a:pt x="274" y="2203"/>
-                  </a:lnTo>
-                  <a:cubicBezTo>
-                    <a:pt x="274" y="2655"/>
-                    <a:pt x="476" y="3072"/>
-                    <a:pt x="822" y="3358"/>
-                  </a:cubicBezTo>
-                  <a:cubicBezTo>
-                    <a:pt x="786" y="3370"/>
-                    <a:pt x="774" y="3405"/>
-                    <a:pt x="762" y="3417"/>
-                  </a:cubicBezTo>
-                  <a:cubicBezTo>
-                    <a:pt x="750" y="3465"/>
-                    <a:pt x="727" y="3513"/>
-                    <a:pt x="750" y="3548"/>
-                  </a:cubicBezTo>
-                  <a:cubicBezTo>
-                    <a:pt x="893" y="4024"/>
-                    <a:pt x="1262" y="4405"/>
-                    <a:pt x="1727" y="4548"/>
-                  </a:cubicBezTo>
-                  <a:cubicBezTo>
-                    <a:pt x="1310" y="4798"/>
-                    <a:pt x="834" y="4941"/>
-                    <a:pt x="334" y="4941"/>
-                  </a:cubicBezTo>
-                  <a:lnTo>
-                    <a:pt x="191" y="4941"/>
-                  </a:lnTo>
-                  <a:cubicBezTo>
-                    <a:pt x="107" y="4941"/>
-                    <a:pt x="36" y="5001"/>
-                    <a:pt x="12" y="5084"/>
-                  </a:cubicBezTo>
-                  <a:cubicBezTo>
-                    <a:pt x="0" y="5156"/>
-                    <a:pt x="48" y="5239"/>
-                    <a:pt x="107" y="5263"/>
-                  </a:cubicBezTo>
-                  <a:cubicBezTo>
-                    <a:pt x="727" y="5632"/>
-                    <a:pt x="1465" y="5834"/>
-                    <a:pt x="2191" y="5834"/>
-                  </a:cubicBezTo>
-                  <a:cubicBezTo>
-                    <a:pt x="3072" y="5834"/>
-                    <a:pt x="3905" y="5560"/>
-                    <a:pt x="4596" y="5060"/>
-                  </a:cubicBezTo>
-                  <a:cubicBezTo>
-                    <a:pt x="4691" y="5001"/>
-                    <a:pt x="4691" y="4858"/>
-                    <a:pt x="4620" y="4786"/>
-                  </a:cubicBezTo>
-                  <a:cubicBezTo>
-                    <a:pt x="4587" y="4754"/>
-                    <a:pt x="4544" y="4735"/>
-                    <a:pt x="4499" y="4735"/>
-                  </a:cubicBezTo>
-                  <a:cubicBezTo>
-                    <a:pt x="4463" y="4735"/>
-                    <a:pt x="4426" y="4748"/>
-                    <a:pt x="4394" y="4775"/>
-                  </a:cubicBezTo>
-                  <a:cubicBezTo>
-                    <a:pt x="3763" y="5215"/>
-                    <a:pt x="3013" y="5489"/>
-                    <a:pt x="2191" y="5489"/>
-                  </a:cubicBezTo>
-                  <a:cubicBezTo>
-                    <a:pt x="1727" y="5489"/>
-                    <a:pt x="1262" y="5394"/>
-                    <a:pt x="846" y="5239"/>
-                  </a:cubicBezTo>
-                  <a:cubicBezTo>
-                    <a:pt x="1369" y="5144"/>
-                    <a:pt x="1846" y="4917"/>
-                    <a:pt x="2262" y="4584"/>
-                  </a:cubicBezTo>
-                  <a:cubicBezTo>
-                    <a:pt x="2310" y="4536"/>
-                    <a:pt x="2334" y="4477"/>
-                    <a:pt x="2322" y="4417"/>
-                  </a:cubicBezTo>
-                  <a:cubicBezTo>
-                    <a:pt x="2310" y="4346"/>
-                    <a:pt x="2239" y="4286"/>
-                    <a:pt x="2155" y="4286"/>
-                  </a:cubicBezTo>
-                  <a:cubicBezTo>
-                    <a:pt x="1739" y="4263"/>
-                    <a:pt x="1369" y="4048"/>
-                    <a:pt x="1167" y="3691"/>
-                  </a:cubicBezTo>
-                  <a:cubicBezTo>
-                    <a:pt x="1250" y="3691"/>
-                    <a:pt x="1358" y="3667"/>
-                    <a:pt x="1441" y="3643"/>
-                  </a:cubicBezTo>
-                  <a:cubicBezTo>
-                    <a:pt x="1524" y="3632"/>
-                    <a:pt x="1584" y="3572"/>
-                    <a:pt x="1584" y="3489"/>
-                  </a:cubicBezTo>
-                  <a:cubicBezTo>
-                    <a:pt x="1596" y="3405"/>
-                    <a:pt x="1536" y="3334"/>
-                    <a:pt x="1441" y="3298"/>
-                  </a:cubicBezTo>
-                  <a:cubicBezTo>
-                    <a:pt x="1000" y="3191"/>
-                    <a:pt x="667" y="2822"/>
-                    <a:pt x="596" y="2381"/>
-                  </a:cubicBezTo>
-                  <a:lnTo>
-                    <a:pt x="596" y="2381"/>
-                  </a:lnTo>
-                  <a:cubicBezTo>
-                    <a:pt x="727" y="2405"/>
-                    <a:pt x="869" y="2417"/>
-                    <a:pt x="1000" y="2417"/>
-                  </a:cubicBezTo>
-                  <a:cubicBezTo>
-                    <a:pt x="1084" y="2417"/>
-                    <a:pt x="1143" y="2358"/>
-                    <a:pt x="1167" y="2274"/>
-                  </a:cubicBezTo>
-                  <a:cubicBezTo>
-                    <a:pt x="1179" y="2203"/>
-                    <a:pt x="1131" y="2143"/>
-                    <a:pt x="1072" y="2108"/>
-                  </a:cubicBezTo>
-                  <a:cubicBezTo>
-                    <a:pt x="703" y="1881"/>
-                    <a:pt x="476" y="1488"/>
-                    <a:pt x="476" y="1048"/>
-                  </a:cubicBezTo>
-                  <a:cubicBezTo>
-                    <a:pt x="476" y="953"/>
-                    <a:pt x="488" y="846"/>
-                    <a:pt x="524" y="738"/>
-                  </a:cubicBezTo>
-                  <a:cubicBezTo>
-                    <a:pt x="965" y="1191"/>
-                    <a:pt x="1524" y="1524"/>
-                    <a:pt x="2120" y="1727"/>
-                  </a:cubicBezTo>
-                  <a:cubicBezTo>
-                    <a:pt x="2120" y="1727"/>
-                    <a:pt x="2715" y="1905"/>
-                    <a:pt x="2929" y="1917"/>
-                  </a:cubicBezTo>
-                  <a:lnTo>
-                    <a:pt x="3024" y="1917"/>
-                  </a:lnTo>
-                  <a:cubicBezTo>
-                    <a:pt x="3096" y="1917"/>
-                    <a:pt x="3167" y="1869"/>
-                    <a:pt x="3191" y="1798"/>
-                  </a:cubicBezTo>
-                  <a:cubicBezTo>
-                    <a:pt x="3203" y="1786"/>
-                    <a:pt x="3203" y="1750"/>
-                    <a:pt x="3203" y="1738"/>
-                  </a:cubicBezTo>
-                  <a:lnTo>
-                    <a:pt x="3203" y="1703"/>
-                  </a:lnTo>
-                  <a:cubicBezTo>
-                    <a:pt x="3203" y="953"/>
-                    <a:pt x="3810" y="334"/>
-                    <a:pt x="4572" y="334"/>
-                  </a:cubicBezTo>
-                  <a:cubicBezTo>
-                    <a:pt x="4941" y="334"/>
-                    <a:pt x="5287" y="488"/>
-                    <a:pt x="5549" y="750"/>
-                  </a:cubicBezTo>
-                  <a:cubicBezTo>
-                    <a:pt x="5585" y="787"/>
-                    <a:pt x="5621" y="802"/>
-                    <a:pt x="5663" y="802"/>
-                  </a:cubicBezTo>
-                  <a:cubicBezTo>
-                    <a:pt x="5676" y="802"/>
-                    <a:pt x="5689" y="801"/>
-                    <a:pt x="5703" y="798"/>
-                  </a:cubicBezTo>
-                  <a:cubicBezTo>
-                    <a:pt x="5882" y="762"/>
-                    <a:pt x="6049" y="738"/>
-                    <a:pt x="6203" y="679"/>
-                  </a:cubicBezTo>
-                  <a:lnTo>
-                    <a:pt x="6203" y="679"/>
-                  </a:lnTo>
-                  <a:cubicBezTo>
-                    <a:pt x="6120" y="762"/>
-                    <a:pt x="6013" y="857"/>
-                    <a:pt x="5894" y="917"/>
-                  </a:cubicBezTo>
-                  <a:cubicBezTo>
-                    <a:pt x="5822" y="965"/>
-                    <a:pt x="5787" y="1048"/>
-                    <a:pt x="5822" y="1143"/>
-                  </a:cubicBezTo>
-                  <a:cubicBezTo>
-                    <a:pt x="5846" y="1203"/>
-                    <a:pt x="5930" y="1250"/>
-                    <a:pt x="6001" y="1250"/>
-                  </a:cubicBezTo>
-                  <a:cubicBezTo>
-                    <a:pt x="6144" y="1227"/>
-                    <a:pt x="6287" y="1215"/>
-                    <a:pt x="6418" y="1167"/>
-                  </a:cubicBezTo>
-                  <a:lnTo>
-                    <a:pt x="6418" y="1167"/>
-                  </a:lnTo>
-                  <a:cubicBezTo>
-                    <a:pt x="6299" y="1286"/>
-                    <a:pt x="6168" y="1405"/>
-                    <a:pt x="6013" y="1512"/>
-                  </a:cubicBezTo>
-                  <a:cubicBezTo>
-                    <a:pt x="5965" y="1548"/>
-                    <a:pt x="5941" y="1608"/>
-                    <a:pt x="5941" y="1655"/>
-                  </a:cubicBezTo>
-                  <a:lnTo>
-                    <a:pt x="5941" y="1679"/>
-                  </a:lnTo>
-                  <a:lnTo>
-                    <a:pt x="5941" y="1703"/>
-                  </a:lnTo>
-                  <a:lnTo>
-                    <a:pt x="5941" y="1727"/>
-                  </a:lnTo>
-                  <a:cubicBezTo>
-                    <a:pt x="5941" y="2691"/>
-                    <a:pt x="5572" y="3572"/>
-                    <a:pt x="4977" y="4227"/>
-                  </a:cubicBezTo>
-                  <a:cubicBezTo>
-                    <a:pt x="4918" y="4298"/>
-                    <a:pt x="4918" y="4405"/>
-                    <a:pt x="4977" y="4465"/>
-                  </a:cubicBezTo>
-                  <a:cubicBezTo>
-                    <a:pt x="5011" y="4499"/>
-                    <a:pt x="5053" y="4514"/>
-                    <a:pt x="5096" y="4514"/>
-                  </a:cubicBezTo>
-                  <a:cubicBezTo>
-                    <a:pt x="5143" y="4514"/>
-                    <a:pt x="5190" y="4496"/>
-                    <a:pt x="5227" y="4465"/>
-                  </a:cubicBezTo>
-                  <a:cubicBezTo>
-                    <a:pt x="5894" y="3715"/>
-                    <a:pt x="6263" y="2762"/>
-                    <a:pt x="6287" y="1750"/>
-                  </a:cubicBezTo>
-                  <a:cubicBezTo>
-                    <a:pt x="6596" y="1524"/>
-                    <a:pt x="6846" y="1250"/>
-                    <a:pt x="7061" y="917"/>
-                  </a:cubicBezTo>
-                  <a:cubicBezTo>
-                    <a:pt x="7144" y="857"/>
-                    <a:pt x="7132" y="750"/>
-                    <a:pt x="7061" y="715"/>
-                  </a:cubicBezTo>
-                  <a:cubicBezTo>
-                    <a:pt x="7029" y="683"/>
-                    <a:pt x="6987" y="667"/>
-                    <a:pt x="6937" y="667"/>
-                  </a:cubicBezTo>
-                  <a:cubicBezTo>
-                    <a:pt x="6912" y="667"/>
-                    <a:pt x="6886" y="671"/>
-                    <a:pt x="6858" y="679"/>
-                  </a:cubicBezTo>
-                  <a:cubicBezTo>
-                    <a:pt x="6775" y="726"/>
-                    <a:pt x="6680" y="750"/>
-                    <a:pt x="6596" y="786"/>
-                  </a:cubicBezTo>
-                  <a:cubicBezTo>
-                    <a:pt x="6680" y="667"/>
-                    <a:pt x="6763" y="512"/>
-                    <a:pt x="6823" y="369"/>
-                  </a:cubicBezTo>
-                  <a:cubicBezTo>
-                    <a:pt x="6834" y="310"/>
-                    <a:pt x="6834" y="238"/>
-                    <a:pt x="6787" y="191"/>
-                  </a:cubicBezTo>
-                  <a:cubicBezTo>
-                    <a:pt x="6750" y="153"/>
-                    <a:pt x="6703" y="135"/>
-                    <a:pt x="6659" y="135"/>
-                  </a:cubicBezTo>
-                  <a:cubicBezTo>
-                    <a:pt x="6632" y="135"/>
-                    <a:pt x="6607" y="142"/>
-                    <a:pt x="6584" y="155"/>
-                  </a:cubicBezTo>
-                  <a:cubicBezTo>
-                    <a:pt x="6322" y="310"/>
-                    <a:pt x="6061" y="393"/>
-                    <a:pt x="5775" y="441"/>
-                  </a:cubicBezTo>
-                  <a:cubicBezTo>
-                    <a:pt x="5465" y="143"/>
-                    <a:pt x="5048" y="0"/>
-                    <a:pt x="4620" y="0"/>
-                  </a:cubicBezTo>
-                  <a:close/>
-                </a:path>
-              </a:pathLst>
-            </a:custGeom>
-            <a:solidFill>
-              <a:schemeClr val="lt1"/>
-            </a:solidFill>
-            <a:ln>
-              <a:noFill/>
-            </a:ln>
-          </p:spPr>
-          <p:txBody>
-            <a:bodyPr spcFirstLastPara="1" wrap="square" lIns="91425" tIns="91425" rIns="91425" bIns="91425" anchor="ctr" anchorCtr="0">
-              <a:noAutofit/>
-            </a:bodyPr>
-            <a:lstStyle/>
-            <a:p>
-              <a:pPr marL="0" lvl="0" indent="0" algn="l" rtl="0">
-                <a:spcBef>
-                  <a:spcPts val="0"/>
-                </a:spcBef>
-                <a:spcAft>
-                  <a:spcPts val="0"/>
-                </a:spcAft>
-                <a:buNone/>
-              </a:pPr>
-              <a:endParaRPr/>
-            </a:p>
-          </p:txBody>
-        </p:sp>
-      </p:grpSp>
-      <p:grpSp>
-        <p:nvGrpSpPr>
-          <p:cNvPr id="8349" name="Google Shape;8349;p73"/>
-          <p:cNvGrpSpPr/>
-          <p:nvPr/>
-        </p:nvGrpSpPr>
-        <p:grpSpPr>
-          <a:xfrm>
-            <a:off x="2930339" y="2992235"/>
-            <a:ext cx="346056" cy="345674"/>
-            <a:chOff x="2238181" y="4120624"/>
-            <a:chExt cx="346056" cy="345674"/>
-          </a:xfrm>
-        </p:grpSpPr>
-        <p:grpSp>
-          <p:nvGrpSpPr>
-            <p:cNvPr id="8350" name="Google Shape;8350;p73"/>
-            <p:cNvGrpSpPr/>
-            <p:nvPr/>
-          </p:nvGrpSpPr>
-          <p:grpSpPr>
-            <a:xfrm>
-              <a:off x="2309155" y="4177413"/>
-              <a:ext cx="203862" cy="231903"/>
-              <a:chOff x="1512725" y="258500"/>
-              <a:chExt cx="4570900" cy="5199625"/>
-            </a:xfrm>
-          </p:grpSpPr>
-          <p:sp>
-            <p:nvSpPr>
-              <p:cNvPr id="8351" name="Google Shape;8351;p73"/>
-              <p:cNvSpPr/>
-              <p:nvPr/>
-            </p:nvSpPr>
-            <p:spPr>
-              <a:xfrm>
-                <a:off x="1512725" y="2700900"/>
-                <a:ext cx="2654475" cy="2757225"/>
-              </a:xfrm>
-              <a:custGeom>
-                <a:avLst/>
-                <a:gdLst/>
-                <a:ahLst/>
-                <a:cxnLst/>
-                <a:rect l="l" t="t" r="r" b="b"/>
-                <a:pathLst>
-                  <a:path w="106179" h="110289" extrusionOk="0">
-                    <a:moveTo>
-                      <a:pt x="19199" y="1"/>
-                    </a:moveTo>
-                    <a:cubicBezTo>
-                      <a:pt x="18076" y="1"/>
-                      <a:pt x="16954" y="466"/>
-                      <a:pt x="16148" y="1404"/>
-                    </a:cubicBezTo>
-                    <a:cubicBezTo>
-                      <a:pt x="5840" y="13310"/>
-                      <a:pt x="1" y="28739"/>
-                      <a:pt x="33" y="44494"/>
-                    </a:cubicBezTo>
-                    <a:cubicBezTo>
-                      <a:pt x="33" y="62077"/>
-                      <a:pt x="6916" y="78582"/>
-                      <a:pt x="19442" y="91010"/>
-                    </a:cubicBezTo>
-                    <a:cubicBezTo>
-                      <a:pt x="31968" y="103439"/>
-                      <a:pt x="48572" y="110289"/>
-                      <a:pt x="66252" y="110289"/>
-                    </a:cubicBezTo>
-                    <a:cubicBezTo>
-                      <a:pt x="69546" y="110289"/>
-                      <a:pt x="72939" y="110060"/>
-                      <a:pt x="76201" y="109571"/>
-                    </a:cubicBezTo>
-                    <a:cubicBezTo>
-                      <a:pt x="86248" y="108071"/>
-                      <a:pt x="95675" y="104352"/>
-                      <a:pt x="103895" y="98643"/>
-                    </a:cubicBezTo>
-                    <a:cubicBezTo>
-                      <a:pt x="105983" y="97208"/>
-                      <a:pt x="106179" y="94272"/>
-                      <a:pt x="104417" y="92478"/>
-                    </a:cubicBezTo>
-                    <a:cubicBezTo>
-                      <a:pt x="104384" y="92348"/>
-                      <a:pt x="104384" y="92315"/>
-                      <a:pt x="104352" y="92315"/>
-                    </a:cubicBezTo>
-                    <a:cubicBezTo>
-                      <a:pt x="103555" y="91537"/>
-                      <a:pt x="102517" y="91128"/>
-                      <a:pt x="101470" y="91128"/>
-                    </a:cubicBezTo>
-                    <a:cubicBezTo>
-                      <a:pt x="100673" y="91128"/>
-                      <a:pt x="99870" y="91365"/>
-                      <a:pt x="99165" y="91859"/>
-                    </a:cubicBezTo>
-                    <a:cubicBezTo>
-                      <a:pt x="91956" y="96849"/>
-                      <a:pt x="83769" y="100111"/>
-                      <a:pt x="74994" y="101416"/>
-                    </a:cubicBezTo>
-                    <a:cubicBezTo>
-                      <a:pt x="72091" y="101808"/>
-                      <a:pt x="69155" y="102069"/>
-                      <a:pt x="66252" y="102069"/>
-                    </a:cubicBezTo>
-                    <a:cubicBezTo>
-                      <a:pt x="50757" y="102069"/>
-                      <a:pt x="36176" y="96066"/>
-                      <a:pt x="25216" y="85171"/>
-                    </a:cubicBezTo>
-                    <a:cubicBezTo>
-                      <a:pt x="14256" y="74309"/>
-                      <a:pt x="8221" y="59826"/>
-                      <a:pt x="8188" y="44462"/>
-                    </a:cubicBezTo>
-                    <a:cubicBezTo>
-                      <a:pt x="8188" y="30664"/>
-                      <a:pt x="13277" y="17126"/>
-                      <a:pt x="22313" y="6721"/>
-                    </a:cubicBezTo>
-                    <a:cubicBezTo>
-                      <a:pt x="23650" y="5188"/>
-                      <a:pt x="23650" y="2904"/>
-                      <a:pt x="22248" y="1404"/>
-                    </a:cubicBezTo>
-                    <a:lnTo>
-                      <a:pt x="22215" y="1338"/>
-                    </a:lnTo>
-                    <a:cubicBezTo>
-                      <a:pt x="21407" y="449"/>
-                      <a:pt x="20302" y="1"/>
-                      <a:pt x="19199" y="1"/>
-                    </a:cubicBezTo>
-                    <a:close/>
-                  </a:path>
-                </a:pathLst>
-              </a:custGeom>
-              <a:solidFill>
-                <a:schemeClr val="lt1"/>
-              </a:solidFill>
-              <a:ln>
-                <a:noFill/>
-              </a:ln>
-            </p:spPr>
-            <p:txBody>
-              <a:bodyPr spcFirstLastPara="1" wrap="square" lIns="91425" tIns="91425" rIns="91425" bIns="91425" anchor="ctr" anchorCtr="0">
-                <a:noAutofit/>
-              </a:bodyPr>
-              <a:lstStyle/>
-              <a:p>
-                <a:pPr marL="0" lvl="0" indent="0" algn="l" rtl="0">
-                  <a:spcBef>
-                    <a:spcPts val="0"/>
-                  </a:spcBef>
-                  <a:spcAft>
-                    <a:spcPts val="0"/>
-                  </a:spcAft>
-                  <a:buNone/>
-                </a:pPr>
-                <a:endParaRPr/>
-              </a:p>
-            </p:txBody>
-          </p:sp>
-          <p:sp>
-            <p:nvSpPr>
-              <p:cNvPr id="8352" name="Google Shape;8352;p73"/>
-              <p:cNvSpPr/>
-              <p:nvPr/>
-            </p:nvSpPr>
-            <p:spPr>
-              <a:xfrm>
-                <a:off x="2323325" y="258500"/>
-                <a:ext cx="3760300" cy="4390225"/>
-              </a:xfrm>
-              <a:custGeom>
-                <a:avLst/>
-                <a:gdLst/>
-                <a:ahLst/>
-                <a:cxnLst/>
-                <a:rect l="l" t="t" r="r" b="b"/>
-                <a:pathLst>
-                  <a:path w="150412" h="175609" extrusionOk="0">
-                    <a:moveTo>
-                      <a:pt x="63610" y="0"/>
-                    </a:moveTo>
-                    <a:cubicBezTo>
-                      <a:pt x="61359" y="0"/>
-                      <a:pt x="59532" y="1827"/>
-                      <a:pt x="59532" y="4078"/>
-                    </a:cubicBezTo>
-                    <a:lnTo>
-                      <a:pt x="59532" y="93228"/>
-                    </a:lnTo>
-                    <a:lnTo>
-                      <a:pt x="59467" y="142060"/>
-                    </a:lnTo>
-                    <a:cubicBezTo>
-                      <a:pt x="59467" y="153020"/>
-                      <a:pt x="52421" y="162741"/>
-                      <a:pt x="41950" y="166199"/>
-                    </a:cubicBezTo>
-                    <a:cubicBezTo>
-                      <a:pt x="39320" y="167047"/>
-                      <a:pt x="36616" y="167503"/>
-                      <a:pt x="33881" y="167503"/>
-                    </a:cubicBezTo>
-                    <a:cubicBezTo>
-                      <a:pt x="33462" y="167503"/>
-                      <a:pt x="33042" y="167493"/>
-                      <a:pt x="32621" y="167471"/>
-                    </a:cubicBezTo>
-                    <a:cubicBezTo>
-                      <a:pt x="19181" y="166818"/>
-                      <a:pt x="8515" y="155793"/>
-                      <a:pt x="8319" y="142419"/>
-                    </a:cubicBezTo>
-                    <a:cubicBezTo>
-                      <a:pt x="8221" y="135569"/>
-                      <a:pt x="10798" y="129143"/>
-                      <a:pt x="15593" y="124250"/>
-                    </a:cubicBezTo>
-                    <a:cubicBezTo>
-                      <a:pt x="20454" y="119291"/>
-                      <a:pt x="26978" y="116584"/>
-                      <a:pt x="33926" y="116584"/>
-                    </a:cubicBezTo>
-                    <a:cubicBezTo>
-                      <a:pt x="36633" y="116584"/>
-                      <a:pt x="39373" y="117041"/>
-                      <a:pt x="41983" y="117889"/>
-                    </a:cubicBezTo>
-                    <a:cubicBezTo>
-                      <a:pt x="42399" y="118019"/>
-                      <a:pt x="42825" y="118082"/>
-                      <a:pt x="43246" y="118082"/>
-                    </a:cubicBezTo>
-                    <a:cubicBezTo>
-                      <a:pt x="44409" y="118082"/>
-                      <a:pt x="45540" y="117600"/>
-                      <a:pt x="46354" y="116714"/>
-                    </a:cubicBezTo>
-                    <a:cubicBezTo>
-                      <a:pt x="47006" y="115931"/>
-                      <a:pt x="47332" y="114920"/>
-                      <a:pt x="47332" y="113909"/>
-                    </a:cubicBezTo>
-                    <a:lnTo>
-                      <a:pt x="47332" y="81028"/>
-                    </a:lnTo>
-                    <a:cubicBezTo>
-                      <a:pt x="47332" y="79038"/>
-                      <a:pt x="45865" y="77277"/>
-                      <a:pt x="43875" y="76983"/>
-                    </a:cubicBezTo>
-                    <a:cubicBezTo>
-                      <a:pt x="40547" y="76494"/>
-                      <a:pt x="37220" y="76233"/>
-                      <a:pt x="33926" y="76233"/>
-                    </a:cubicBezTo>
-                    <a:cubicBezTo>
-                      <a:pt x="26651" y="76233"/>
-                      <a:pt x="19638" y="77407"/>
-                      <a:pt x="12984" y="79593"/>
-                    </a:cubicBezTo>
-                    <a:cubicBezTo>
-                      <a:pt x="10831" y="80311"/>
-                      <a:pt x="9820" y="82724"/>
-                      <a:pt x="10831" y="84780"/>
-                    </a:cubicBezTo>
-                    <a:lnTo>
-                      <a:pt x="10831" y="84812"/>
-                    </a:lnTo>
-                    <a:cubicBezTo>
-                      <a:pt x="10961" y="85008"/>
-                      <a:pt x="11092" y="85269"/>
-                      <a:pt x="11157" y="85465"/>
-                    </a:cubicBezTo>
-                    <a:cubicBezTo>
-                      <a:pt x="11790" y="86730"/>
-                      <a:pt x="13091" y="87485"/>
-                      <a:pt x="14435" y="87485"/>
-                    </a:cubicBezTo>
-                    <a:cubicBezTo>
-                      <a:pt x="14823" y="87485"/>
-                      <a:pt x="15214" y="87423"/>
-                      <a:pt x="15593" y="87291"/>
-                    </a:cubicBezTo>
-                    <a:cubicBezTo>
-                      <a:pt x="21400" y="85367"/>
-                      <a:pt x="27565" y="84388"/>
-                      <a:pt x="33860" y="84388"/>
-                    </a:cubicBezTo>
-                    <a:cubicBezTo>
-                      <a:pt x="35622" y="84388"/>
-                      <a:pt x="37383" y="84486"/>
-                      <a:pt x="39145" y="84649"/>
-                    </a:cubicBezTo>
-                    <a:lnTo>
-                      <a:pt x="39145" y="108853"/>
-                    </a:lnTo>
-                    <a:cubicBezTo>
-                      <a:pt x="37383" y="108592"/>
-                      <a:pt x="35622" y="108462"/>
-                      <a:pt x="33860" y="108462"/>
-                    </a:cubicBezTo>
-                    <a:cubicBezTo>
-                      <a:pt x="24727" y="108462"/>
-                      <a:pt x="16180" y="112050"/>
-                      <a:pt x="9787" y="118541"/>
-                    </a:cubicBezTo>
-                    <a:cubicBezTo>
-                      <a:pt x="3426" y="124967"/>
-                      <a:pt x="1" y="133481"/>
-                      <a:pt x="99" y="142549"/>
-                    </a:cubicBezTo>
-                    <a:cubicBezTo>
-                      <a:pt x="360" y="160197"/>
-                      <a:pt x="14452" y="174712"/>
-                      <a:pt x="32164" y="175561"/>
-                    </a:cubicBezTo>
-                    <a:cubicBezTo>
-                      <a:pt x="32758" y="175593"/>
-                      <a:pt x="33351" y="175609"/>
-                      <a:pt x="33941" y="175609"/>
-                    </a:cubicBezTo>
-                    <a:cubicBezTo>
-                      <a:pt x="37530" y="175609"/>
-                      <a:pt x="41044" y="175018"/>
-                      <a:pt x="44462" y="173897"/>
-                    </a:cubicBezTo>
-                    <a:cubicBezTo>
-                      <a:pt x="58325" y="169330"/>
-                      <a:pt x="67622" y="156543"/>
-                      <a:pt x="67622" y="142027"/>
-                    </a:cubicBezTo>
-                    <a:lnTo>
-                      <a:pt x="67687" y="93163"/>
-                    </a:lnTo>
-                    <a:lnTo>
-                      <a:pt x="67687" y="8155"/>
-                    </a:lnTo>
-                    <a:lnTo>
-                      <a:pt x="78321" y="8155"/>
-                    </a:lnTo>
-                    <a:cubicBezTo>
-                      <a:pt x="81697" y="8133"/>
-                      <a:pt x="85305" y="8095"/>
-                      <a:pt x="88344" y="8095"/>
-                    </a:cubicBezTo>
-                    <a:cubicBezTo>
-                      <a:pt x="89709" y="8095"/>
-                      <a:pt x="90960" y="8103"/>
-                      <a:pt x="92022" y="8123"/>
-                    </a:cubicBezTo>
-                    <a:cubicBezTo>
-                      <a:pt x="93098" y="21073"/>
-                      <a:pt x="98643" y="33110"/>
-                      <a:pt x="107973" y="42374"/>
-                    </a:cubicBezTo>
-                    <a:cubicBezTo>
-                      <a:pt x="117269" y="51573"/>
-                      <a:pt x="129339" y="57053"/>
-                      <a:pt x="142256" y="58031"/>
-                    </a:cubicBezTo>
-                    <a:cubicBezTo>
-                      <a:pt x="142256" y="64131"/>
-                      <a:pt x="142289" y="76005"/>
-                      <a:pt x="142354" y="82333"/>
-                    </a:cubicBezTo>
-                    <a:cubicBezTo>
-                      <a:pt x="133155" y="81876"/>
-                      <a:pt x="124250" y="79821"/>
-                      <a:pt x="115769" y="76233"/>
-                    </a:cubicBezTo>
-                    <a:cubicBezTo>
-                      <a:pt x="109506" y="73624"/>
-                      <a:pt x="103700" y="70198"/>
-                      <a:pt x="98350" y="66088"/>
-                    </a:cubicBezTo>
-                    <a:cubicBezTo>
-                      <a:pt x="97610" y="65524"/>
-                      <a:pt x="96719" y="65238"/>
-                      <a:pt x="95830" y="65238"/>
-                    </a:cubicBezTo>
-                    <a:cubicBezTo>
-                      <a:pt x="95229" y="65238"/>
-                      <a:pt x="94629" y="65369"/>
-                      <a:pt x="94077" y="65632"/>
-                    </a:cubicBezTo>
-                    <a:cubicBezTo>
-                      <a:pt x="92674" y="66284"/>
-                      <a:pt x="91793" y="67752"/>
-                      <a:pt x="91793" y="69318"/>
-                    </a:cubicBezTo>
-                    <a:lnTo>
-                      <a:pt x="91956" y="142354"/>
-                    </a:lnTo>
-                    <a:cubicBezTo>
-                      <a:pt x="91891" y="150443"/>
-                      <a:pt x="90195" y="158272"/>
-                      <a:pt x="86966" y="165514"/>
-                    </a:cubicBezTo>
-                    <a:cubicBezTo>
-                      <a:pt x="86150" y="167308"/>
-                      <a:pt x="86802" y="169428"/>
-                      <a:pt x="88433" y="170472"/>
-                    </a:cubicBezTo>
-                    <a:cubicBezTo>
-                      <a:pt x="88466" y="170472"/>
-                      <a:pt x="88466" y="170505"/>
-                      <a:pt x="88531" y="170505"/>
-                    </a:cubicBezTo>
-                    <a:cubicBezTo>
-                      <a:pt x="89214" y="170960"/>
-                      <a:pt x="89984" y="171174"/>
-                      <a:pt x="90744" y="171174"/>
-                    </a:cubicBezTo>
-                    <a:cubicBezTo>
-                      <a:pt x="92271" y="171174"/>
-                      <a:pt x="93760" y="170311"/>
-                      <a:pt x="94436" y="168808"/>
-                    </a:cubicBezTo>
-                    <a:cubicBezTo>
-                      <a:pt x="98089" y="160555"/>
-                      <a:pt x="100046" y="151650"/>
-                      <a:pt x="100111" y="142354"/>
-                    </a:cubicBezTo>
-                    <a:lnTo>
-                      <a:pt x="99850" y="77049"/>
-                    </a:lnTo>
-                    <a:lnTo>
-                      <a:pt x="99850" y="77049"/>
-                    </a:lnTo>
-                    <a:cubicBezTo>
-                      <a:pt x="103895" y="79593"/>
-                      <a:pt x="108071" y="81844"/>
-                      <a:pt x="112474" y="83670"/>
-                    </a:cubicBezTo>
-                    <a:cubicBezTo>
-                      <a:pt x="123206" y="88205"/>
-                      <a:pt x="134591" y="90521"/>
-                      <a:pt x="146301" y="90521"/>
-                    </a:cubicBezTo>
-                    <a:cubicBezTo>
-                      <a:pt x="147410" y="90521"/>
-                      <a:pt x="148454" y="90097"/>
-                      <a:pt x="149237" y="89346"/>
-                    </a:cubicBezTo>
-                    <a:cubicBezTo>
-                      <a:pt x="149987" y="88563"/>
-                      <a:pt x="150411" y="87552"/>
-                      <a:pt x="150411" y="86443"/>
-                    </a:cubicBezTo>
-                    <a:lnTo>
-                      <a:pt x="150379" y="70231"/>
-                    </a:lnTo>
-                    <a:lnTo>
-                      <a:pt x="150313" y="54345"/>
-                    </a:lnTo>
-                    <a:cubicBezTo>
-                      <a:pt x="150281" y="49974"/>
-                      <a:pt x="146301" y="49942"/>
-                      <a:pt x="146236" y="49942"/>
-                    </a:cubicBezTo>
-                    <a:cubicBezTo>
-                      <a:pt x="120955" y="49942"/>
-                      <a:pt x="100177" y="29358"/>
-                      <a:pt x="99981" y="4045"/>
-                    </a:cubicBezTo>
-                    <a:cubicBezTo>
-                      <a:pt x="99981" y="2121"/>
-                      <a:pt x="98546" y="131"/>
-                      <a:pt x="95903" y="0"/>
-                    </a:cubicBezTo>
-                    <a:close/>
-                  </a:path>
-                </a:pathLst>
-              </a:custGeom>
-              <a:solidFill>
-                <a:schemeClr val="lt1"/>
-              </a:solidFill>
-              <a:ln>
-                <a:noFill/>
-              </a:ln>
-            </p:spPr>
-            <p:txBody>
-              <a:bodyPr spcFirstLastPara="1" wrap="square" lIns="91425" tIns="91425" rIns="91425" bIns="91425" anchor="ctr" anchorCtr="0">
-                <a:noAutofit/>
-              </a:bodyPr>
-              <a:lstStyle/>
-              <a:p>
-                <a:pPr marL="0" lvl="0" indent="0" algn="l" rtl="0">
-                  <a:spcBef>
-                    <a:spcPts val="0"/>
-                  </a:spcBef>
-                  <a:spcAft>
-                    <a:spcPts val="0"/>
-                  </a:spcAft>
-                  <a:buNone/>
-                </a:pPr>
-                <a:endParaRPr/>
-              </a:p>
-            </p:txBody>
-          </p:sp>
-        </p:grpSp>
-        <p:sp>
-          <p:nvSpPr>
-            <p:cNvPr id="8353" name="Google Shape;8353;p73"/>
-            <p:cNvSpPr/>
-            <p:nvPr/>
-          </p:nvSpPr>
-          <p:spPr>
-            <a:xfrm>
-              <a:off x="2238181" y="4120624"/>
-              <a:ext cx="346056" cy="345674"/>
-            </a:xfrm>
-            <a:custGeom>
-              <a:avLst/>
-              <a:gdLst/>
-              <a:ahLst/>
-              <a:cxnLst/>
-              <a:rect l="l" t="t" r="r" b="b"/>
-              <a:pathLst>
-                <a:path w="10872" h="10860" extrusionOk="0">
-                  <a:moveTo>
-                    <a:pt x="5418" y="334"/>
-                  </a:moveTo>
-                  <a:cubicBezTo>
-                    <a:pt x="8228" y="334"/>
-                    <a:pt x="10514" y="2608"/>
-                    <a:pt x="10514" y="5430"/>
-                  </a:cubicBezTo>
-                  <a:cubicBezTo>
-                    <a:pt x="10514" y="8240"/>
-                    <a:pt x="8228" y="10514"/>
-                    <a:pt x="5418" y="10514"/>
-                  </a:cubicBezTo>
-                  <a:cubicBezTo>
-                    <a:pt x="2608" y="10514"/>
-                    <a:pt x="334" y="8240"/>
-                    <a:pt x="334" y="5430"/>
-                  </a:cubicBezTo>
-                  <a:cubicBezTo>
-                    <a:pt x="334" y="2608"/>
-                    <a:pt x="2608" y="334"/>
-                    <a:pt x="5418" y="334"/>
-                  </a:cubicBezTo>
-                  <a:close/>
-                  <a:moveTo>
-                    <a:pt x="5430" y="1"/>
-                  </a:moveTo>
-                  <a:cubicBezTo>
-                    <a:pt x="3989" y="1"/>
-                    <a:pt x="2620" y="560"/>
-                    <a:pt x="1596" y="1584"/>
-                  </a:cubicBezTo>
-                  <a:cubicBezTo>
-                    <a:pt x="572" y="2620"/>
-                    <a:pt x="1" y="3989"/>
-                    <a:pt x="1" y="5430"/>
-                  </a:cubicBezTo>
-                  <a:cubicBezTo>
-                    <a:pt x="1" y="6871"/>
-                    <a:pt x="572" y="8240"/>
-                    <a:pt x="1596" y="9264"/>
-                  </a:cubicBezTo>
-                  <a:cubicBezTo>
-                    <a:pt x="2620" y="10300"/>
-                    <a:pt x="3989" y="10859"/>
-                    <a:pt x="5430" y="10859"/>
-                  </a:cubicBezTo>
-                  <a:cubicBezTo>
-                    <a:pt x="6883" y="10859"/>
-                    <a:pt x="8252" y="10300"/>
-                    <a:pt x="9276" y="9264"/>
-                  </a:cubicBezTo>
-                  <a:cubicBezTo>
-                    <a:pt x="10300" y="8240"/>
-                    <a:pt x="10871" y="6871"/>
-                    <a:pt x="10871" y="5430"/>
-                  </a:cubicBezTo>
-                  <a:cubicBezTo>
-                    <a:pt x="10871" y="3989"/>
-                    <a:pt x="10300" y="2620"/>
-                    <a:pt x="9276" y="1584"/>
-                  </a:cubicBezTo>
-                  <a:cubicBezTo>
-                    <a:pt x="8252" y="560"/>
-                    <a:pt x="6883" y="1"/>
-                    <a:pt x="5430" y="1"/>
-                  </a:cubicBezTo>
-                  <a:close/>
-                </a:path>
-              </a:pathLst>
-            </a:custGeom>
-            <a:solidFill>
-              <a:schemeClr val="lt1"/>
-            </a:solidFill>
-            <a:ln>
-              <a:noFill/>
-            </a:ln>
-          </p:spPr>
-          <p:txBody>
-            <a:bodyPr spcFirstLastPara="1" wrap="square" lIns="91425" tIns="91425" rIns="91425" bIns="91425" anchor="ctr" anchorCtr="0">
-              <a:noAutofit/>
-            </a:bodyPr>
-            <a:lstStyle/>
-            <a:p>
-              <a:pPr marL="0" lvl="0" indent="0" algn="l" rtl="0">
-                <a:spcBef>
-                  <a:spcPts val="0"/>
-                </a:spcBef>
-                <a:spcAft>
-                  <a:spcPts val="0"/>
-                </a:spcAft>
-                <a:buNone/>
-              </a:pPr>
-              <a:endParaRPr/>
-            </a:p>
-          </p:txBody>
-        </p:sp>
-      </p:grpSp>
-      <p:grpSp>
-        <p:nvGrpSpPr>
-          <p:cNvPr id="8354" name="Google Shape;8354;p73"/>
-          <p:cNvGrpSpPr/>
-          <p:nvPr/>
-        </p:nvGrpSpPr>
-        <p:grpSpPr>
-          <a:xfrm>
-            <a:off x="5518108" y="1141100"/>
-            <a:ext cx="2875079" cy="2861300"/>
-            <a:chOff x="5669450" y="1167800"/>
-            <a:chExt cx="2761313" cy="2748080"/>
-          </a:xfrm>
-        </p:grpSpPr>
-        <p:grpSp>
-          <p:nvGrpSpPr>
-            <p:cNvPr id="8355" name="Google Shape;8355;p73"/>
-            <p:cNvGrpSpPr/>
-            <p:nvPr/>
-          </p:nvGrpSpPr>
-          <p:grpSpPr>
-            <a:xfrm>
-              <a:off x="5669450" y="1167800"/>
-              <a:ext cx="2761313" cy="2748080"/>
-              <a:chOff x="748475" y="1167800"/>
-              <a:chExt cx="2761313" cy="2748080"/>
-            </a:xfrm>
-          </p:grpSpPr>
-          <p:sp>
-            <p:nvSpPr>
-              <p:cNvPr id="8356" name="Google Shape;8356;p73"/>
-              <p:cNvSpPr/>
-              <p:nvPr/>
-            </p:nvSpPr>
-            <p:spPr>
-              <a:xfrm>
-                <a:off x="748475" y="2488173"/>
-                <a:ext cx="107100" cy="107100"/>
-              </a:xfrm>
-              <a:prstGeom prst="ellipse">
-                <a:avLst/>
-              </a:prstGeom>
-              <a:solidFill>
-                <a:schemeClr val="dk2"/>
-              </a:solidFill>
-              <a:ln>
-                <a:noFill/>
-              </a:ln>
-            </p:spPr>
-            <p:txBody>
-              <a:bodyPr spcFirstLastPara="1" wrap="square" lIns="91425" tIns="91425" rIns="91425" bIns="91425" anchor="ctr" anchorCtr="0">
-                <a:noAutofit/>
-              </a:bodyPr>
-              <a:lstStyle/>
-              <a:p>
-                <a:pPr marL="0" lvl="0" indent="0" algn="l" rtl="0">
-                  <a:spcBef>
-                    <a:spcPts val="0"/>
-                  </a:spcBef>
-                  <a:spcAft>
-                    <a:spcPts val="0"/>
-                  </a:spcAft>
-                  <a:buNone/>
-                </a:pPr>
-                <a:endParaRPr/>
-              </a:p>
-            </p:txBody>
-          </p:sp>
-          <p:sp>
-            <p:nvSpPr>
-              <p:cNvPr id="8357" name="Google Shape;8357;p73"/>
-              <p:cNvSpPr/>
-              <p:nvPr/>
-            </p:nvSpPr>
-            <p:spPr>
-              <a:xfrm>
-                <a:off x="2027373" y="1167800"/>
-                <a:ext cx="177600" cy="177600"/>
-              </a:xfrm>
-              <a:prstGeom prst="ellipse">
-                <a:avLst/>
-              </a:prstGeom>
-              <a:solidFill>
-                <a:schemeClr val="dk2"/>
-              </a:solidFill>
-              <a:ln>
-                <a:noFill/>
-              </a:ln>
-            </p:spPr>
-            <p:txBody>
-              <a:bodyPr spcFirstLastPara="1" wrap="square" lIns="91425" tIns="91425" rIns="91425" bIns="91425" anchor="ctr" anchorCtr="0">
-                <a:noAutofit/>
-              </a:bodyPr>
-              <a:lstStyle/>
-              <a:p>
-                <a:pPr marL="0" lvl="0" indent="0" algn="l" rtl="0">
-                  <a:spcBef>
-                    <a:spcPts val="0"/>
-                  </a:spcBef>
-                  <a:spcAft>
-                    <a:spcPts val="0"/>
-                  </a:spcAft>
-                  <a:buNone/>
-                </a:pPr>
-                <a:endParaRPr/>
-              </a:p>
-            </p:txBody>
-          </p:sp>
-          <p:sp>
-            <p:nvSpPr>
-              <p:cNvPr id="8358" name="Google Shape;8358;p73"/>
-              <p:cNvSpPr/>
-              <p:nvPr/>
-            </p:nvSpPr>
-            <p:spPr>
-              <a:xfrm>
-                <a:off x="3332188" y="2452921"/>
-                <a:ext cx="177600" cy="177600"/>
-              </a:xfrm>
-              <a:prstGeom prst="ellipse">
-                <a:avLst/>
-              </a:prstGeom>
-              <a:solidFill>
-                <a:schemeClr val="dk2"/>
-              </a:solidFill>
-              <a:ln>
-                <a:noFill/>
-              </a:ln>
-            </p:spPr>
-            <p:txBody>
-              <a:bodyPr spcFirstLastPara="1" wrap="square" lIns="91425" tIns="91425" rIns="91425" bIns="91425" anchor="ctr" anchorCtr="0">
-                <a:noAutofit/>
-              </a:bodyPr>
-              <a:lstStyle/>
-              <a:p>
-                <a:pPr marL="0" lvl="0" indent="0" algn="l" rtl="0">
-                  <a:spcBef>
-                    <a:spcPts val="0"/>
-                  </a:spcBef>
-                  <a:spcAft>
-                    <a:spcPts val="0"/>
-                  </a:spcAft>
-                  <a:buNone/>
-                </a:pPr>
-                <a:endParaRPr/>
-              </a:p>
-            </p:txBody>
-          </p:sp>
-          <p:sp>
-            <p:nvSpPr>
-              <p:cNvPr id="8359" name="Google Shape;8359;p73"/>
-              <p:cNvSpPr/>
-              <p:nvPr/>
-            </p:nvSpPr>
-            <p:spPr>
-              <a:xfrm>
-                <a:off x="2027373" y="3724122"/>
-                <a:ext cx="177600" cy="177600"/>
-              </a:xfrm>
-              <a:prstGeom prst="ellipse">
-                <a:avLst/>
-              </a:prstGeom>
-              <a:solidFill>
-                <a:schemeClr val="dk2"/>
-              </a:solidFill>
-              <a:ln>
-                <a:noFill/>
-              </a:ln>
-            </p:spPr>
-            <p:txBody>
-              <a:bodyPr spcFirstLastPara="1" wrap="square" lIns="91425" tIns="91425" rIns="91425" bIns="91425" anchor="ctr" anchorCtr="0">
-                <a:noAutofit/>
-              </a:bodyPr>
-              <a:lstStyle/>
-              <a:p>
-                <a:pPr marL="0" lvl="0" indent="0" algn="l" rtl="0">
-                  <a:spcBef>
-                    <a:spcPts val="0"/>
-                  </a:spcBef>
-                  <a:spcAft>
-                    <a:spcPts val="0"/>
-                  </a:spcAft>
-                  <a:buNone/>
-                </a:pPr>
-                <a:endParaRPr/>
-              </a:p>
-            </p:txBody>
-          </p:sp>
-          <p:sp>
-            <p:nvSpPr>
-              <p:cNvPr id="8360" name="Google Shape;8360;p73"/>
-              <p:cNvSpPr/>
-              <p:nvPr/>
-            </p:nvSpPr>
-            <p:spPr>
-              <a:xfrm rot="2700000">
-                <a:off x="2934674" y="1540452"/>
-                <a:ext cx="177767" cy="177767"/>
-              </a:xfrm>
-              <a:prstGeom prst="ellipse">
-                <a:avLst/>
-              </a:prstGeom>
-              <a:solidFill>
-                <a:schemeClr val="dk2"/>
-              </a:solidFill>
-              <a:ln>
-                <a:noFill/>
-              </a:ln>
-            </p:spPr>
-            <p:txBody>
-              <a:bodyPr spcFirstLastPara="1" wrap="square" lIns="91425" tIns="91425" rIns="91425" bIns="91425" anchor="ctr" anchorCtr="0">
-                <a:noAutofit/>
-              </a:bodyPr>
-              <a:lstStyle/>
-              <a:p>
-                <a:pPr marL="0" lvl="0" indent="0" algn="l" rtl="0">
-                  <a:spcBef>
-                    <a:spcPts val="0"/>
-                  </a:spcBef>
-                  <a:spcAft>
-                    <a:spcPts val="0"/>
-                  </a:spcAft>
-                  <a:buNone/>
-                </a:pPr>
-                <a:endParaRPr/>
-              </a:p>
-            </p:txBody>
-          </p:sp>
-          <p:sp>
-            <p:nvSpPr>
-              <p:cNvPr id="8361" name="Google Shape;8361;p73"/>
-              <p:cNvSpPr/>
-              <p:nvPr/>
-            </p:nvSpPr>
-            <p:spPr>
-              <a:xfrm rot="2700000">
-                <a:off x="2948609" y="3371822"/>
-                <a:ext cx="177767" cy="177767"/>
-              </a:xfrm>
-              <a:prstGeom prst="ellipse">
-                <a:avLst/>
-              </a:prstGeom>
-              <a:solidFill>
-                <a:schemeClr val="dk2"/>
-              </a:solidFill>
-              <a:ln>
-                <a:noFill/>
-              </a:ln>
-            </p:spPr>
-            <p:txBody>
-              <a:bodyPr spcFirstLastPara="1" wrap="square" lIns="91425" tIns="91425" rIns="91425" bIns="91425" anchor="ctr" anchorCtr="0">
-                <a:noAutofit/>
-              </a:bodyPr>
-              <a:lstStyle/>
-              <a:p>
-                <a:pPr marL="0" lvl="0" indent="0" algn="l" rtl="0">
-                  <a:spcBef>
-                    <a:spcPts val="0"/>
-                  </a:spcBef>
-                  <a:spcAft>
-                    <a:spcPts val="0"/>
-                  </a:spcAft>
-                  <a:buNone/>
-                </a:pPr>
-                <a:endParaRPr/>
-              </a:p>
-            </p:txBody>
-          </p:sp>
-          <p:sp>
-            <p:nvSpPr>
-              <p:cNvPr id="8362" name="Google Shape;8362;p73"/>
-              <p:cNvSpPr/>
-              <p:nvPr/>
-            </p:nvSpPr>
-            <p:spPr>
-              <a:xfrm rot="2700000">
-                <a:off x="1138335" y="3359285"/>
-                <a:ext cx="155281" cy="155281"/>
-              </a:xfrm>
-              <a:prstGeom prst="ellipse">
-                <a:avLst/>
-              </a:prstGeom>
-              <a:solidFill>
-                <a:schemeClr val="dk2"/>
-              </a:solidFill>
-              <a:ln>
-                <a:noFill/>
-              </a:ln>
-            </p:spPr>
-            <p:txBody>
-              <a:bodyPr spcFirstLastPara="1" wrap="square" lIns="91425" tIns="91425" rIns="91425" bIns="91425" anchor="ctr" anchorCtr="0">
-                <a:noAutofit/>
-              </a:bodyPr>
-              <a:lstStyle/>
-              <a:p>
-                <a:pPr marL="0" lvl="0" indent="0" algn="l" rtl="0">
-                  <a:spcBef>
-                    <a:spcPts val="0"/>
-                  </a:spcBef>
-                  <a:spcAft>
-                    <a:spcPts val="0"/>
-                  </a:spcAft>
-                  <a:buNone/>
-                </a:pPr>
-                <a:endParaRPr/>
-              </a:p>
-            </p:txBody>
-          </p:sp>
-          <p:sp>
-            <p:nvSpPr>
-              <p:cNvPr id="8363" name="Google Shape;8363;p73"/>
-              <p:cNvSpPr/>
-              <p:nvPr/>
-            </p:nvSpPr>
-            <p:spPr>
-              <a:xfrm rot="1807217">
-                <a:off x="959281" y="1868183"/>
-                <a:ext cx="45435" cy="45435"/>
-              </a:xfrm>
-              <a:prstGeom prst="ellipse">
-                <a:avLst/>
-              </a:prstGeom>
-              <a:solidFill>
-                <a:schemeClr val="dk2"/>
-              </a:solidFill>
-              <a:ln>
-                <a:noFill/>
-              </a:ln>
-            </p:spPr>
-            <p:txBody>
-              <a:bodyPr spcFirstLastPara="1" wrap="square" lIns="91425" tIns="91425" rIns="91425" bIns="91425" anchor="ctr" anchorCtr="0">
-                <a:noAutofit/>
-              </a:bodyPr>
-              <a:lstStyle/>
-              <a:p>
-                <a:pPr marL="0" lvl="0" indent="0" algn="l" rtl="0">
-                  <a:spcBef>
-                    <a:spcPts val="0"/>
-                  </a:spcBef>
-                  <a:spcAft>
-                    <a:spcPts val="0"/>
-                  </a:spcAft>
-                  <a:buNone/>
-                </a:pPr>
-                <a:endParaRPr/>
-              </a:p>
-            </p:txBody>
-          </p:sp>
-          <p:sp>
-            <p:nvSpPr>
-              <p:cNvPr id="8364" name="Google Shape;8364;p73"/>
-              <p:cNvSpPr/>
-              <p:nvPr/>
-            </p:nvSpPr>
-            <p:spPr>
-              <a:xfrm rot="1804115">
-                <a:off x="2673760" y="1346056"/>
-                <a:ext cx="177831" cy="177831"/>
-              </a:xfrm>
-              <a:prstGeom prst="ellipse">
-                <a:avLst/>
-              </a:prstGeom>
-              <a:solidFill>
-                <a:schemeClr val="dk2"/>
-              </a:solidFill>
-              <a:ln>
-                <a:noFill/>
-              </a:ln>
-            </p:spPr>
-            <p:txBody>
-              <a:bodyPr spcFirstLastPara="1" wrap="square" lIns="91425" tIns="91425" rIns="91425" bIns="91425" anchor="ctr" anchorCtr="0">
-                <a:noAutofit/>
-              </a:bodyPr>
-              <a:lstStyle/>
-              <a:p>
-                <a:pPr marL="0" lvl="0" indent="0" algn="l" rtl="0">
-                  <a:spcBef>
-                    <a:spcPts val="0"/>
-                  </a:spcBef>
-                  <a:spcAft>
-                    <a:spcPts val="0"/>
-                  </a:spcAft>
-                  <a:buNone/>
-                </a:pPr>
-                <a:endParaRPr/>
-              </a:p>
-            </p:txBody>
-          </p:sp>
-          <p:sp>
-            <p:nvSpPr>
-              <p:cNvPr id="8365" name="Google Shape;8365;p73"/>
-              <p:cNvSpPr/>
-              <p:nvPr/>
-            </p:nvSpPr>
-            <p:spPr>
-              <a:xfrm rot="1804115">
-                <a:off x="3161209" y="3111417"/>
-                <a:ext cx="177831" cy="177831"/>
-              </a:xfrm>
-              <a:prstGeom prst="ellipse">
-                <a:avLst/>
-              </a:prstGeom>
-              <a:solidFill>
-                <a:schemeClr val="dk2"/>
-              </a:solidFill>
-              <a:ln>
-                <a:noFill/>
-              </a:ln>
-            </p:spPr>
-            <p:txBody>
-              <a:bodyPr spcFirstLastPara="1" wrap="square" lIns="91425" tIns="91425" rIns="91425" bIns="91425" anchor="ctr" anchorCtr="0">
-                <a:noAutofit/>
-              </a:bodyPr>
-              <a:lstStyle/>
-              <a:p>
-                <a:pPr marL="0" lvl="0" indent="0" algn="l" rtl="0">
-                  <a:spcBef>
-                    <a:spcPts val="0"/>
-                  </a:spcBef>
-                  <a:spcAft>
-                    <a:spcPts val="0"/>
-                  </a:spcAft>
-                  <a:buNone/>
-                </a:pPr>
-                <a:endParaRPr/>
-              </a:p>
-            </p:txBody>
-          </p:sp>
-          <p:sp>
-            <p:nvSpPr>
-              <p:cNvPr id="8366" name="Google Shape;8366;p73"/>
-              <p:cNvSpPr/>
-              <p:nvPr/>
-            </p:nvSpPr>
-            <p:spPr>
-              <a:xfrm rot="1801578">
-                <a:off x="1401275" y="3565441"/>
-                <a:ext cx="166667" cy="166667"/>
-              </a:xfrm>
-              <a:prstGeom prst="ellipse">
-                <a:avLst/>
-              </a:prstGeom>
-              <a:solidFill>
-                <a:schemeClr val="dk2"/>
-              </a:solidFill>
-              <a:ln>
-                <a:noFill/>
-              </a:ln>
-            </p:spPr>
-            <p:txBody>
-              <a:bodyPr spcFirstLastPara="1" wrap="square" lIns="91425" tIns="91425" rIns="91425" bIns="91425" anchor="ctr" anchorCtr="0">
-                <a:noAutofit/>
-              </a:bodyPr>
-              <a:lstStyle/>
-              <a:p>
-                <a:pPr marL="0" lvl="0" indent="0" algn="l" rtl="0">
-                  <a:spcBef>
-                    <a:spcPts val="0"/>
-                  </a:spcBef>
-                  <a:spcAft>
-                    <a:spcPts val="0"/>
-                  </a:spcAft>
-                  <a:buNone/>
-                </a:pPr>
-                <a:endParaRPr/>
-              </a:p>
-            </p:txBody>
-          </p:sp>
-          <p:sp>
-            <p:nvSpPr>
-              <p:cNvPr id="8367" name="Google Shape;8367;p73"/>
-              <p:cNvSpPr/>
-              <p:nvPr/>
-            </p:nvSpPr>
-            <p:spPr>
-              <a:xfrm rot="3595885">
-                <a:off x="1364322" y="1318921"/>
-                <a:ext cx="177831" cy="177831"/>
-              </a:xfrm>
-              <a:prstGeom prst="ellipse">
-                <a:avLst/>
-              </a:prstGeom>
-              <a:solidFill>
-                <a:schemeClr val="dk2"/>
-              </a:solidFill>
-              <a:ln>
-                <a:noFill/>
-              </a:ln>
-            </p:spPr>
-            <p:txBody>
-              <a:bodyPr spcFirstLastPara="1" wrap="square" lIns="91425" tIns="91425" rIns="91425" bIns="91425" anchor="ctr" anchorCtr="0">
-                <a:noAutofit/>
-              </a:bodyPr>
-              <a:lstStyle/>
-              <a:p>
-                <a:pPr marL="0" lvl="0" indent="0" algn="l" rtl="0">
-                  <a:spcBef>
-                    <a:spcPts val="0"/>
-                  </a:spcBef>
-                  <a:spcAft>
-                    <a:spcPts val="0"/>
-                  </a:spcAft>
-                  <a:buNone/>
-                </a:pPr>
-                <a:endParaRPr/>
-              </a:p>
-            </p:txBody>
-          </p:sp>
-          <p:sp>
-            <p:nvSpPr>
-              <p:cNvPr id="8368" name="Google Shape;8368;p73"/>
-              <p:cNvSpPr/>
-              <p:nvPr/>
-            </p:nvSpPr>
-            <p:spPr>
-              <a:xfrm rot="3595885">
-                <a:off x="3134333" y="1814456"/>
-                <a:ext cx="177831" cy="177831"/>
-              </a:xfrm>
-              <a:prstGeom prst="ellipse">
-                <a:avLst/>
-              </a:prstGeom>
-              <a:solidFill>
-                <a:schemeClr val="dk2"/>
-              </a:solidFill>
-              <a:ln>
-                <a:noFill/>
-              </a:ln>
-            </p:spPr>
-            <p:txBody>
-              <a:bodyPr spcFirstLastPara="1" wrap="square" lIns="91425" tIns="91425" rIns="91425" bIns="91425" anchor="ctr" anchorCtr="0">
-                <a:noAutofit/>
-              </a:bodyPr>
-              <a:lstStyle/>
-              <a:p>
-                <a:pPr marL="0" lvl="0" indent="0" algn="l" rtl="0">
-                  <a:spcBef>
-                    <a:spcPts val="0"/>
-                  </a:spcBef>
-                  <a:spcAft>
-                    <a:spcPts val="0"/>
-                  </a:spcAft>
-                  <a:buNone/>
-                </a:pPr>
-                <a:endParaRPr/>
-              </a:p>
-            </p:txBody>
-          </p:sp>
-          <p:sp>
-            <p:nvSpPr>
-              <p:cNvPr id="8369" name="Google Shape;8369;p73"/>
-              <p:cNvSpPr/>
-              <p:nvPr/>
-            </p:nvSpPr>
-            <p:spPr>
-              <a:xfrm rot="3595885">
-                <a:off x="2673804" y="3587030"/>
-                <a:ext cx="177831" cy="177831"/>
-              </a:xfrm>
-              <a:prstGeom prst="ellipse">
-                <a:avLst/>
-              </a:prstGeom>
-              <a:solidFill>
-                <a:schemeClr val="dk2"/>
-              </a:solidFill>
-              <a:ln>
-                <a:noFill/>
-              </a:ln>
-            </p:spPr>
-            <p:txBody>
-              <a:bodyPr spcFirstLastPara="1" wrap="square" lIns="91425" tIns="91425" rIns="91425" bIns="91425" anchor="ctr" anchorCtr="0">
-                <a:noAutofit/>
-              </a:bodyPr>
-              <a:lstStyle/>
-              <a:p>
-                <a:pPr marL="0" lvl="0" indent="0" algn="l" rtl="0">
-                  <a:spcBef>
-                    <a:spcPts val="0"/>
-                  </a:spcBef>
-                  <a:spcAft>
-                    <a:spcPts val="0"/>
-                  </a:spcAft>
-                  <a:buNone/>
-                </a:pPr>
-                <a:endParaRPr/>
-              </a:p>
-            </p:txBody>
-          </p:sp>
-          <p:sp>
-            <p:nvSpPr>
-              <p:cNvPr id="8370" name="Google Shape;8370;p73"/>
-              <p:cNvSpPr/>
-              <p:nvPr/>
-            </p:nvSpPr>
-            <p:spPr>
-              <a:xfrm rot="3598200">
-                <a:off x="938347" y="3110438"/>
-                <a:ext cx="142071" cy="142071"/>
-              </a:xfrm>
-              <a:prstGeom prst="ellipse">
-                <a:avLst/>
-              </a:prstGeom>
-              <a:solidFill>
-                <a:schemeClr val="dk2"/>
-              </a:solidFill>
-              <a:ln>
-                <a:noFill/>
-              </a:ln>
-            </p:spPr>
-            <p:txBody>
-              <a:bodyPr spcFirstLastPara="1" wrap="square" lIns="91425" tIns="91425" rIns="91425" bIns="91425" anchor="ctr" anchorCtr="0">
-                <a:noAutofit/>
-              </a:bodyPr>
-              <a:lstStyle/>
-              <a:p>
-                <a:pPr marL="0" lvl="0" indent="0" algn="l" rtl="0">
-                  <a:spcBef>
-                    <a:spcPts val="0"/>
-                  </a:spcBef>
-                  <a:spcAft>
-                    <a:spcPts val="0"/>
-                  </a:spcAft>
-                  <a:buNone/>
-                </a:pPr>
-                <a:endParaRPr/>
-              </a:p>
-            </p:txBody>
-          </p:sp>
-          <p:sp>
-            <p:nvSpPr>
-              <p:cNvPr id="8371" name="Google Shape;8371;p73"/>
-              <p:cNvSpPr/>
-              <p:nvPr/>
-            </p:nvSpPr>
-            <p:spPr>
-              <a:xfrm rot="4490289">
-                <a:off x="1680481" y="1188188"/>
-                <a:ext cx="177789" cy="177789"/>
-              </a:xfrm>
-              <a:prstGeom prst="ellipse">
-                <a:avLst/>
-              </a:prstGeom>
-              <a:solidFill>
-                <a:schemeClr val="dk2"/>
-              </a:solidFill>
-              <a:ln>
-                <a:noFill/>
-              </a:ln>
-            </p:spPr>
-            <p:txBody>
-              <a:bodyPr spcFirstLastPara="1" wrap="square" lIns="91425" tIns="91425" rIns="91425" bIns="91425" anchor="ctr" anchorCtr="0">
-                <a:noAutofit/>
-              </a:bodyPr>
-              <a:lstStyle/>
-              <a:p>
-                <a:pPr marL="0" lvl="0" indent="0" algn="l" rtl="0">
-                  <a:spcBef>
-                    <a:spcPts val="0"/>
-                  </a:spcBef>
-                  <a:spcAft>
-                    <a:spcPts val="0"/>
-                  </a:spcAft>
-                  <a:buNone/>
-                </a:pPr>
-                <a:endParaRPr/>
-              </a:p>
-            </p:txBody>
-          </p:sp>
-          <p:sp>
-            <p:nvSpPr>
-              <p:cNvPr id="8372" name="Google Shape;8372;p73"/>
-              <p:cNvSpPr/>
-              <p:nvPr/>
-            </p:nvSpPr>
-            <p:spPr>
-              <a:xfrm rot="4490289">
-                <a:off x="3261927" y="2124955"/>
-                <a:ext cx="177789" cy="177789"/>
-              </a:xfrm>
-              <a:prstGeom prst="ellipse">
-                <a:avLst/>
-              </a:prstGeom>
-              <a:solidFill>
-                <a:schemeClr val="dk2"/>
-              </a:solidFill>
-              <a:ln>
-                <a:noFill/>
-              </a:ln>
-            </p:spPr>
-            <p:txBody>
-              <a:bodyPr spcFirstLastPara="1" wrap="square" lIns="91425" tIns="91425" rIns="91425" bIns="91425" anchor="ctr" anchorCtr="0">
-                <a:noAutofit/>
-              </a:bodyPr>
-              <a:lstStyle/>
-              <a:p>
-                <a:pPr marL="0" lvl="0" indent="0" algn="l" rtl="0">
-                  <a:spcBef>
-                    <a:spcPts val="0"/>
-                  </a:spcBef>
-                  <a:spcAft>
-                    <a:spcPts val="0"/>
-                  </a:spcAft>
-                  <a:buNone/>
-                </a:pPr>
-                <a:endParaRPr/>
-              </a:p>
-            </p:txBody>
-          </p:sp>
-          <p:sp>
-            <p:nvSpPr>
-              <p:cNvPr id="8373" name="Google Shape;8373;p73"/>
-              <p:cNvSpPr/>
-              <p:nvPr/>
-            </p:nvSpPr>
-            <p:spPr>
-              <a:xfrm rot="4490289">
-                <a:off x="2358319" y="3717935"/>
-                <a:ext cx="177789" cy="177789"/>
-              </a:xfrm>
-              <a:prstGeom prst="ellipse">
-                <a:avLst/>
-              </a:prstGeom>
-              <a:solidFill>
-                <a:schemeClr val="dk2"/>
-              </a:solidFill>
-              <a:ln>
-                <a:noFill/>
-              </a:ln>
-            </p:spPr>
-            <p:txBody>
-              <a:bodyPr spcFirstLastPara="1" wrap="square" lIns="91425" tIns="91425" rIns="91425" bIns="91425" anchor="ctr" anchorCtr="0">
-                <a:noAutofit/>
-              </a:bodyPr>
-              <a:lstStyle/>
-              <a:p>
-                <a:pPr marL="0" lvl="0" indent="0" algn="l" rtl="0">
-                  <a:spcBef>
-                    <a:spcPts val="0"/>
-                  </a:spcBef>
-                  <a:spcAft>
-                    <a:spcPts val="0"/>
-                  </a:spcAft>
-                  <a:buNone/>
-                </a:pPr>
-                <a:endParaRPr/>
-              </a:p>
-            </p:txBody>
-          </p:sp>
-          <p:sp>
-            <p:nvSpPr>
-              <p:cNvPr id="8374" name="Google Shape;8374;p73"/>
-              <p:cNvSpPr/>
-              <p:nvPr/>
-            </p:nvSpPr>
-            <p:spPr>
-              <a:xfrm rot="4493425">
-                <a:off x="819385" y="2813326"/>
-                <a:ext cx="124297" cy="124297"/>
-              </a:xfrm>
-              <a:prstGeom prst="ellipse">
-                <a:avLst/>
-              </a:prstGeom>
-              <a:solidFill>
-                <a:schemeClr val="dk2"/>
-              </a:solidFill>
-              <a:ln>
-                <a:noFill/>
-              </a:ln>
-            </p:spPr>
-            <p:txBody>
-              <a:bodyPr spcFirstLastPara="1" wrap="square" lIns="91425" tIns="91425" rIns="91425" bIns="91425" anchor="ctr" anchorCtr="0">
-                <a:noAutofit/>
-              </a:bodyPr>
-              <a:lstStyle/>
-              <a:p>
-                <a:pPr marL="0" lvl="0" indent="0" algn="l" rtl="0">
-                  <a:spcBef>
-                    <a:spcPts val="0"/>
-                  </a:spcBef>
-                  <a:spcAft>
-                    <a:spcPts val="0"/>
-                  </a:spcAft>
-                  <a:buNone/>
-                </a:pPr>
-                <a:endParaRPr/>
-              </a:p>
-            </p:txBody>
-          </p:sp>
-          <p:sp>
-            <p:nvSpPr>
-              <p:cNvPr id="8375" name="Google Shape;8375;p73"/>
-              <p:cNvSpPr/>
-              <p:nvPr/>
-            </p:nvSpPr>
-            <p:spPr>
-              <a:xfrm rot="885439">
-                <a:off x="820720" y="2174345"/>
-                <a:ext cx="63598" cy="63598"/>
-              </a:xfrm>
-              <a:prstGeom prst="ellipse">
-                <a:avLst/>
-              </a:prstGeom>
-              <a:solidFill>
-                <a:schemeClr val="dk2"/>
-              </a:solidFill>
-              <a:ln>
-                <a:noFill/>
-              </a:ln>
-            </p:spPr>
-            <p:txBody>
-              <a:bodyPr spcFirstLastPara="1" wrap="square" lIns="91425" tIns="91425" rIns="91425" bIns="91425" anchor="ctr" anchorCtr="0">
-                <a:noAutofit/>
-              </a:bodyPr>
-              <a:lstStyle/>
-              <a:p>
-                <a:pPr marL="0" lvl="0" indent="0" algn="l" rtl="0">
-                  <a:spcBef>
-                    <a:spcPts val="0"/>
-                  </a:spcBef>
-                  <a:spcAft>
-                    <a:spcPts val="0"/>
-                  </a:spcAft>
-                  <a:buNone/>
-                </a:pPr>
-                <a:endParaRPr/>
-              </a:p>
-            </p:txBody>
-          </p:sp>
-          <p:sp>
-            <p:nvSpPr>
-              <p:cNvPr id="8376" name="Google Shape;8376;p73"/>
-              <p:cNvSpPr/>
-              <p:nvPr/>
-            </p:nvSpPr>
-            <p:spPr>
-              <a:xfrm rot="892892">
-                <a:off x="2365652" y="1216223"/>
-                <a:ext cx="177555" cy="177555"/>
-              </a:xfrm>
-              <a:prstGeom prst="ellipse">
-                <a:avLst/>
-              </a:prstGeom>
-              <a:solidFill>
-                <a:schemeClr val="dk2"/>
-              </a:solidFill>
-              <a:ln>
-                <a:noFill/>
-              </a:ln>
-            </p:spPr>
-            <p:txBody>
-              <a:bodyPr spcFirstLastPara="1" wrap="square" lIns="91425" tIns="91425" rIns="91425" bIns="91425" anchor="ctr" anchorCtr="0">
-                <a:noAutofit/>
-              </a:bodyPr>
-              <a:lstStyle/>
-              <a:p>
-                <a:pPr marL="0" lvl="0" indent="0" algn="l" rtl="0">
-                  <a:spcBef>
-                    <a:spcPts val="0"/>
-                  </a:spcBef>
-                  <a:spcAft>
-                    <a:spcPts val="0"/>
-                  </a:spcAft>
-                  <a:buNone/>
-                </a:pPr>
-                <a:endParaRPr/>
-              </a:p>
-            </p:txBody>
-          </p:sp>
-          <p:sp>
-            <p:nvSpPr>
-              <p:cNvPr id="8377" name="Google Shape;8377;p73"/>
-              <p:cNvSpPr/>
-              <p:nvPr/>
-            </p:nvSpPr>
-            <p:spPr>
-              <a:xfrm rot="892892">
-                <a:off x="3293396" y="2795269"/>
-                <a:ext cx="177555" cy="177555"/>
-              </a:xfrm>
-              <a:prstGeom prst="ellipse">
-                <a:avLst/>
-              </a:prstGeom>
-              <a:solidFill>
-                <a:schemeClr val="dk2"/>
-              </a:solidFill>
-              <a:ln>
-                <a:noFill/>
-              </a:ln>
-            </p:spPr>
-            <p:txBody>
-              <a:bodyPr spcFirstLastPara="1" wrap="square" lIns="91425" tIns="91425" rIns="91425" bIns="91425" anchor="ctr" anchorCtr="0">
-                <a:noAutofit/>
-              </a:bodyPr>
-              <a:lstStyle/>
-              <a:p>
-                <a:pPr marL="0" lvl="0" indent="0" algn="l" rtl="0">
-                  <a:spcBef>
-                    <a:spcPts val="0"/>
-                  </a:spcBef>
-                  <a:spcAft>
-                    <a:spcPts val="0"/>
-                  </a:spcAft>
-                  <a:buNone/>
-                </a:pPr>
-                <a:endParaRPr/>
-              </a:p>
-            </p:txBody>
-          </p:sp>
-          <p:sp>
-            <p:nvSpPr>
-              <p:cNvPr id="8378" name="Google Shape;8378;p73"/>
-              <p:cNvSpPr/>
-              <p:nvPr/>
-            </p:nvSpPr>
-            <p:spPr>
-              <a:xfrm rot="892892">
-                <a:off x="1704033" y="3685440"/>
-                <a:ext cx="177555" cy="177555"/>
-              </a:xfrm>
-              <a:prstGeom prst="ellipse">
-                <a:avLst/>
-              </a:prstGeom>
-              <a:solidFill>
-                <a:schemeClr val="dk2"/>
-              </a:solidFill>
-              <a:ln>
-                <a:noFill/>
-              </a:ln>
-            </p:spPr>
-            <p:txBody>
-              <a:bodyPr spcFirstLastPara="1" wrap="square" lIns="91425" tIns="91425" rIns="91425" bIns="91425" anchor="ctr" anchorCtr="0">
-                <a:noAutofit/>
-              </a:bodyPr>
-              <a:lstStyle/>
-              <a:p>
-                <a:pPr marL="0" lvl="0" indent="0" algn="l" rtl="0">
-                  <a:spcBef>
-                    <a:spcPts val="0"/>
-                  </a:spcBef>
-                  <a:spcAft>
-                    <a:spcPts val="0"/>
-                  </a:spcAft>
-                  <a:buNone/>
-                </a:pPr>
-                <a:endParaRPr/>
-              </a:p>
-            </p:txBody>
-          </p:sp>
-        </p:grpSp>
-        <p:grpSp>
-          <p:nvGrpSpPr>
-            <p:cNvPr id="8379" name="Google Shape;8379;p73"/>
-            <p:cNvGrpSpPr/>
-            <p:nvPr/>
-          </p:nvGrpSpPr>
-          <p:grpSpPr>
-            <a:xfrm>
-              <a:off x="5963944" y="1461027"/>
-              <a:ext cx="2172325" cy="2161914"/>
-              <a:chOff x="748475" y="1167800"/>
-              <a:chExt cx="2761313" cy="2748080"/>
-            </a:xfrm>
-          </p:grpSpPr>
-          <p:sp>
-            <p:nvSpPr>
-              <p:cNvPr id="8380" name="Google Shape;8380;p73"/>
-              <p:cNvSpPr/>
-              <p:nvPr/>
-            </p:nvSpPr>
-            <p:spPr>
-              <a:xfrm>
-                <a:off x="748475" y="2488173"/>
-                <a:ext cx="107100" cy="107100"/>
-              </a:xfrm>
-              <a:prstGeom prst="ellipse">
-                <a:avLst/>
-              </a:prstGeom>
-              <a:solidFill>
-                <a:schemeClr val="dk2"/>
-              </a:solidFill>
-              <a:ln>
-                <a:noFill/>
-              </a:ln>
-            </p:spPr>
-            <p:txBody>
-              <a:bodyPr spcFirstLastPara="1" wrap="square" lIns="91425" tIns="91425" rIns="91425" bIns="91425" anchor="ctr" anchorCtr="0">
-                <a:noAutofit/>
-              </a:bodyPr>
-              <a:lstStyle/>
-              <a:p>
-                <a:pPr marL="0" lvl="0" indent="0" algn="l" rtl="0">
-                  <a:spcBef>
-                    <a:spcPts val="0"/>
-                  </a:spcBef>
-                  <a:spcAft>
-                    <a:spcPts val="0"/>
-                  </a:spcAft>
-                  <a:buNone/>
-                </a:pPr>
-                <a:endParaRPr/>
-              </a:p>
-            </p:txBody>
-          </p:sp>
-          <p:sp>
-            <p:nvSpPr>
-              <p:cNvPr id="8381" name="Google Shape;8381;p73"/>
-              <p:cNvSpPr/>
-              <p:nvPr/>
-            </p:nvSpPr>
-            <p:spPr>
-              <a:xfrm>
-                <a:off x="2027373" y="1167800"/>
-                <a:ext cx="177600" cy="177600"/>
-              </a:xfrm>
-              <a:prstGeom prst="ellipse">
-                <a:avLst/>
-              </a:prstGeom>
-              <a:solidFill>
-                <a:schemeClr val="dk2"/>
-              </a:solidFill>
-              <a:ln>
-                <a:noFill/>
-              </a:ln>
-            </p:spPr>
-            <p:txBody>
-              <a:bodyPr spcFirstLastPara="1" wrap="square" lIns="91425" tIns="91425" rIns="91425" bIns="91425" anchor="ctr" anchorCtr="0">
-                <a:noAutofit/>
-              </a:bodyPr>
-              <a:lstStyle/>
-              <a:p>
-                <a:pPr marL="0" lvl="0" indent="0" algn="l" rtl="0">
-                  <a:spcBef>
-                    <a:spcPts val="0"/>
-                  </a:spcBef>
-                  <a:spcAft>
-                    <a:spcPts val="0"/>
-                  </a:spcAft>
-                  <a:buNone/>
-                </a:pPr>
-                <a:endParaRPr/>
-              </a:p>
-            </p:txBody>
-          </p:sp>
-          <p:sp>
-            <p:nvSpPr>
-              <p:cNvPr id="8382" name="Google Shape;8382;p73"/>
-              <p:cNvSpPr/>
-              <p:nvPr/>
-            </p:nvSpPr>
-            <p:spPr>
-              <a:xfrm>
-                <a:off x="3332188" y="2452921"/>
-                <a:ext cx="177600" cy="177600"/>
-              </a:xfrm>
-              <a:prstGeom prst="ellipse">
-                <a:avLst/>
-              </a:prstGeom>
-              <a:solidFill>
-                <a:schemeClr val="dk2"/>
-              </a:solidFill>
-              <a:ln>
-                <a:noFill/>
-              </a:ln>
-            </p:spPr>
-            <p:txBody>
-              <a:bodyPr spcFirstLastPara="1" wrap="square" lIns="91425" tIns="91425" rIns="91425" bIns="91425" anchor="ctr" anchorCtr="0">
-                <a:noAutofit/>
-              </a:bodyPr>
-              <a:lstStyle/>
-              <a:p>
-                <a:pPr marL="0" lvl="0" indent="0" algn="l" rtl="0">
-                  <a:spcBef>
-                    <a:spcPts val="0"/>
-                  </a:spcBef>
-                  <a:spcAft>
-                    <a:spcPts val="0"/>
-                  </a:spcAft>
-                  <a:buNone/>
-                </a:pPr>
-                <a:endParaRPr/>
-              </a:p>
-            </p:txBody>
-          </p:sp>
-          <p:sp>
-            <p:nvSpPr>
-              <p:cNvPr id="8383" name="Google Shape;8383;p73"/>
-              <p:cNvSpPr/>
-              <p:nvPr/>
-            </p:nvSpPr>
-            <p:spPr>
-              <a:xfrm>
-                <a:off x="2027373" y="3724122"/>
-                <a:ext cx="177600" cy="177600"/>
-              </a:xfrm>
-              <a:prstGeom prst="ellipse">
-                <a:avLst/>
-              </a:prstGeom>
-              <a:solidFill>
-                <a:schemeClr val="dk2"/>
-              </a:solidFill>
-              <a:ln>
-                <a:noFill/>
-              </a:ln>
-            </p:spPr>
-            <p:txBody>
-              <a:bodyPr spcFirstLastPara="1" wrap="square" lIns="91425" tIns="91425" rIns="91425" bIns="91425" anchor="ctr" anchorCtr="0">
-                <a:noAutofit/>
-              </a:bodyPr>
-              <a:lstStyle/>
-              <a:p>
-                <a:pPr marL="0" lvl="0" indent="0" algn="l" rtl="0">
-                  <a:spcBef>
-                    <a:spcPts val="0"/>
-                  </a:spcBef>
-                  <a:spcAft>
-                    <a:spcPts val="0"/>
-                  </a:spcAft>
-                  <a:buNone/>
-                </a:pPr>
-                <a:endParaRPr/>
-              </a:p>
-            </p:txBody>
-          </p:sp>
-          <p:sp>
-            <p:nvSpPr>
-              <p:cNvPr id="8384" name="Google Shape;8384;p73"/>
-              <p:cNvSpPr/>
-              <p:nvPr/>
-            </p:nvSpPr>
-            <p:spPr>
-              <a:xfrm rot="2700000">
-                <a:off x="2934674" y="1540452"/>
-                <a:ext cx="177767" cy="177767"/>
-              </a:xfrm>
-              <a:prstGeom prst="ellipse">
-                <a:avLst/>
-              </a:prstGeom>
-              <a:solidFill>
-                <a:schemeClr val="dk2"/>
-              </a:solidFill>
-              <a:ln>
-                <a:noFill/>
-              </a:ln>
-            </p:spPr>
-            <p:txBody>
-              <a:bodyPr spcFirstLastPara="1" wrap="square" lIns="91425" tIns="91425" rIns="91425" bIns="91425" anchor="ctr" anchorCtr="0">
-                <a:noAutofit/>
-              </a:bodyPr>
-              <a:lstStyle/>
-              <a:p>
-                <a:pPr marL="0" lvl="0" indent="0" algn="l" rtl="0">
-                  <a:spcBef>
-                    <a:spcPts val="0"/>
-                  </a:spcBef>
-                  <a:spcAft>
-                    <a:spcPts val="0"/>
-                  </a:spcAft>
-                  <a:buNone/>
-                </a:pPr>
-                <a:endParaRPr/>
-              </a:p>
-            </p:txBody>
-          </p:sp>
-          <p:sp>
-            <p:nvSpPr>
-              <p:cNvPr id="8385" name="Google Shape;8385;p73"/>
-              <p:cNvSpPr/>
-              <p:nvPr/>
-            </p:nvSpPr>
-            <p:spPr>
-              <a:xfrm rot="2700000">
-                <a:off x="2948609" y="3371822"/>
-                <a:ext cx="177767" cy="177767"/>
-              </a:xfrm>
-              <a:prstGeom prst="ellipse">
-                <a:avLst/>
-              </a:prstGeom>
-              <a:solidFill>
-                <a:schemeClr val="dk2"/>
-              </a:solidFill>
-              <a:ln>
-                <a:noFill/>
-              </a:ln>
-            </p:spPr>
-            <p:txBody>
-              <a:bodyPr spcFirstLastPara="1" wrap="square" lIns="91425" tIns="91425" rIns="91425" bIns="91425" anchor="ctr" anchorCtr="0">
-                <a:noAutofit/>
-              </a:bodyPr>
-              <a:lstStyle/>
-              <a:p>
-                <a:pPr marL="0" lvl="0" indent="0" algn="l" rtl="0">
-                  <a:spcBef>
-                    <a:spcPts val="0"/>
-                  </a:spcBef>
-                  <a:spcAft>
-                    <a:spcPts val="0"/>
-                  </a:spcAft>
-                  <a:buNone/>
-                </a:pPr>
-                <a:endParaRPr/>
-              </a:p>
-            </p:txBody>
-          </p:sp>
-          <p:sp>
-            <p:nvSpPr>
-              <p:cNvPr id="8386" name="Google Shape;8386;p73"/>
-              <p:cNvSpPr/>
-              <p:nvPr/>
-            </p:nvSpPr>
-            <p:spPr>
-              <a:xfrm rot="2700000">
-                <a:off x="1138335" y="3359285"/>
-                <a:ext cx="155281" cy="155281"/>
-              </a:xfrm>
-              <a:prstGeom prst="ellipse">
-                <a:avLst/>
-              </a:prstGeom>
-              <a:solidFill>
-                <a:schemeClr val="dk2"/>
-              </a:solidFill>
-              <a:ln>
-                <a:noFill/>
-              </a:ln>
-            </p:spPr>
-            <p:txBody>
-              <a:bodyPr spcFirstLastPara="1" wrap="square" lIns="91425" tIns="91425" rIns="91425" bIns="91425" anchor="ctr" anchorCtr="0">
-                <a:noAutofit/>
-              </a:bodyPr>
-              <a:lstStyle/>
-              <a:p>
-                <a:pPr marL="0" lvl="0" indent="0" algn="l" rtl="0">
-                  <a:spcBef>
-                    <a:spcPts val="0"/>
-                  </a:spcBef>
-                  <a:spcAft>
-                    <a:spcPts val="0"/>
-                  </a:spcAft>
-                  <a:buNone/>
-                </a:pPr>
-                <a:endParaRPr/>
-              </a:p>
-            </p:txBody>
-          </p:sp>
-          <p:sp>
-            <p:nvSpPr>
-              <p:cNvPr id="8387" name="Google Shape;8387;p73"/>
-              <p:cNvSpPr/>
-              <p:nvPr/>
-            </p:nvSpPr>
-            <p:spPr>
-              <a:xfrm rot="1807217">
-                <a:off x="959281" y="1868183"/>
-                <a:ext cx="45435" cy="45435"/>
-              </a:xfrm>
-              <a:prstGeom prst="ellipse">
-                <a:avLst/>
-              </a:prstGeom>
-              <a:solidFill>
-                <a:schemeClr val="dk2"/>
-              </a:solidFill>
-              <a:ln>
-                <a:noFill/>
-              </a:ln>
-            </p:spPr>
-            <p:txBody>
-              <a:bodyPr spcFirstLastPara="1" wrap="square" lIns="91425" tIns="91425" rIns="91425" bIns="91425" anchor="ctr" anchorCtr="0">
-                <a:noAutofit/>
-              </a:bodyPr>
-              <a:lstStyle/>
-              <a:p>
-                <a:pPr marL="0" lvl="0" indent="0" algn="l" rtl="0">
-                  <a:spcBef>
-                    <a:spcPts val="0"/>
-                  </a:spcBef>
-                  <a:spcAft>
-                    <a:spcPts val="0"/>
-                  </a:spcAft>
-                  <a:buNone/>
-                </a:pPr>
-                <a:endParaRPr/>
-              </a:p>
-            </p:txBody>
-          </p:sp>
-          <p:sp>
-            <p:nvSpPr>
-              <p:cNvPr id="8388" name="Google Shape;8388;p73"/>
-              <p:cNvSpPr/>
-              <p:nvPr/>
-            </p:nvSpPr>
-            <p:spPr>
-              <a:xfrm rot="1804115">
-                <a:off x="2673760" y="1346056"/>
-                <a:ext cx="177831" cy="177831"/>
-              </a:xfrm>
-              <a:prstGeom prst="ellipse">
-                <a:avLst/>
-              </a:prstGeom>
-              <a:solidFill>
-                <a:schemeClr val="dk2"/>
-              </a:solidFill>
-              <a:ln>
-                <a:noFill/>
-              </a:ln>
-            </p:spPr>
-            <p:txBody>
-              <a:bodyPr spcFirstLastPara="1" wrap="square" lIns="91425" tIns="91425" rIns="91425" bIns="91425" anchor="ctr" anchorCtr="0">
-                <a:noAutofit/>
-              </a:bodyPr>
-              <a:lstStyle/>
-              <a:p>
-                <a:pPr marL="0" lvl="0" indent="0" algn="l" rtl="0">
-                  <a:spcBef>
-                    <a:spcPts val="0"/>
-                  </a:spcBef>
-                  <a:spcAft>
-                    <a:spcPts val="0"/>
-                  </a:spcAft>
-                  <a:buNone/>
-                </a:pPr>
-                <a:endParaRPr/>
-              </a:p>
-            </p:txBody>
-          </p:sp>
-          <p:sp>
-            <p:nvSpPr>
-              <p:cNvPr id="8389" name="Google Shape;8389;p73"/>
-              <p:cNvSpPr/>
-              <p:nvPr/>
-            </p:nvSpPr>
-            <p:spPr>
-              <a:xfrm rot="1804115">
-                <a:off x="3161209" y="3111417"/>
-                <a:ext cx="177831" cy="177831"/>
-              </a:xfrm>
-              <a:prstGeom prst="ellipse">
-                <a:avLst/>
-              </a:prstGeom>
-              <a:solidFill>
-                <a:schemeClr val="dk2"/>
-              </a:solidFill>
-              <a:ln>
-                <a:noFill/>
-              </a:ln>
-            </p:spPr>
-            <p:txBody>
-              <a:bodyPr spcFirstLastPara="1" wrap="square" lIns="91425" tIns="91425" rIns="91425" bIns="91425" anchor="ctr" anchorCtr="0">
-                <a:noAutofit/>
-              </a:bodyPr>
-              <a:lstStyle/>
-              <a:p>
-                <a:pPr marL="0" lvl="0" indent="0" algn="l" rtl="0">
-                  <a:spcBef>
-                    <a:spcPts val="0"/>
-                  </a:spcBef>
-                  <a:spcAft>
-                    <a:spcPts val="0"/>
-                  </a:spcAft>
-                  <a:buNone/>
-                </a:pPr>
-                <a:endParaRPr/>
-              </a:p>
-            </p:txBody>
-          </p:sp>
-          <p:sp>
-            <p:nvSpPr>
-              <p:cNvPr id="8390" name="Google Shape;8390;p73"/>
-              <p:cNvSpPr/>
-              <p:nvPr/>
-            </p:nvSpPr>
-            <p:spPr>
-              <a:xfrm rot="1801578">
-                <a:off x="1401275" y="3565441"/>
-                <a:ext cx="166667" cy="166667"/>
-              </a:xfrm>
-              <a:prstGeom prst="ellipse">
-                <a:avLst/>
-              </a:prstGeom>
-              <a:solidFill>
-                <a:schemeClr val="dk2"/>
-              </a:solidFill>
-              <a:ln>
-                <a:noFill/>
-              </a:ln>
-            </p:spPr>
-            <p:txBody>
-              <a:bodyPr spcFirstLastPara="1" wrap="square" lIns="91425" tIns="91425" rIns="91425" bIns="91425" anchor="ctr" anchorCtr="0">
-                <a:noAutofit/>
-              </a:bodyPr>
-              <a:lstStyle/>
-              <a:p>
-                <a:pPr marL="0" lvl="0" indent="0" algn="l" rtl="0">
-                  <a:spcBef>
-                    <a:spcPts val="0"/>
-                  </a:spcBef>
-                  <a:spcAft>
-                    <a:spcPts val="0"/>
-                  </a:spcAft>
-                  <a:buNone/>
-                </a:pPr>
-                <a:endParaRPr/>
-              </a:p>
-            </p:txBody>
-          </p:sp>
-          <p:sp>
-            <p:nvSpPr>
-              <p:cNvPr id="8391" name="Google Shape;8391;p73"/>
-              <p:cNvSpPr/>
-              <p:nvPr/>
-            </p:nvSpPr>
-            <p:spPr>
-              <a:xfrm rot="3595885">
-                <a:off x="1364322" y="1318921"/>
-                <a:ext cx="177831" cy="177831"/>
-              </a:xfrm>
-              <a:prstGeom prst="ellipse">
-                <a:avLst/>
-              </a:prstGeom>
-              <a:solidFill>
-                <a:schemeClr val="dk2"/>
-              </a:solidFill>
-              <a:ln>
-                <a:noFill/>
-              </a:ln>
-            </p:spPr>
-            <p:txBody>
-              <a:bodyPr spcFirstLastPara="1" wrap="square" lIns="91425" tIns="91425" rIns="91425" bIns="91425" anchor="ctr" anchorCtr="0">
-                <a:noAutofit/>
-              </a:bodyPr>
-              <a:lstStyle/>
-              <a:p>
-                <a:pPr marL="0" lvl="0" indent="0" algn="l" rtl="0">
-                  <a:spcBef>
-                    <a:spcPts val="0"/>
-                  </a:spcBef>
-                  <a:spcAft>
-                    <a:spcPts val="0"/>
-                  </a:spcAft>
-                  <a:buNone/>
-                </a:pPr>
-                <a:endParaRPr/>
-              </a:p>
-            </p:txBody>
-          </p:sp>
-          <p:sp>
-            <p:nvSpPr>
-              <p:cNvPr id="8392" name="Google Shape;8392;p73"/>
-              <p:cNvSpPr/>
-              <p:nvPr/>
-            </p:nvSpPr>
-            <p:spPr>
-              <a:xfrm rot="3595885">
-                <a:off x="3134333" y="1814456"/>
-                <a:ext cx="177831" cy="177831"/>
-              </a:xfrm>
-              <a:prstGeom prst="ellipse">
-                <a:avLst/>
-              </a:prstGeom>
-              <a:solidFill>
-                <a:schemeClr val="dk2"/>
-              </a:solidFill>
-              <a:ln>
-                <a:noFill/>
-              </a:ln>
-            </p:spPr>
-            <p:txBody>
-              <a:bodyPr spcFirstLastPara="1" wrap="square" lIns="91425" tIns="91425" rIns="91425" bIns="91425" anchor="ctr" anchorCtr="0">
-                <a:noAutofit/>
-              </a:bodyPr>
-              <a:lstStyle/>
-              <a:p>
-                <a:pPr marL="0" lvl="0" indent="0" algn="l" rtl="0">
-                  <a:spcBef>
-                    <a:spcPts val="0"/>
-                  </a:spcBef>
-                  <a:spcAft>
-                    <a:spcPts val="0"/>
-                  </a:spcAft>
-                  <a:buNone/>
-                </a:pPr>
-                <a:endParaRPr/>
-              </a:p>
-            </p:txBody>
-          </p:sp>
-          <p:sp>
-            <p:nvSpPr>
-              <p:cNvPr id="8393" name="Google Shape;8393;p73"/>
-              <p:cNvSpPr/>
-              <p:nvPr/>
-            </p:nvSpPr>
-            <p:spPr>
-              <a:xfrm rot="3595885">
-                <a:off x="2673804" y="3587030"/>
-                <a:ext cx="177831" cy="177831"/>
-              </a:xfrm>
-              <a:prstGeom prst="ellipse">
-                <a:avLst/>
-              </a:prstGeom>
-              <a:solidFill>
-                <a:schemeClr val="dk2"/>
-              </a:solidFill>
-              <a:ln>
-                <a:noFill/>
-              </a:ln>
-            </p:spPr>
-            <p:txBody>
-              <a:bodyPr spcFirstLastPara="1" wrap="square" lIns="91425" tIns="91425" rIns="91425" bIns="91425" anchor="ctr" anchorCtr="0">
-                <a:noAutofit/>
-              </a:bodyPr>
-              <a:lstStyle/>
-              <a:p>
-                <a:pPr marL="0" lvl="0" indent="0" algn="l" rtl="0">
-                  <a:spcBef>
-                    <a:spcPts val="0"/>
-                  </a:spcBef>
-                  <a:spcAft>
-                    <a:spcPts val="0"/>
-                  </a:spcAft>
-                  <a:buNone/>
-                </a:pPr>
-                <a:endParaRPr/>
-              </a:p>
-            </p:txBody>
-          </p:sp>
-          <p:sp>
-            <p:nvSpPr>
-              <p:cNvPr id="8394" name="Google Shape;8394;p73"/>
-              <p:cNvSpPr/>
-              <p:nvPr/>
-            </p:nvSpPr>
-            <p:spPr>
-              <a:xfrm rot="3598200">
-                <a:off x="938347" y="3110438"/>
-                <a:ext cx="142071" cy="142071"/>
-              </a:xfrm>
-              <a:prstGeom prst="ellipse">
-                <a:avLst/>
-              </a:prstGeom>
-              <a:solidFill>
-                <a:schemeClr val="dk2"/>
-              </a:solidFill>
-              <a:ln>
-                <a:noFill/>
-              </a:ln>
-            </p:spPr>
-            <p:txBody>
-              <a:bodyPr spcFirstLastPara="1" wrap="square" lIns="91425" tIns="91425" rIns="91425" bIns="91425" anchor="ctr" anchorCtr="0">
-                <a:noAutofit/>
-              </a:bodyPr>
-              <a:lstStyle/>
-              <a:p>
-                <a:pPr marL="0" lvl="0" indent="0" algn="l" rtl="0">
-                  <a:spcBef>
-                    <a:spcPts val="0"/>
-                  </a:spcBef>
-                  <a:spcAft>
-                    <a:spcPts val="0"/>
-                  </a:spcAft>
-                  <a:buNone/>
-                </a:pPr>
-                <a:endParaRPr/>
-              </a:p>
-            </p:txBody>
-          </p:sp>
-          <p:sp>
-            <p:nvSpPr>
-              <p:cNvPr id="8395" name="Google Shape;8395;p73"/>
-              <p:cNvSpPr/>
-              <p:nvPr/>
-            </p:nvSpPr>
-            <p:spPr>
-              <a:xfrm rot="4490289">
-                <a:off x="1680481" y="1188188"/>
-                <a:ext cx="177789" cy="177789"/>
-              </a:xfrm>
-              <a:prstGeom prst="ellipse">
-                <a:avLst/>
-              </a:prstGeom>
-              <a:solidFill>
-                <a:schemeClr val="dk2"/>
-              </a:solidFill>
-              <a:ln>
-                <a:noFill/>
-              </a:ln>
-            </p:spPr>
-            <p:txBody>
-              <a:bodyPr spcFirstLastPara="1" wrap="square" lIns="91425" tIns="91425" rIns="91425" bIns="91425" anchor="ctr" anchorCtr="0">
-                <a:noAutofit/>
-              </a:bodyPr>
-              <a:lstStyle/>
-              <a:p>
-                <a:pPr marL="0" lvl="0" indent="0" algn="l" rtl="0">
-                  <a:spcBef>
-                    <a:spcPts val="0"/>
-                  </a:spcBef>
-                  <a:spcAft>
-                    <a:spcPts val="0"/>
-                  </a:spcAft>
-                  <a:buNone/>
-                </a:pPr>
-                <a:endParaRPr/>
-              </a:p>
-            </p:txBody>
-          </p:sp>
-          <p:sp>
-            <p:nvSpPr>
-              <p:cNvPr id="8396" name="Google Shape;8396;p73"/>
-              <p:cNvSpPr/>
-              <p:nvPr/>
-            </p:nvSpPr>
-            <p:spPr>
-              <a:xfrm rot="4490289">
-                <a:off x="3261927" y="2124955"/>
-                <a:ext cx="177789" cy="177789"/>
-              </a:xfrm>
-              <a:prstGeom prst="ellipse">
-                <a:avLst/>
-              </a:prstGeom>
-              <a:solidFill>
-                <a:schemeClr val="dk2"/>
-              </a:solidFill>
-              <a:ln>
-                <a:noFill/>
-              </a:ln>
-            </p:spPr>
-            <p:txBody>
-              <a:bodyPr spcFirstLastPara="1" wrap="square" lIns="91425" tIns="91425" rIns="91425" bIns="91425" anchor="ctr" anchorCtr="0">
-                <a:noAutofit/>
-              </a:bodyPr>
-              <a:lstStyle/>
-              <a:p>
-                <a:pPr marL="0" lvl="0" indent="0" algn="l" rtl="0">
-                  <a:spcBef>
-                    <a:spcPts val="0"/>
-                  </a:spcBef>
-                  <a:spcAft>
-                    <a:spcPts val="0"/>
-                  </a:spcAft>
-                  <a:buNone/>
-                </a:pPr>
-                <a:endParaRPr/>
-              </a:p>
-            </p:txBody>
-          </p:sp>
-          <p:sp>
-            <p:nvSpPr>
-              <p:cNvPr id="8397" name="Google Shape;8397;p73"/>
-              <p:cNvSpPr/>
-              <p:nvPr/>
-            </p:nvSpPr>
-            <p:spPr>
-              <a:xfrm rot="4490289">
-                <a:off x="2358319" y="3717935"/>
-                <a:ext cx="177789" cy="177789"/>
-              </a:xfrm>
-              <a:prstGeom prst="ellipse">
-                <a:avLst/>
-              </a:prstGeom>
-              <a:solidFill>
-                <a:schemeClr val="dk2"/>
-              </a:solidFill>
-              <a:ln>
-                <a:noFill/>
-              </a:ln>
-            </p:spPr>
-            <p:txBody>
-              <a:bodyPr spcFirstLastPara="1" wrap="square" lIns="91425" tIns="91425" rIns="91425" bIns="91425" anchor="ctr" anchorCtr="0">
-                <a:noAutofit/>
-              </a:bodyPr>
-              <a:lstStyle/>
-              <a:p>
-                <a:pPr marL="0" lvl="0" indent="0" algn="l" rtl="0">
-                  <a:spcBef>
-                    <a:spcPts val="0"/>
-                  </a:spcBef>
-                  <a:spcAft>
-                    <a:spcPts val="0"/>
-                  </a:spcAft>
-                  <a:buNone/>
-                </a:pPr>
-                <a:endParaRPr/>
-              </a:p>
-            </p:txBody>
-          </p:sp>
-          <p:sp>
-            <p:nvSpPr>
-              <p:cNvPr id="8398" name="Google Shape;8398;p73"/>
-              <p:cNvSpPr/>
-              <p:nvPr/>
-            </p:nvSpPr>
-            <p:spPr>
-              <a:xfrm rot="4493425">
-                <a:off x="819385" y="2813326"/>
-                <a:ext cx="124297" cy="124297"/>
-              </a:xfrm>
-              <a:prstGeom prst="ellipse">
-                <a:avLst/>
-              </a:prstGeom>
-              <a:solidFill>
-                <a:schemeClr val="dk2"/>
-              </a:solidFill>
-              <a:ln>
-                <a:noFill/>
-              </a:ln>
-            </p:spPr>
-            <p:txBody>
-              <a:bodyPr spcFirstLastPara="1" wrap="square" lIns="91425" tIns="91425" rIns="91425" bIns="91425" anchor="ctr" anchorCtr="0">
-                <a:noAutofit/>
-              </a:bodyPr>
-              <a:lstStyle/>
-              <a:p>
-                <a:pPr marL="0" lvl="0" indent="0" algn="l" rtl="0">
-                  <a:spcBef>
-                    <a:spcPts val="0"/>
-                  </a:spcBef>
-                  <a:spcAft>
-                    <a:spcPts val="0"/>
-                  </a:spcAft>
-                  <a:buNone/>
-                </a:pPr>
-                <a:endParaRPr/>
-              </a:p>
-            </p:txBody>
-          </p:sp>
-          <p:sp>
-            <p:nvSpPr>
-              <p:cNvPr id="8399" name="Google Shape;8399;p73"/>
-              <p:cNvSpPr/>
-              <p:nvPr/>
-            </p:nvSpPr>
-            <p:spPr>
-              <a:xfrm rot="885439">
-                <a:off x="820720" y="2174345"/>
-                <a:ext cx="63598" cy="63598"/>
-              </a:xfrm>
-              <a:prstGeom prst="ellipse">
-                <a:avLst/>
-              </a:prstGeom>
-              <a:solidFill>
-                <a:schemeClr val="dk2"/>
-              </a:solidFill>
-              <a:ln>
-                <a:noFill/>
-              </a:ln>
-            </p:spPr>
-            <p:txBody>
-              <a:bodyPr spcFirstLastPara="1" wrap="square" lIns="91425" tIns="91425" rIns="91425" bIns="91425" anchor="ctr" anchorCtr="0">
-                <a:noAutofit/>
-              </a:bodyPr>
-              <a:lstStyle/>
-              <a:p>
-                <a:pPr marL="0" lvl="0" indent="0" algn="l" rtl="0">
-                  <a:spcBef>
-                    <a:spcPts val="0"/>
-                  </a:spcBef>
-                  <a:spcAft>
-                    <a:spcPts val="0"/>
-                  </a:spcAft>
-                  <a:buNone/>
-                </a:pPr>
-                <a:endParaRPr/>
-              </a:p>
-            </p:txBody>
-          </p:sp>
-          <p:sp>
-            <p:nvSpPr>
-              <p:cNvPr id="8400" name="Google Shape;8400;p73"/>
-              <p:cNvSpPr/>
-              <p:nvPr/>
-            </p:nvSpPr>
-            <p:spPr>
-              <a:xfrm rot="892892">
-                <a:off x="2365652" y="1216223"/>
-                <a:ext cx="177555" cy="177555"/>
-              </a:xfrm>
-              <a:prstGeom prst="ellipse">
-                <a:avLst/>
-              </a:prstGeom>
-              <a:solidFill>
-                <a:schemeClr val="dk2"/>
-              </a:solidFill>
-              <a:ln>
-                <a:noFill/>
-              </a:ln>
-            </p:spPr>
-            <p:txBody>
-              <a:bodyPr spcFirstLastPara="1" wrap="square" lIns="91425" tIns="91425" rIns="91425" bIns="91425" anchor="ctr" anchorCtr="0">
-                <a:noAutofit/>
-              </a:bodyPr>
-              <a:lstStyle/>
-              <a:p>
-                <a:pPr marL="0" lvl="0" indent="0" algn="l" rtl="0">
-                  <a:spcBef>
-                    <a:spcPts val="0"/>
-                  </a:spcBef>
-                  <a:spcAft>
-                    <a:spcPts val="0"/>
-                  </a:spcAft>
-                  <a:buNone/>
-                </a:pPr>
-                <a:endParaRPr/>
-              </a:p>
-            </p:txBody>
-          </p:sp>
-          <p:sp>
-            <p:nvSpPr>
-              <p:cNvPr id="8401" name="Google Shape;8401;p73"/>
-              <p:cNvSpPr/>
-              <p:nvPr/>
-            </p:nvSpPr>
-            <p:spPr>
-              <a:xfrm rot="892892">
-                <a:off x="3293396" y="2795269"/>
-                <a:ext cx="177555" cy="177555"/>
-              </a:xfrm>
-              <a:prstGeom prst="ellipse">
-                <a:avLst/>
-              </a:prstGeom>
-              <a:solidFill>
-                <a:schemeClr val="dk2"/>
-              </a:solidFill>
-              <a:ln>
-                <a:noFill/>
-              </a:ln>
-            </p:spPr>
-            <p:txBody>
-              <a:bodyPr spcFirstLastPara="1" wrap="square" lIns="91425" tIns="91425" rIns="91425" bIns="91425" anchor="ctr" anchorCtr="0">
-                <a:noAutofit/>
-              </a:bodyPr>
-              <a:lstStyle/>
-              <a:p>
-                <a:pPr marL="0" lvl="0" indent="0" algn="l" rtl="0">
-                  <a:spcBef>
-                    <a:spcPts val="0"/>
-                  </a:spcBef>
-                  <a:spcAft>
-                    <a:spcPts val="0"/>
-                  </a:spcAft>
-                  <a:buNone/>
-                </a:pPr>
-                <a:endParaRPr/>
-              </a:p>
-            </p:txBody>
-          </p:sp>
-          <p:sp>
-            <p:nvSpPr>
-              <p:cNvPr id="8402" name="Google Shape;8402;p73"/>
-              <p:cNvSpPr/>
-              <p:nvPr/>
-            </p:nvSpPr>
-            <p:spPr>
-              <a:xfrm rot="892892">
-                <a:off x="1704033" y="3685440"/>
-                <a:ext cx="177555" cy="177555"/>
-              </a:xfrm>
-              <a:prstGeom prst="ellipse">
-                <a:avLst/>
-              </a:prstGeom>
-              <a:solidFill>
-                <a:schemeClr val="dk2"/>
-              </a:solidFill>
-              <a:ln>
-                <a:noFill/>
-              </a:ln>
-            </p:spPr>
-            <p:txBody>
-              <a:bodyPr spcFirstLastPara="1" wrap="square" lIns="91425" tIns="91425" rIns="91425" bIns="91425" anchor="ctr" anchorCtr="0">
-                <a:noAutofit/>
-              </a:bodyPr>
-              <a:lstStyle/>
-              <a:p>
-                <a:pPr marL="0" lvl="0" indent="0" algn="l" rtl="0">
-                  <a:spcBef>
-                    <a:spcPts val="0"/>
-                  </a:spcBef>
-                  <a:spcAft>
-                    <a:spcPts val="0"/>
-                  </a:spcAft>
-                  <a:buNone/>
-                </a:pPr>
-                <a:endParaRPr/>
-              </a:p>
-            </p:txBody>
-          </p:sp>
-        </p:grpSp>
-        <p:grpSp>
-          <p:nvGrpSpPr>
-            <p:cNvPr id="8403" name="Google Shape;8403;p73"/>
-            <p:cNvGrpSpPr/>
-            <p:nvPr/>
-          </p:nvGrpSpPr>
-          <p:grpSpPr>
-            <a:xfrm>
-              <a:off x="6227097" y="1722435"/>
-              <a:ext cx="1646019" cy="1638130"/>
-              <a:chOff x="748475" y="1167800"/>
-              <a:chExt cx="2761313" cy="2748080"/>
-            </a:xfrm>
-          </p:grpSpPr>
-          <p:sp>
-            <p:nvSpPr>
-              <p:cNvPr id="8404" name="Google Shape;8404;p73"/>
-              <p:cNvSpPr/>
-              <p:nvPr/>
-            </p:nvSpPr>
-            <p:spPr>
-              <a:xfrm>
-                <a:off x="748475" y="2488173"/>
-                <a:ext cx="107100" cy="107100"/>
-              </a:xfrm>
-              <a:prstGeom prst="ellipse">
-                <a:avLst/>
-              </a:prstGeom>
-              <a:solidFill>
-                <a:schemeClr val="dk2"/>
-              </a:solidFill>
-              <a:ln>
-                <a:noFill/>
-              </a:ln>
-            </p:spPr>
-            <p:txBody>
-              <a:bodyPr spcFirstLastPara="1" wrap="square" lIns="91425" tIns="91425" rIns="91425" bIns="91425" anchor="ctr" anchorCtr="0">
-                <a:noAutofit/>
-              </a:bodyPr>
-              <a:lstStyle/>
-              <a:p>
-                <a:pPr marL="0" lvl="0" indent="0" algn="l" rtl="0">
-                  <a:spcBef>
-                    <a:spcPts val="0"/>
-                  </a:spcBef>
-                  <a:spcAft>
-                    <a:spcPts val="0"/>
-                  </a:spcAft>
-                  <a:buNone/>
-                </a:pPr>
-                <a:endParaRPr/>
-              </a:p>
-            </p:txBody>
-          </p:sp>
-          <p:sp>
-            <p:nvSpPr>
-              <p:cNvPr id="8405" name="Google Shape;8405;p73"/>
-              <p:cNvSpPr/>
-              <p:nvPr/>
-            </p:nvSpPr>
-            <p:spPr>
-              <a:xfrm>
-                <a:off x="2027373" y="1167800"/>
-                <a:ext cx="177600" cy="177600"/>
-              </a:xfrm>
-              <a:prstGeom prst="ellipse">
-                <a:avLst/>
-              </a:prstGeom>
-              <a:solidFill>
-                <a:schemeClr val="dk2"/>
-              </a:solidFill>
-              <a:ln>
-                <a:noFill/>
-              </a:ln>
-            </p:spPr>
-            <p:txBody>
-              <a:bodyPr spcFirstLastPara="1" wrap="square" lIns="91425" tIns="91425" rIns="91425" bIns="91425" anchor="ctr" anchorCtr="0">
-                <a:noAutofit/>
-              </a:bodyPr>
-              <a:lstStyle/>
-              <a:p>
-                <a:pPr marL="0" lvl="0" indent="0" algn="l" rtl="0">
-                  <a:spcBef>
-                    <a:spcPts val="0"/>
-                  </a:spcBef>
-                  <a:spcAft>
-                    <a:spcPts val="0"/>
-                  </a:spcAft>
-                  <a:buNone/>
-                </a:pPr>
-                <a:endParaRPr/>
-              </a:p>
-            </p:txBody>
-          </p:sp>
-          <p:sp>
-            <p:nvSpPr>
-              <p:cNvPr id="8406" name="Google Shape;8406;p73"/>
-              <p:cNvSpPr/>
-              <p:nvPr/>
-            </p:nvSpPr>
-            <p:spPr>
-              <a:xfrm>
-                <a:off x="3332188" y="2452921"/>
-                <a:ext cx="177600" cy="177600"/>
-              </a:xfrm>
-              <a:prstGeom prst="ellipse">
-                <a:avLst/>
-              </a:prstGeom>
-              <a:solidFill>
-                <a:schemeClr val="dk2"/>
-              </a:solidFill>
-              <a:ln>
-                <a:noFill/>
-              </a:ln>
-            </p:spPr>
-            <p:txBody>
-              <a:bodyPr spcFirstLastPara="1" wrap="square" lIns="91425" tIns="91425" rIns="91425" bIns="91425" anchor="ctr" anchorCtr="0">
-                <a:noAutofit/>
-              </a:bodyPr>
-              <a:lstStyle/>
-              <a:p>
-                <a:pPr marL="0" lvl="0" indent="0" algn="l" rtl="0">
-                  <a:spcBef>
-                    <a:spcPts val="0"/>
-                  </a:spcBef>
-                  <a:spcAft>
-                    <a:spcPts val="0"/>
-                  </a:spcAft>
-                  <a:buNone/>
-                </a:pPr>
-                <a:endParaRPr/>
-              </a:p>
-            </p:txBody>
-          </p:sp>
-          <p:sp>
-            <p:nvSpPr>
-              <p:cNvPr id="8407" name="Google Shape;8407;p73"/>
-              <p:cNvSpPr/>
-              <p:nvPr/>
-            </p:nvSpPr>
-            <p:spPr>
-              <a:xfrm>
-                <a:off x="2027373" y="3724122"/>
-                <a:ext cx="177600" cy="177600"/>
-              </a:xfrm>
-              <a:prstGeom prst="ellipse">
-                <a:avLst/>
-              </a:prstGeom>
-              <a:solidFill>
-                <a:schemeClr val="dk2"/>
-              </a:solidFill>
-              <a:ln>
-                <a:noFill/>
-              </a:ln>
-            </p:spPr>
-            <p:txBody>
-              <a:bodyPr spcFirstLastPara="1" wrap="square" lIns="91425" tIns="91425" rIns="91425" bIns="91425" anchor="ctr" anchorCtr="0">
-                <a:noAutofit/>
-              </a:bodyPr>
-              <a:lstStyle/>
-              <a:p>
-                <a:pPr marL="0" lvl="0" indent="0" algn="l" rtl="0">
-                  <a:spcBef>
-                    <a:spcPts val="0"/>
-                  </a:spcBef>
-                  <a:spcAft>
-                    <a:spcPts val="0"/>
-                  </a:spcAft>
-                  <a:buNone/>
-                </a:pPr>
-                <a:endParaRPr/>
-              </a:p>
-            </p:txBody>
-          </p:sp>
-          <p:sp>
-            <p:nvSpPr>
-              <p:cNvPr id="8408" name="Google Shape;8408;p73"/>
-              <p:cNvSpPr/>
-              <p:nvPr/>
-            </p:nvSpPr>
-            <p:spPr>
-              <a:xfrm rot="2700000">
-                <a:off x="2934674" y="1540452"/>
-                <a:ext cx="177767" cy="177767"/>
-              </a:xfrm>
-              <a:prstGeom prst="ellipse">
-                <a:avLst/>
-              </a:prstGeom>
-              <a:solidFill>
-                <a:schemeClr val="dk2"/>
-              </a:solidFill>
-              <a:ln>
-                <a:noFill/>
-              </a:ln>
-            </p:spPr>
-            <p:txBody>
-              <a:bodyPr spcFirstLastPara="1" wrap="square" lIns="91425" tIns="91425" rIns="91425" bIns="91425" anchor="ctr" anchorCtr="0">
-                <a:noAutofit/>
-              </a:bodyPr>
-              <a:lstStyle/>
-              <a:p>
-                <a:pPr marL="0" lvl="0" indent="0" algn="l" rtl="0">
-                  <a:spcBef>
-                    <a:spcPts val="0"/>
-                  </a:spcBef>
-                  <a:spcAft>
-                    <a:spcPts val="0"/>
-                  </a:spcAft>
-                  <a:buNone/>
-                </a:pPr>
-                <a:endParaRPr/>
-              </a:p>
-            </p:txBody>
-          </p:sp>
-          <p:sp>
-            <p:nvSpPr>
-              <p:cNvPr id="8409" name="Google Shape;8409;p73"/>
-              <p:cNvSpPr/>
-              <p:nvPr/>
-            </p:nvSpPr>
-            <p:spPr>
-              <a:xfrm rot="2700000">
-                <a:off x="2948609" y="3371822"/>
-                <a:ext cx="177767" cy="177767"/>
-              </a:xfrm>
-              <a:prstGeom prst="ellipse">
-                <a:avLst/>
-              </a:prstGeom>
-              <a:solidFill>
-                <a:schemeClr val="dk2"/>
-              </a:solidFill>
-              <a:ln>
-                <a:noFill/>
-              </a:ln>
-            </p:spPr>
-            <p:txBody>
-              <a:bodyPr spcFirstLastPara="1" wrap="square" lIns="91425" tIns="91425" rIns="91425" bIns="91425" anchor="ctr" anchorCtr="0">
-                <a:noAutofit/>
-              </a:bodyPr>
-              <a:lstStyle/>
-              <a:p>
-                <a:pPr marL="0" lvl="0" indent="0" algn="l" rtl="0">
-                  <a:spcBef>
-                    <a:spcPts val="0"/>
-                  </a:spcBef>
-                  <a:spcAft>
-                    <a:spcPts val="0"/>
-                  </a:spcAft>
-                  <a:buNone/>
-                </a:pPr>
-                <a:endParaRPr/>
-              </a:p>
-            </p:txBody>
-          </p:sp>
-          <p:sp>
-            <p:nvSpPr>
-              <p:cNvPr id="8410" name="Google Shape;8410;p73"/>
-              <p:cNvSpPr/>
-              <p:nvPr/>
-            </p:nvSpPr>
-            <p:spPr>
-              <a:xfrm rot="2700000">
-                <a:off x="1138335" y="3359285"/>
-                <a:ext cx="155281" cy="155281"/>
-              </a:xfrm>
-              <a:prstGeom prst="ellipse">
-                <a:avLst/>
-              </a:prstGeom>
-              <a:solidFill>
-                <a:schemeClr val="dk2"/>
-              </a:solidFill>
-              <a:ln>
-                <a:noFill/>
-              </a:ln>
-            </p:spPr>
-            <p:txBody>
-              <a:bodyPr spcFirstLastPara="1" wrap="square" lIns="91425" tIns="91425" rIns="91425" bIns="91425" anchor="ctr" anchorCtr="0">
-                <a:noAutofit/>
-              </a:bodyPr>
-              <a:lstStyle/>
-              <a:p>
-                <a:pPr marL="0" lvl="0" indent="0" algn="l" rtl="0">
-                  <a:spcBef>
-                    <a:spcPts val="0"/>
-                  </a:spcBef>
-                  <a:spcAft>
-                    <a:spcPts val="0"/>
-                  </a:spcAft>
-                  <a:buNone/>
-                </a:pPr>
-                <a:endParaRPr/>
-              </a:p>
-            </p:txBody>
-          </p:sp>
-          <p:sp>
-            <p:nvSpPr>
-              <p:cNvPr id="8411" name="Google Shape;8411;p73"/>
-              <p:cNvSpPr/>
-              <p:nvPr/>
-            </p:nvSpPr>
-            <p:spPr>
-              <a:xfrm rot="1807217">
-                <a:off x="959281" y="1868183"/>
-                <a:ext cx="45435" cy="45435"/>
-              </a:xfrm>
-              <a:prstGeom prst="ellipse">
-                <a:avLst/>
-              </a:prstGeom>
-              <a:solidFill>
-                <a:schemeClr val="dk2"/>
-              </a:solidFill>
-              <a:ln>
-                <a:noFill/>
-              </a:ln>
-            </p:spPr>
-            <p:txBody>
-              <a:bodyPr spcFirstLastPara="1" wrap="square" lIns="91425" tIns="91425" rIns="91425" bIns="91425" anchor="ctr" anchorCtr="0">
-                <a:noAutofit/>
-              </a:bodyPr>
-              <a:lstStyle/>
-              <a:p>
-                <a:pPr marL="0" lvl="0" indent="0" algn="l" rtl="0">
-                  <a:spcBef>
-                    <a:spcPts val="0"/>
-                  </a:spcBef>
-                  <a:spcAft>
-                    <a:spcPts val="0"/>
-                  </a:spcAft>
-                  <a:buNone/>
-                </a:pPr>
-                <a:endParaRPr/>
-              </a:p>
-            </p:txBody>
-          </p:sp>
-          <p:sp>
-            <p:nvSpPr>
-              <p:cNvPr id="8412" name="Google Shape;8412;p73"/>
-              <p:cNvSpPr/>
-              <p:nvPr/>
-            </p:nvSpPr>
-            <p:spPr>
-              <a:xfrm rot="1804115">
-                <a:off x="2673760" y="1346056"/>
-                <a:ext cx="177831" cy="177831"/>
-              </a:xfrm>
-              <a:prstGeom prst="ellipse">
-                <a:avLst/>
-              </a:prstGeom>
-              <a:solidFill>
-                <a:schemeClr val="dk2"/>
-              </a:solidFill>
-              <a:ln>
-                <a:noFill/>
-              </a:ln>
-            </p:spPr>
-            <p:txBody>
-              <a:bodyPr spcFirstLastPara="1" wrap="square" lIns="91425" tIns="91425" rIns="91425" bIns="91425" anchor="ctr" anchorCtr="0">
-                <a:noAutofit/>
-              </a:bodyPr>
-              <a:lstStyle/>
-              <a:p>
-                <a:pPr marL="0" lvl="0" indent="0" algn="l" rtl="0">
-                  <a:spcBef>
-                    <a:spcPts val="0"/>
-                  </a:spcBef>
-                  <a:spcAft>
-                    <a:spcPts val="0"/>
-                  </a:spcAft>
-                  <a:buNone/>
-                </a:pPr>
-                <a:endParaRPr/>
-              </a:p>
-            </p:txBody>
-          </p:sp>
-          <p:sp>
-            <p:nvSpPr>
-              <p:cNvPr id="8413" name="Google Shape;8413;p73"/>
-              <p:cNvSpPr/>
-              <p:nvPr/>
-            </p:nvSpPr>
-            <p:spPr>
-              <a:xfrm rot="1804115">
-                <a:off x="3161209" y="3111417"/>
-                <a:ext cx="177831" cy="177831"/>
-              </a:xfrm>
-              <a:prstGeom prst="ellipse">
-                <a:avLst/>
-              </a:prstGeom>
-              <a:solidFill>
-                <a:schemeClr val="dk2"/>
-              </a:solidFill>
-              <a:ln>
-                <a:noFill/>
-              </a:ln>
-            </p:spPr>
-            <p:txBody>
-              <a:bodyPr spcFirstLastPara="1" wrap="square" lIns="91425" tIns="91425" rIns="91425" bIns="91425" anchor="ctr" anchorCtr="0">
-                <a:noAutofit/>
-              </a:bodyPr>
-              <a:lstStyle/>
-              <a:p>
-                <a:pPr marL="0" lvl="0" indent="0" algn="l" rtl="0">
-                  <a:spcBef>
-                    <a:spcPts val="0"/>
-                  </a:spcBef>
-                  <a:spcAft>
-                    <a:spcPts val="0"/>
-                  </a:spcAft>
-                  <a:buNone/>
-                </a:pPr>
-                <a:endParaRPr/>
-              </a:p>
-            </p:txBody>
-          </p:sp>
-          <p:sp>
-            <p:nvSpPr>
-              <p:cNvPr id="8414" name="Google Shape;8414;p73"/>
-              <p:cNvSpPr/>
-              <p:nvPr/>
-            </p:nvSpPr>
-            <p:spPr>
-              <a:xfrm rot="1801578">
-                <a:off x="1401275" y="3565441"/>
-                <a:ext cx="166667" cy="166667"/>
-              </a:xfrm>
-              <a:prstGeom prst="ellipse">
-                <a:avLst/>
-              </a:prstGeom>
-              <a:solidFill>
-                <a:schemeClr val="dk2"/>
-              </a:solidFill>
-              <a:ln>
-                <a:noFill/>
-              </a:ln>
-            </p:spPr>
-            <p:txBody>
-              <a:bodyPr spcFirstLastPara="1" wrap="square" lIns="91425" tIns="91425" rIns="91425" bIns="91425" anchor="ctr" anchorCtr="0">
-                <a:noAutofit/>
-              </a:bodyPr>
-              <a:lstStyle/>
-              <a:p>
-                <a:pPr marL="0" lvl="0" indent="0" algn="l" rtl="0">
-                  <a:spcBef>
-                    <a:spcPts val="0"/>
-                  </a:spcBef>
-                  <a:spcAft>
-                    <a:spcPts val="0"/>
-                  </a:spcAft>
-                  <a:buNone/>
-                </a:pPr>
-                <a:endParaRPr/>
-              </a:p>
-            </p:txBody>
-          </p:sp>
-          <p:sp>
-            <p:nvSpPr>
-              <p:cNvPr id="8415" name="Google Shape;8415;p73"/>
-              <p:cNvSpPr/>
-              <p:nvPr/>
-            </p:nvSpPr>
-            <p:spPr>
-              <a:xfrm rot="3595885">
-                <a:off x="1364322" y="1318921"/>
-                <a:ext cx="177831" cy="177831"/>
-              </a:xfrm>
-              <a:prstGeom prst="ellipse">
-                <a:avLst/>
-              </a:prstGeom>
-              <a:solidFill>
-                <a:schemeClr val="dk2"/>
-              </a:solidFill>
-              <a:ln>
-                <a:noFill/>
-              </a:ln>
-            </p:spPr>
-            <p:txBody>
-              <a:bodyPr spcFirstLastPara="1" wrap="square" lIns="91425" tIns="91425" rIns="91425" bIns="91425" anchor="ctr" anchorCtr="0">
-                <a:noAutofit/>
-              </a:bodyPr>
-              <a:lstStyle/>
-              <a:p>
-                <a:pPr marL="0" lvl="0" indent="0" algn="l" rtl="0">
-                  <a:spcBef>
-                    <a:spcPts val="0"/>
-                  </a:spcBef>
-                  <a:spcAft>
-                    <a:spcPts val="0"/>
-                  </a:spcAft>
-                  <a:buNone/>
-                </a:pPr>
-                <a:endParaRPr/>
-              </a:p>
-            </p:txBody>
-          </p:sp>
-          <p:sp>
-            <p:nvSpPr>
-              <p:cNvPr id="8416" name="Google Shape;8416;p73"/>
-              <p:cNvSpPr/>
-              <p:nvPr/>
-            </p:nvSpPr>
-            <p:spPr>
-              <a:xfrm rot="3595885">
-                <a:off x="3134333" y="1814456"/>
-                <a:ext cx="177831" cy="177831"/>
-              </a:xfrm>
-              <a:prstGeom prst="ellipse">
-                <a:avLst/>
-              </a:prstGeom>
-              <a:solidFill>
-                <a:schemeClr val="dk2"/>
-              </a:solidFill>
-              <a:ln>
-                <a:noFill/>
-              </a:ln>
-            </p:spPr>
-            <p:txBody>
-              <a:bodyPr spcFirstLastPara="1" wrap="square" lIns="91425" tIns="91425" rIns="91425" bIns="91425" anchor="ctr" anchorCtr="0">
-                <a:noAutofit/>
-              </a:bodyPr>
-              <a:lstStyle/>
-              <a:p>
-                <a:pPr marL="0" lvl="0" indent="0" algn="l" rtl="0">
-                  <a:spcBef>
-                    <a:spcPts val="0"/>
-                  </a:spcBef>
-                  <a:spcAft>
-                    <a:spcPts val="0"/>
-                  </a:spcAft>
-                  <a:buNone/>
-                </a:pPr>
-                <a:endParaRPr/>
-              </a:p>
-            </p:txBody>
-          </p:sp>
-          <p:sp>
-            <p:nvSpPr>
-              <p:cNvPr id="8417" name="Google Shape;8417;p73"/>
-              <p:cNvSpPr/>
-              <p:nvPr/>
-            </p:nvSpPr>
-            <p:spPr>
-              <a:xfrm rot="3595885">
-                <a:off x="2673804" y="3587030"/>
-                <a:ext cx="177831" cy="177831"/>
-              </a:xfrm>
-              <a:prstGeom prst="ellipse">
-                <a:avLst/>
-              </a:prstGeom>
-              <a:solidFill>
-                <a:schemeClr val="dk2"/>
-              </a:solidFill>
-              <a:ln>
-                <a:noFill/>
-              </a:ln>
-            </p:spPr>
-            <p:txBody>
-              <a:bodyPr spcFirstLastPara="1" wrap="square" lIns="91425" tIns="91425" rIns="91425" bIns="91425" anchor="ctr" anchorCtr="0">
-                <a:noAutofit/>
-              </a:bodyPr>
-              <a:lstStyle/>
-              <a:p>
-                <a:pPr marL="0" lvl="0" indent="0" algn="l" rtl="0">
-                  <a:spcBef>
-                    <a:spcPts val="0"/>
-                  </a:spcBef>
-                  <a:spcAft>
-                    <a:spcPts val="0"/>
-                  </a:spcAft>
-                  <a:buNone/>
-                </a:pPr>
-                <a:endParaRPr/>
-              </a:p>
-            </p:txBody>
-          </p:sp>
-          <p:sp>
-            <p:nvSpPr>
-              <p:cNvPr id="8418" name="Google Shape;8418;p73"/>
-              <p:cNvSpPr/>
-              <p:nvPr/>
-            </p:nvSpPr>
-            <p:spPr>
-              <a:xfrm rot="3598200">
-                <a:off x="938347" y="3110438"/>
-                <a:ext cx="142071" cy="142071"/>
-              </a:xfrm>
-              <a:prstGeom prst="ellipse">
-                <a:avLst/>
-              </a:prstGeom>
-              <a:solidFill>
-                <a:schemeClr val="dk2"/>
-              </a:solidFill>
-              <a:ln>
-                <a:noFill/>
-              </a:ln>
-            </p:spPr>
-            <p:txBody>
-              <a:bodyPr spcFirstLastPara="1" wrap="square" lIns="91425" tIns="91425" rIns="91425" bIns="91425" anchor="ctr" anchorCtr="0">
-                <a:noAutofit/>
-              </a:bodyPr>
-              <a:lstStyle/>
-              <a:p>
-                <a:pPr marL="0" lvl="0" indent="0" algn="l" rtl="0">
-                  <a:spcBef>
-                    <a:spcPts val="0"/>
-                  </a:spcBef>
-                  <a:spcAft>
-                    <a:spcPts val="0"/>
-                  </a:spcAft>
-                  <a:buNone/>
-                </a:pPr>
-                <a:endParaRPr/>
-              </a:p>
-            </p:txBody>
-          </p:sp>
-          <p:sp>
-            <p:nvSpPr>
-              <p:cNvPr id="8419" name="Google Shape;8419;p73"/>
-              <p:cNvSpPr/>
-              <p:nvPr/>
-            </p:nvSpPr>
-            <p:spPr>
-              <a:xfrm rot="4490289">
-                <a:off x="1680481" y="1188188"/>
-                <a:ext cx="177789" cy="177789"/>
-              </a:xfrm>
-              <a:prstGeom prst="ellipse">
-                <a:avLst/>
-              </a:prstGeom>
-              <a:solidFill>
-                <a:schemeClr val="dk2"/>
-              </a:solidFill>
-              <a:ln>
-                <a:noFill/>
-              </a:ln>
-            </p:spPr>
-            <p:txBody>
-              <a:bodyPr spcFirstLastPara="1" wrap="square" lIns="91425" tIns="91425" rIns="91425" bIns="91425" anchor="ctr" anchorCtr="0">
-                <a:noAutofit/>
-              </a:bodyPr>
-              <a:lstStyle/>
-              <a:p>
-                <a:pPr marL="0" lvl="0" indent="0" algn="l" rtl="0">
-                  <a:spcBef>
-                    <a:spcPts val="0"/>
-                  </a:spcBef>
-                  <a:spcAft>
-                    <a:spcPts val="0"/>
-                  </a:spcAft>
-                  <a:buNone/>
-                </a:pPr>
-                <a:endParaRPr/>
-              </a:p>
-            </p:txBody>
-          </p:sp>
-          <p:sp>
-            <p:nvSpPr>
-              <p:cNvPr id="8420" name="Google Shape;8420;p73"/>
-              <p:cNvSpPr/>
-              <p:nvPr/>
-            </p:nvSpPr>
-            <p:spPr>
-              <a:xfrm rot="4490289">
-                <a:off x="3261927" y="2124955"/>
-                <a:ext cx="177789" cy="177789"/>
-              </a:xfrm>
-              <a:prstGeom prst="ellipse">
-                <a:avLst/>
-              </a:prstGeom>
-              <a:solidFill>
-                <a:schemeClr val="dk2"/>
-              </a:solidFill>
-              <a:ln>
-                <a:noFill/>
-              </a:ln>
-            </p:spPr>
-            <p:txBody>
-              <a:bodyPr spcFirstLastPara="1" wrap="square" lIns="91425" tIns="91425" rIns="91425" bIns="91425" anchor="ctr" anchorCtr="0">
-                <a:noAutofit/>
-              </a:bodyPr>
-              <a:lstStyle/>
-              <a:p>
-                <a:pPr marL="0" lvl="0" indent="0" algn="l" rtl="0">
-                  <a:spcBef>
-                    <a:spcPts val="0"/>
-                  </a:spcBef>
-                  <a:spcAft>
-                    <a:spcPts val="0"/>
-                  </a:spcAft>
-                  <a:buNone/>
-                </a:pPr>
-                <a:endParaRPr/>
-              </a:p>
-            </p:txBody>
-          </p:sp>
-          <p:sp>
-            <p:nvSpPr>
-              <p:cNvPr id="8421" name="Google Shape;8421;p73"/>
-              <p:cNvSpPr/>
-              <p:nvPr/>
-            </p:nvSpPr>
-            <p:spPr>
-              <a:xfrm rot="4490289">
-                <a:off x="2358319" y="3717935"/>
-                <a:ext cx="177789" cy="177789"/>
-              </a:xfrm>
-              <a:prstGeom prst="ellipse">
-                <a:avLst/>
-              </a:prstGeom>
-              <a:solidFill>
-                <a:schemeClr val="dk2"/>
-              </a:solidFill>
-              <a:ln>
-                <a:noFill/>
-              </a:ln>
-            </p:spPr>
-            <p:txBody>
-              <a:bodyPr spcFirstLastPara="1" wrap="square" lIns="91425" tIns="91425" rIns="91425" bIns="91425" anchor="ctr" anchorCtr="0">
-                <a:noAutofit/>
-              </a:bodyPr>
-              <a:lstStyle/>
-              <a:p>
-                <a:pPr marL="0" lvl="0" indent="0" algn="l" rtl="0">
-                  <a:spcBef>
-                    <a:spcPts val="0"/>
-                  </a:spcBef>
-                  <a:spcAft>
-                    <a:spcPts val="0"/>
-                  </a:spcAft>
-                  <a:buNone/>
-                </a:pPr>
-                <a:endParaRPr/>
-              </a:p>
-            </p:txBody>
-          </p:sp>
-          <p:sp>
-            <p:nvSpPr>
-              <p:cNvPr id="8422" name="Google Shape;8422;p73"/>
-              <p:cNvSpPr/>
-              <p:nvPr/>
-            </p:nvSpPr>
-            <p:spPr>
-              <a:xfrm rot="4493425">
-                <a:off x="819385" y="2813326"/>
-                <a:ext cx="124297" cy="124297"/>
-              </a:xfrm>
-              <a:prstGeom prst="ellipse">
-                <a:avLst/>
-              </a:prstGeom>
-              <a:solidFill>
-                <a:schemeClr val="dk2"/>
-              </a:solidFill>
-              <a:ln>
-                <a:noFill/>
-              </a:ln>
-            </p:spPr>
-            <p:txBody>
-              <a:bodyPr spcFirstLastPara="1" wrap="square" lIns="91425" tIns="91425" rIns="91425" bIns="91425" anchor="ctr" anchorCtr="0">
-                <a:noAutofit/>
-              </a:bodyPr>
-              <a:lstStyle/>
-              <a:p>
-                <a:pPr marL="0" lvl="0" indent="0" algn="l" rtl="0">
-                  <a:spcBef>
-                    <a:spcPts val="0"/>
-                  </a:spcBef>
-                  <a:spcAft>
-                    <a:spcPts val="0"/>
-                  </a:spcAft>
-                  <a:buNone/>
-                </a:pPr>
-                <a:endParaRPr/>
-              </a:p>
-            </p:txBody>
-          </p:sp>
-          <p:sp>
-            <p:nvSpPr>
-              <p:cNvPr id="8423" name="Google Shape;8423;p73"/>
-              <p:cNvSpPr/>
-              <p:nvPr/>
-            </p:nvSpPr>
-            <p:spPr>
-              <a:xfrm rot="885439">
-                <a:off x="820720" y="2174345"/>
-                <a:ext cx="63598" cy="63598"/>
-              </a:xfrm>
-              <a:prstGeom prst="ellipse">
-                <a:avLst/>
-              </a:prstGeom>
-              <a:solidFill>
-                <a:schemeClr val="dk2"/>
-              </a:solidFill>
-              <a:ln>
-                <a:noFill/>
-              </a:ln>
-            </p:spPr>
-            <p:txBody>
-              <a:bodyPr spcFirstLastPara="1" wrap="square" lIns="91425" tIns="91425" rIns="91425" bIns="91425" anchor="ctr" anchorCtr="0">
-                <a:noAutofit/>
-              </a:bodyPr>
-              <a:lstStyle/>
-              <a:p>
-                <a:pPr marL="0" lvl="0" indent="0" algn="l" rtl="0">
-                  <a:spcBef>
-                    <a:spcPts val="0"/>
-                  </a:spcBef>
-                  <a:spcAft>
-                    <a:spcPts val="0"/>
-                  </a:spcAft>
-                  <a:buNone/>
-                </a:pPr>
-                <a:endParaRPr/>
-              </a:p>
-            </p:txBody>
-          </p:sp>
-          <p:sp>
-            <p:nvSpPr>
-              <p:cNvPr id="8424" name="Google Shape;8424;p73"/>
-              <p:cNvSpPr/>
-              <p:nvPr/>
-            </p:nvSpPr>
-            <p:spPr>
-              <a:xfrm rot="892892">
-                <a:off x="2365652" y="1216223"/>
-                <a:ext cx="177555" cy="177555"/>
-              </a:xfrm>
-              <a:prstGeom prst="ellipse">
-                <a:avLst/>
-              </a:prstGeom>
-              <a:solidFill>
-                <a:schemeClr val="dk2"/>
-              </a:solidFill>
-              <a:ln>
-                <a:noFill/>
-              </a:ln>
-            </p:spPr>
-            <p:txBody>
-              <a:bodyPr spcFirstLastPara="1" wrap="square" lIns="91425" tIns="91425" rIns="91425" bIns="91425" anchor="ctr" anchorCtr="0">
-                <a:noAutofit/>
-              </a:bodyPr>
-              <a:lstStyle/>
-              <a:p>
-                <a:pPr marL="0" lvl="0" indent="0" algn="l" rtl="0">
-                  <a:spcBef>
-                    <a:spcPts val="0"/>
-                  </a:spcBef>
-                  <a:spcAft>
-                    <a:spcPts val="0"/>
-                  </a:spcAft>
-                  <a:buNone/>
-                </a:pPr>
-                <a:endParaRPr/>
-              </a:p>
-            </p:txBody>
-          </p:sp>
-          <p:sp>
-            <p:nvSpPr>
-              <p:cNvPr id="8425" name="Google Shape;8425;p73"/>
-              <p:cNvSpPr/>
-              <p:nvPr/>
-            </p:nvSpPr>
-            <p:spPr>
-              <a:xfrm rot="892892">
-                <a:off x="3293396" y="2795269"/>
-                <a:ext cx="177555" cy="177555"/>
-              </a:xfrm>
-              <a:prstGeom prst="ellipse">
-                <a:avLst/>
-              </a:prstGeom>
-              <a:solidFill>
-                <a:schemeClr val="dk2"/>
-              </a:solidFill>
-              <a:ln>
-                <a:noFill/>
-              </a:ln>
-            </p:spPr>
-            <p:txBody>
-              <a:bodyPr spcFirstLastPara="1" wrap="square" lIns="91425" tIns="91425" rIns="91425" bIns="91425" anchor="ctr" anchorCtr="0">
-                <a:noAutofit/>
-              </a:bodyPr>
-              <a:lstStyle/>
-              <a:p>
-                <a:pPr marL="0" lvl="0" indent="0" algn="l" rtl="0">
-                  <a:spcBef>
-                    <a:spcPts val="0"/>
-                  </a:spcBef>
-                  <a:spcAft>
-                    <a:spcPts val="0"/>
-                  </a:spcAft>
-                  <a:buNone/>
-                </a:pPr>
-                <a:endParaRPr/>
-              </a:p>
-            </p:txBody>
-          </p:sp>
-          <p:sp>
-            <p:nvSpPr>
-              <p:cNvPr id="8426" name="Google Shape;8426;p73"/>
-              <p:cNvSpPr/>
-              <p:nvPr/>
-            </p:nvSpPr>
-            <p:spPr>
-              <a:xfrm rot="892892">
-                <a:off x="1704033" y="3685440"/>
-                <a:ext cx="177555" cy="177555"/>
-              </a:xfrm>
-              <a:prstGeom prst="ellipse">
-                <a:avLst/>
-              </a:prstGeom>
-              <a:solidFill>
-                <a:schemeClr val="dk2"/>
-              </a:solidFill>
-              <a:ln>
-                <a:noFill/>
-              </a:ln>
-            </p:spPr>
-            <p:txBody>
-              <a:bodyPr spcFirstLastPara="1" wrap="square" lIns="91425" tIns="91425" rIns="91425" bIns="91425" anchor="ctr" anchorCtr="0">
-                <a:noAutofit/>
-              </a:bodyPr>
-              <a:lstStyle/>
-              <a:p>
-                <a:pPr marL="0" lvl="0" indent="0" algn="l" rtl="0">
-                  <a:spcBef>
-                    <a:spcPts val="0"/>
-                  </a:spcBef>
-                  <a:spcAft>
-                    <a:spcPts val="0"/>
-                  </a:spcAft>
-                  <a:buNone/>
-                </a:pPr>
-                <a:endParaRPr/>
-              </a:p>
-            </p:txBody>
-          </p:sp>
-        </p:grpSp>
-        <p:grpSp>
-          <p:nvGrpSpPr>
-            <p:cNvPr id="8427" name="Google Shape;8427;p73"/>
-            <p:cNvGrpSpPr/>
-            <p:nvPr/>
-          </p:nvGrpSpPr>
-          <p:grpSpPr>
-            <a:xfrm>
-              <a:off x="6442066" y="1936380"/>
-              <a:ext cx="1216082" cy="1210254"/>
-              <a:chOff x="748475" y="1167800"/>
-              <a:chExt cx="2761313" cy="2748080"/>
-            </a:xfrm>
-          </p:grpSpPr>
-          <p:sp>
-            <p:nvSpPr>
-              <p:cNvPr id="8428" name="Google Shape;8428;p73"/>
-              <p:cNvSpPr/>
-              <p:nvPr/>
-            </p:nvSpPr>
-            <p:spPr>
-              <a:xfrm>
-                <a:off x="748475" y="2488173"/>
-                <a:ext cx="107100" cy="107100"/>
-              </a:xfrm>
-              <a:prstGeom prst="ellipse">
-                <a:avLst/>
-              </a:prstGeom>
-              <a:solidFill>
-                <a:schemeClr val="dk2"/>
-              </a:solidFill>
-              <a:ln>
-                <a:noFill/>
-              </a:ln>
-            </p:spPr>
-            <p:txBody>
-              <a:bodyPr spcFirstLastPara="1" wrap="square" lIns="91425" tIns="91425" rIns="91425" bIns="91425" anchor="ctr" anchorCtr="0">
-                <a:noAutofit/>
-              </a:bodyPr>
-              <a:lstStyle/>
-              <a:p>
-                <a:pPr marL="0" lvl="0" indent="0" algn="l" rtl="0">
-                  <a:spcBef>
-                    <a:spcPts val="0"/>
-                  </a:spcBef>
-                  <a:spcAft>
-                    <a:spcPts val="0"/>
-                  </a:spcAft>
-                  <a:buNone/>
-                </a:pPr>
-                <a:endParaRPr/>
-              </a:p>
-            </p:txBody>
-          </p:sp>
-          <p:sp>
-            <p:nvSpPr>
-              <p:cNvPr id="8429" name="Google Shape;8429;p73"/>
-              <p:cNvSpPr/>
-              <p:nvPr/>
-            </p:nvSpPr>
-            <p:spPr>
-              <a:xfrm>
-                <a:off x="2027373" y="1167800"/>
-                <a:ext cx="177600" cy="177600"/>
-              </a:xfrm>
-              <a:prstGeom prst="ellipse">
-                <a:avLst/>
-              </a:prstGeom>
-              <a:solidFill>
-                <a:schemeClr val="dk2"/>
-              </a:solidFill>
-              <a:ln>
-                <a:noFill/>
-              </a:ln>
-            </p:spPr>
-            <p:txBody>
-              <a:bodyPr spcFirstLastPara="1" wrap="square" lIns="91425" tIns="91425" rIns="91425" bIns="91425" anchor="ctr" anchorCtr="0">
-                <a:noAutofit/>
-              </a:bodyPr>
-              <a:lstStyle/>
-              <a:p>
-                <a:pPr marL="0" lvl="0" indent="0" algn="l" rtl="0">
-                  <a:spcBef>
-                    <a:spcPts val="0"/>
-                  </a:spcBef>
-                  <a:spcAft>
-                    <a:spcPts val="0"/>
-                  </a:spcAft>
-                  <a:buNone/>
-                </a:pPr>
-                <a:endParaRPr/>
-              </a:p>
-            </p:txBody>
-          </p:sp>
-          <p:sp>
-            <p:nvSpPr>
-              <p:cNvPr id="8430" name="Google Shape;8430;p73"/>
-              <p:cNvSpPr/>
-              <p:nvPr/>
-            </p:nvSpPr>
-            <p:spPr>
-              <a:xfrm>
-                <a:off x="3332188" y="2452921"/>
-                <a:ext cx="177600" cy="177600"/>
-              </a:xfrm>
-              <a:prstGeom prst="ellipse">
-                <a:avLst/>
-              </a:prstGeom>
-              <a:solidFill>
-                <a:schemeClr val="dk2"/>
-              </a:solidFill>
-              <a:ln>
-                <a:noFill/>
-              </a:ln>
-            </p:spPr>
-            <p:txBody>
-              <a:bodyPr spcFirstLastPara="1" wrap="square" lIns="91425" tIns="91425" rIns="91425" bIns="91425" anchor="ctr" anchorCtr="0">
-                <a:noAutofit/>
-              </a:bodyPr>
-              <a:lstStyle/>
-              <a:p>
-                <a:pPr marL="0" lvl="0" indent="0" algn="l" rtl="0">
-                  <a:spcBef>
-                    <a:spcPts val="0"/>
-                  </a:spcBef>
-                  <a:spcAft>
-                    <a:spcPts val="0"/>
-                  </a:spcAft>
-                  <a:buNone/>
-                </a:pPr>
-                <a:endParaRPr/>
-              </a:p>
-            </p:txBody>
-          </p:sp>
-          <p:sp>
-            <p:nvSpPr>
-              <p:cNvPr id="8431" name="Google Shape;8431;p73"/>
-              <p:cNvSpPr/>
-              <p:nvPr/>
-            </p:nvSpPr>
-            <p:spPr>
-              <a:xfrm>
-                <a:off x="2027373" y="3724122"/>
-                <a:ext cx="177600" cy="177600"/>
-              </a:xfrm>
-              <a:prstGeom prst="ellipse">
-                <a:avLst/>
-              </a:prstGeom>
-              <a:solidFill>
-                <a:schemeClr val="dk2"/>
-              </a:solidFill>
-              <a:ln>
-                <a:noFill/>
-              </a:ln>
-            </p:spPr>
-            <p:txBody>
-              <a:bodyPr spcFirstLastPara="1" wrap="square" lIns="91425" tIns="91425" rIns="91425" bIns="91425" anchor="ctr" anchorCtr="0">
-                <a:noAutofit/>
-              </a:bodyPr>
-              <a:lstStyle/>
-              <a:p>
-                <a:pPr marL="0" lvl="0" indent="0" algn="l" rtl="0">
-                  <a:spcBef>
-                    <a:spcPts val="0"/>
-                  </a:spcBef>
-                  <a:spcAft>
-                    <a:spcPts val="0"/>
-                  </a:spcAft>
-                  <a:buNone/>
-                </a:pPr>
-                <a:endParaRPr/>
-              </a:p>
-            </p:txBody>
-          </p:sp>
-          <p:sp>
-            <p:nvSpPr>
-              <p:cNvPr id="8432" name="Google Shape;8432;p73"/>
-              <p:cNvSpPr/>
-              <p:nvPr/>
-            </p:nvSpPr>
-            <p:spPr>
-              <a:xfrm rot="2700000">
-                <a:off x="2934674" y="1540452"/>
-                <a:ext cx="177767" cy="177767"/>
-              </a:xfrm>
-              <a:prstGeom prst="ellipse">
-                <a:avLst/>
-              </a:prstGeom>
-              <a:solidFill>
-                <a:schemeClr val="dk2"/>
-              </a:solidFill>
-              <a:ln>
-                <a:noFill/>
-              </a:ln>
-            </p:spPr>
-            <p:txBody>
-              <a:bodyPr spcFirstLastPara="1" wrap="square" lIns="91425" tIns="91425" rIns="91425" bIns="91425" anchor="ctr" anchorCtr="0">
-                <a:noAutofit/>
-              </a:bodyPr>
-              <a:lstStyle/>
-              <a:p>
-                <a:pPr marL="0" lvl="0" indent="0" algn="l" rtl="0">
-                  <a:spcBef>
-                    <a:spcPts val="0"/>
-                  </a:spcBef>
-                  <a:spcAft>
-                    <a:spcPts val="0"/>
-                  </a:spcAft>
-                  <a:buNone/>
-                </a:pPr>
-                <a:endParaRPr/>
-              </a:p>
-            </p:txBody>
-          </p:sp>
-          <p:sp>
-            <p:nvSpPr>
-              <p:cNvPr id="8433" name="Google Shape;8433;p73"/>
-              <p:cNvSpPr/>
-              <p:nvPr/>
-            </p:nvSpPr>
-            <p:spPr>
-              <a:xfrm rot="2700000">
-                <a:off x="2948609" y="3371822"/>
-                <a:ext cx="177767" cy="177767"/>
-              </a:xfrm>
-              <a:prstGeom prst="ellipse">
-                <a:avLst/>
-              </a:prstGeom>
-              <a:solidFill>
-                <a:schemeClr val="dk2"/>
-              </a:solidFill>
-              <a:ln>
-                <a:noFill/>
-              </a:ln>
-            </p:spPr>
-            <p:txBody>
-              <a:bodyPr spcFirstLastPara="1" wrap="square" lIns="91425" tIns="91425" rIns="91425" bIns="91425" anchor="ctr" anchorCtr="0">
-                <a:noAutofit/>
-              </a:bodyPr>
-              <a:lstStyle/>
-              <a:p>
-                <a:pPr marL="0" lvl="0" indent="0" algn="l" rtl="0">
-                  <a:spcBef>
-                    <a:spcPts val="0"/>
-                  </a:spcBef>
-                  <a:spcAft>
-                    <a:spcPts val="0"/>
-                  </a:spcAft>
-                  <a:buNone/>
-                </a:pPr>
-                <a:endParaRPr/>
-              </a:p>
-            </p:txBody>
-          </p:sp>
-          <p:sp>
-            <p:nvSpPr>
-              <p:cNvPr id="8434" name="Google Shape;8434;p73"/>
-              <p:cNvSpPr/>
-              <p:nvPr/>
-            </p:nvSpPr>
-            <p:spPr>
-              <a:xfrm rot="2700000">
-                <a:off x="1138335" y="3359285"/>
-                <a:ext cx="155281" cy="155281"/>
-              </a:xfrm>
-              <a:prstGeom prst="ellipse">
-                <a:avLst/>
-              </a:prstGeom>
-              <a:solidFill>
-                <a:schemeClr val="dk2"/>
-              </a:solidFill>
-              <a:ln>
-                <a:noFill/>
-              </a:ln>
-            </p:spPr>
-            <p:txBody>
-              <a:bodyPr spcFirstLastPara="1" wrap="square" lIns="91425" tIns="91425" rIns="91425" bIns="91425" anchor="ctr" anchorCtr="0">
-                <a:noAutofit/>
-              </a:bodyPr>
-              <a:lstStyle/>
-              <a:p>
-                <a:pPr marL="0" lvl="0" indent="0" algn="l" rtl="0">
-                  <a:spcBef>
-                    <a:spcPts val="0"/>
-                  </a:spcBef>
-                  <a:spcAft>
-                    <a:spcPts val="0"/>
-                  </a:spcAft>
-                  <a:buNone/>
-                </a:pPr>
-                <a:endParaRPr/>
-              </a:p>
-            </p:txBody>
-          </p:sp>
-          <p:sp>
-            <p:nvSpPr>
-              <p:cNvPr id="8435" name="Google Shape;8435;p73"/>
-              <p:cNvSpPr/>
-              <p:nvPr/>
-            </p:nvSpPr>
-            <p:spPr>
-              <a:xfrm rot="1807217">
-                <a:off x="959281" y="1868183"/>
-                <a:ext cx="45435" cy="45435"/>
-              </a:xfrm>
-              <a:prstGeom prst="ellipse">
-                <a:avLst/>
-              </a:prstGeom>
-              <a:solidFill>
-                <a:schemeClr val="dk2"/>
-              </a:solidFill>
-              <a:ln>
-                <a:noFill/>
-              </a:ln>
-            </p:spPr>
-            <p:txBody>
-              <a:bodyPr spcFirstLastPara="1" wrap="square" lIns="91425" tIns="91425" rIns="91425" bIns="91425" anchor="ctr" anchorCtr="0">
-                <a:noAutofit/>
-              </a:bodyPr>
-              <a:lstStyle/>
-              <a:p>
-                <a:pPr marL="0" lvl="0" indent="0" algn="l" rtl="0">
-                  <a:spcBef>
-                    <a:spcPts val="0"/>
-                  </a:spcBef>
-                  <a:spcAft>
-                    <a:spcPts val="0"/>
-                  </a:spcAft>
-                  <a:buNone/>
-                </a:pPr>
-                <a:endParaRPr/>
-              </a:p>
-            </p:txBody>
-          </p:sp>
-          <p:sp>
-            <p:nvSpPr>
-              <p:cNvPr id="8436" name="Google Shape;8436;p73"/>
-              <p:cNvSpPr/>
-              <p:nvPr/>
-            </p:nvSpPr>
-            <p:spPr>
-              <a:xfrm rot="1804115">
-                <a:off x="2673760" y="1346056"/>
-                <a:ext cx="177831" cy="177831"/>
-              </a:xfrm>
-              <a:prstGeom prst="ellipse">
-                <a:avLst/>
-              </a:prstGeom>
-              <a:solidFill>
-                <a:schemeClr val="dk2"/>
-              </a:solidFill>
-              <a:ln>
-                <a:noFill/>
-              </a:ln>
-            </p:spPr>
-            <p:txBody>
-              <a:bodyPr spcFirstLastPara="1" wrap="square" lIns="91425" tIns="91425" rIns="91425" bIns="91425" anchor="ctr" anchorCtr="0">
-                <a:noAutofit/>
-              </a:bodyPr>
-              <a:lstStyle/>
-              <a:p>
-                <a:pPr marL="0" lvl="0" indent="0" algn="l" rtl="0">
-                  <a:spcBef>
-                    <a:spcPts val="0"/>
-                  </a:spcBef>
-                  <a:spcAft>
-                    <a:spcPts val="0"/>
-                  </a:spcAft>
-                  <a:buNone/>
-                </a:pPr>
-                <a:endParaRPr/>
-              </a:p>
-            </p:txBody>
-          </p:sp>
-          <p:sp>
-            <p:nvSpPr>
-              <p:cNvPr id="8437" name="Google Shape;8437;p73"/>
-              <p:cNvSpPr/>
-              <p:nvPr/>
-            </p:nvSpPr>
-            <p:spPr>
-              <a:xfrm rot="1804115">
-                <a:off x="3161209" y="3111417"/>
-                <a:ext cx="177831" cy="177831"/>
-              </a:xfrm>
-              <a:prstGeom prst="ellipse">
-                <a:avLst/>
-              </a:prstGeom>
-              <a:solidFill>
-                <a:schemeClr val="dk2"/>
-              </a:solidFill>
-              <a:ln>
-                <a:noFill/>
-              </a:ln>
-            </p:spPr>
-            <p:txBody>
-              <a:bodyPr spcFirstLastPara="1" wrap="square" lIns="91425" tIns="91425" rIns="91425" bIns="91425" anchor="ctr" anchorCtr="0">
-                <a:noAutofit/>
-              </a:bodyPr>
-              <a:lstStyle/>
-              <a:p>
-                <a:pPr marL="0" lvl="0" indent="0" algn="l" rtl="0">
-                  <a:spcBef>
-                    <a:spcPts val="0"/>
-                  </a:spcBef>
-                  <a:spcAft>
-                    <a:spcPts val="0"/>
-                  </a:spcAft>
-                  <a:buNone/>
-                </a:pPr>
-                <a:endParaRPr/>
-              </a:p>
-            </p:txBody>
-          </p:sp>
-          <p:sp>
-            <p:nvSpPr>
-              <p:cNvPr id="8438" name="Google Shape;8438;p73"/>
-              <p:cNvSpPr/>
-              <p:nvPr/>
-            </p:nvSpPr>
-            <p:spPr>
-              <a:xfrm rot="1801578">
-                <a:off x="1401275" y="3565441"/>
-                <a:ext cx="166667" cy="166667"/>
-              </a:xfrm>
-              <a:prstGeom prst="ellipse">
-                <a:avLst/>
-              </a:prstGeom>
-              <a:solidFill>
-                <a:schemeClr val="dk2"/>
-              </a:solidFill>
-              <a:ln>
-                <a:noFill/>
-              </a:ln>
-            </p:spPr>
-            <p:txBody>
-              <a:bodyPr spcFirstLastPara="1" wrap="square" lIns="91425" tIns="91425" rIns="91425" bIns="91425" anchor="ctr" anchorCtr="0">
-                <a:noAutofit/>
-              </a:bodyPr>
-              <a:lstStyle/>
-              <a:p>
-                <a:pPr marL="0" lvl="0" indent="0" algn="l" rtl="0">
-                  <a:spcBef>
-                    <a:spcPts val="0"/>
-                  </a:spcBef>
-                  <a:spcAft>
-                    <a:spcPts val="0"/>
-                  </a:spcAft>
-                  <a:buNone/>
-                </a:pPr>
-                <a:endParaRPr/>
-              </a:p>
-            </p:txBody>
-          </p:sp>
-          <p:sp>
-            <p:nvSpPr>
-              <p:cNvPr id="8439" name="Google Shape;8439;p73"/>
-              <p:cNvSpPr/>
-              <p:nvPr/>
-            </p:nvSpPr>
-            <p:spPr>
-              <a:xfrm rot="3595885">
-                <a:off x="1364322" y="1318921"/>
-                <a:ext cx="177831" cy="177831"/>
-              </a:xfrm>
-              <a:prstGeom prst="ellipse">
-                <a:avLst/>
-              </a:prstGeom>
-              <a:solidFill>
-                <a:schemeClr val="dk2"/>
-              </a:solidFill>
-              <a:ln>
-                <a:noFill/>
-              </a:ln>
-            </p:spPr>
-            <p:txBody>
-              <a:bodyPr spcFirstLastPara="1" wrap="square" lIns="91425" tIns="91425" rIns="91425" bIns="91425" anchor="ctr" anchorCtr="0">
-                <a:noAutofit/>
-              </a:bodyPr>
-              <a:lstStyle/>
-              <a:p>
-                <a:pPr marL="0" lvl="0" indent="0" algn="l" rtl="0">
-                  <a:spcBef>
-                    <a:spcPts val="0"/>
-                  </a:spcBef>
-                  <a:spcAft>
-                    <a:spcPts val="0"/>
-                  </a:spcAft>
-                  <a:buNone/>
-                </a:pPr>
-                <a:endParaRPr/>
-              </a:p>
-            </p:txBody>
-          </p:sp>
-          <p:sp>
-            <p:nvSpPr>
-              <p:cNvPr id="8440" name="Google Shape;8440;p73"/>
-              <p:cNvSpPr/>
-              <p:nvPr/>
-            </p:nvSpPr>
-            <p:spPr>
-              <a:xfrm rot="3595885">
-                <a:off x="3134333" y="1814456"/>
-                <a:ext cx="177831" cy="177831"/>
-              </a:xfrm>
-              <a:prstGeom prst="ellipse">
-                <a:avLst/>
-              </a:prstGeom>
-              <a:solidFill>
-                <a:schemeClr val="dk2"/>
-              </a:solidFill>
-              <a:ln>
-                <a:noFill/>
-              </a:ln>
-            </p:spPr>
-            <p:txBody>
-              <a:bodyPr spcFirstLastPara="1" wrap="square" lIns="91425" tIns="91425" rIns="91425" bIns="91425" anchor="ctr" anchorCtr="0">
-                <a:noAutofit/>
-              </a:bodyPr>
-              <a:lstStyle/>
-              <a:p>
-                <a:pPr marL="0" lvl="0" indent="0" algn="l" rtl="0">
-                  <a:spcBef>
-                    <a:spcPts val="0"/>
-                  </a:spcBef>
-                  <a:spcAft>
-                    <a:spcPts val="0"/>
-                  </a:spcAft>
-                  <a:buNone/>
-                </a:pPr>
-                <a:endParaRPr/>
-              </a:p>
-            </p:txBody>
-          </p:sp>
-          <p:sp>
-            <p:nvSpPr>
-              <p:cNvPr id="8441" name="Google Shape;8441;p73"/>
-              <p:cNvSpPr/>
-              <p:nvPr/>
-            </p:nvSpPr>
-            <p:spPr>
-              <a:xfrm rot="3595885">
-                <a:off x="2673804" y="3587030"/>
-                <a:ext cx="177831" cy="177831"/>
-              </a:xfrm>
-              <a:prstGeom prst="ellipse">
-                <a:avLst/>
-              </a:prstGeom>
-              <a:solidFill>
-                <a:schemeClr val="dk2"/>
-              </a:solidFill>
-              <a:ln>
-                <a:noFill/>
-              </a:ln>
-            </p:spPr>
-            <p:txBody>
-              <a:bodyPr spcFirstLastPara="1" wrap="square" lIns="91425" tIns="91425" rIns="91425" bIns="91425" anchor="ctr" anchorCtr="0">
-                <a:noAutofit/>
-              </a:bodyPr>
-              <a:lstStyle/>
-              <a:p>
-                <a:pPr marL="0" lvl="0" indent="0" algn="l" rtl="0">
-                  <a:spcBef>
-                    <a:spcPts val="0"/>
-                  </a:spcBef>
-                  <a:spcAft>
-                    <a:spcPts val="0"/>
-                  </a:spcAft>
-                  <a:buNone/>
-                </a:pPr>
-                <a:endParaRPr/>
-              </a:p>
-            </p:txBody>
-          </p:sp>
-          <p:sp>
-            <p:nvSpPr>
-              <p:cNvPr id="8442" name="Google Shape;8442;p73"/>
-              <p:cNvSpPr/>
-              <p:nvPr/>
-            </p:nvSpPr>
-            <p:spPr>
-              <a:xfrm rot="3598200">
-                <a:off x="938347" y="3110438"/>
-                <a:ext cx="142071" cy="142071"/>
-              </a:xfrm>
-              <a:prstGeom prst="ellipse">
-                <a:avLst/>
-              </a:prstGeom>
-              <a:solidFill>
-                <a:schemeClr val="dk2"/>
-              </a:solidFill>
-              <a:ln>
-                <a:noFill/>
-              </a:ln>
-            </p:spPr>
-            <p:txBody>
-              <a:bodyPr spcFirstLastPara="1" wrap="square" lIns="91425" tIns="91425" rIns="91425" bIns="91425" anchor="ctr" anchorCtr="0">
-                <a:noAutofit/>
-              </a:bodyPr>
-              <a:lstStyle/>
-              <a:p>
-                <a:pPr marL="0" lvl="0" indent="0" algn="l" rtl="0">
-                  <a:spcBef>
-                    <a:spcPts val="0"/>
-                  </a:spcBef>
-                  <a:spcAft>
-                    <a:spcPts val="0"/>
-                  </a:spcAft>
-                  <a:buNone/>
-                </a:pPr>
-                <a:endParaRPr/>
-              </a:p>
-            </p:txBody>
-          </p:sp>
-          <p:sp>
-            <p:nvSpPr>
-              <p:cNvPr id="8443" name="Google Shape;8443;p73"/>
-              <p:cNvSpPr/>
-              <p:nvPr/>
-            </p:nvSpPr>
-            <p:spPr>
-              <a:xfrm rot="4490289">
-                <a:off x="1680481" y="1188188"/>
-                <a:ext cx="177789" cy="177789"/>
-              </a:xfrm>
-              <a:prstGeom prst="ellipse">
-                <a:avLst/>
-              </a:prstGeom>
-              <a:solidFill>
-                <a:schemeClr val="dk2"/>
-              </a:solidFill>
-              <a:ln>
-                <a:noFill/>
-              </a:ln>
-            </p:spPr>
-            <p:txBody>
-              <a:bodyPr spcFirstLastPara="1" wrap="square" lIns="91425" tIns="91425" rIns="91425" bIns="91425" anchor="ctr" anchorCtr="0">
-                <a:noAutofit/>
-              </a:bodyPr>
-              <a:lstStyle/>
-              <a:p>
-                <a:pPr marL="0" lvl="0" indent="0" algn="l" rtl="0">
-                  <a:spcBef>
-                    <a:spcPts val="0"/>
-                  </a:spcBef>
-                  <a:spcAft>
-                    <a:spcPts val="0"/>
-                  </a:spcAft>
-                  <a:buNone/>
-                </a:pPr>
-                <a:endParaRPr/>
-              </a:p>
-            </p:txBody>
-          </p:sp>
-          <p:sp>
-            <p:nvSpPr>
-              <p:cNvPr id="8444" name="Google Shape;8444;p73"/>
-              <p:cNvSpPr/>
-              <p:nvPr/>
-            </p:nvSpPr>
-            <p:spPr>
-              <a:xfrm rot="4490289">
-                <a:off x="3261927" y="2124955"/>
-                <a:ext cx="177789" cy="177789"/>
-              </a:xfrm>
-              <a:prstGeom prst="ellipse">
-                <a:avLst/>
-              </a:prstGeom>
-              <a:solidFill>
-                <a:schemeClr val="dk2"/>
-              </a:solidFill>
-              <a:ln>
-                <a:noFill/>
-              </a:ln>
-            </p:spPr>
-            <p:txBody>
-              <a:bodyPr spcFirstLastPara="1" wrap="square" lIns="91425" tIns="91425" rIns="91425" bIns="91425" anchor="ctr" anchorCtr="0">
-                <a:noAutofit/>
-              </a:bodyPr>
-              <a:lstStyle/>
-              <a:p>
-                <a:pPr marL="0" lvl="0" indent="0" algn="l" rtl="0">
-                  <a:spcBef>
-                    <a:spcPts val="0"/>
-                  </a:spcBef>
-                  <a:spcAft>
-                    <a:spcPts val="0"/>
-                  </a:spcAft>
-                  <a:buNone/>
-                </a:pPr>
-                <a:endParaRPr/>
-              </a:p>
-            </p:txBody>
-          </p:sp>
-          <p:sp>
-            <p:nvSpPr>
-              <p:cNvPr id="8445" name="Google Shape;8445;p73"/>
-              <p:cNvSpPr/>
-              <p:nvPr/>
-            </p:nvSpPr>
-            <p:spPr>
-              <a:xfrm rot="4490289">
-                <a:off x="2358319" y="3717935"/>
-                <a:ext cx="177789" cy="177789"/>
-              </a:xfrm>
-              <a:prstGeom prst="ellipse">
-                <a:avLst/>
-              </a:prstGeom>
-              <a:solidFill>
-                <a:schemeClr val="dk2"/>
-              </a:solidFill>
-              <a:ln>
-                <a:noFill/>
-              </a:ln>
-            </p:spPr>
-            <p:txBody>
-              <a:bodyPr spcFirstLastPara="1" wrap="square" lIns="91425" tIns="91425" rIns="91425" bIns="91425" anchor="ctr" anchorCtr="0">
-                <a:noAutofit/>
-              </a:bodyPr>
-              <a:lstStyle/>
-              <a:p>
-                <a:pPr marL="0" lvl="0" indent="0" algn="l" rtl="0">
-                  <a:spcBef>
-                    <a:spcPts val="0"/>
-                  </a:spcBef>
-                  <a:spcAft>
-                    <a:spcPts val="0"/>
-                  </a:spcAft>
-                  <a:buNone/>
-                </a:pPr>
-                <a:endParaRPr/>
-              </a:p>
-            </p:txBody>
-          </p:sp>
-          <p:sp>
-            <p:nvSpPr>
-              <p:cNvPr id="8446" name="Google Shape;8446;p73"/>
-              <p:cNvSpPr/>
-              <p:nvPr/>
-            </p:nvSpPr>
-            <p:spPr>
-              <a:xfrm rot="4493425">
-                <a:off x="819385" y="2813326"/>
-                <a:ext cx="124297" cy="124297"/>
-              </a:xfrm>
-              <a:prstGeom prst="ellipse">
-                <a:avLst/>
-              </a:prstGeom>
-              <a:solidFill>
-                <a:schemeClr val="dk2"/>
-              </a:solidFill>
-              <a:ln>
-                <a:noFill/>
-              </a:ln>
-            </p:spPr>
-            <p:txBody>
-              <a:bodyPr spcFirstLastPara="1" wrap="square" lIns="91425" tIns="91425" rIns="91425" bIns="91425" anchor="ctr" anchorCtr="0">
-                <a:noAutofit/>
-              </a:bodyPr>
-              <a:lstStyle/>
-              <a:p>
-                <a:pPr marL="0" lvl="0" indent="0" algn="l" rtl="0">
-                  <a:spcBef>
-                    <a:spcPts val="0"/>
-                  </a:spcBef>
-                  <a:spcAft>
-                    <a:spcPts val="0"/>
-                  </a:spcAft>
-                  <a:buNone/>
-                </a:pPr>
-                <a:endParaRPr/>
-              </a:p>
-            </p:txBody>
-          </p:sp>
-          <p:sp>
-            <p:nvSpPr>
-              <p:cNvPr id="8447" name="Google Shape;8447;p73"/>
-              <p:cNvSpPr/>
-              <p:nvPr/>
-            </p:nvSpPr>
-            <p:spPr>
-              <a:xfrm rot="885439">
-                <a:off x="820720" y="2174345"/>
-                <a:ext cx="63598" cy="63598"/>
-              </a:xfrm>
-              <a:prstGeom prst="ellipse">
-                <a:avLst/>
-              </a:prstGeom>
-              <a:solidFill>
-                <a:schemeClr val="dk2"/>
-              </a:solidFill>
-              <a:ln>
-                <a:noFill/>
-              </a:ln>
-            </p:spPr>
-            <p:txBody>
-              <a:bodyPr spcFirstLastPara="1" wrap="square" lIns="91425" tIns="91425" rIns="91425" bIns="91425" anchor="ctr" anchorCtr="0">
-                <a:noAutofit/>
-              </a:bodyPr>
-              <a:lstStyle/>
-              <a:p>
-                <a:pPr marL="0" lvl="0" indent="0" algn="l" rtl="0">
-                  <a:spcBef>
-                    <a:spcPts val="0"/>
-                  </a:spcBef>
-                  <a:spcAft>
-                    <a:spcPts val="0"/>
-                  </a:spcAft>
-                  <a:buNone/>
-                </a:pPr>
-                <a:endParaRPr/>
-              </a:p>
-            </p:txBody>
-          </p:sp>
-          <p:sp>
-            <p:nvSpPr>
-              <p:cNvPr id="8448" name="Google Shape;8448;p73"/>
-              <p:cNvSpPr/>
-              <p:nvPr/>
-            </p:nvSpPr>
-            <p:spPr>
-              <a:xfrm rot="892892">
-                <a:off x="2365652" y="1216223"/>
-                <a:ext cx="177555" cy="177555"/>
-              </a:xfrm>
-              <a:prstGeom prst="ellipse">
-                <a:avLst/>
-              </a:prstGeom>
-              <a:solidFill>
-                <a:schemeClr val="dk2"/>
-              </a:solidFill>
-              <a:ln>
-                <a:noFill/>
-              </a:ln>
-            </p:spPr>
-            <p:txBody>
-              <a:bodyPr spcFirstLastPara="1" wrap="square" lIns="91425" tIns="91425" rIns="91425" bIns="91425" anchor="ctr" anchorCtr="0">
-                <a:noAutofit/>
-              </a:bodyPr>
-              <a:lstStyle/>
-              <a:p>
-                <a:pPr marL="0" lvl="0" indent="0" algn="l" rtl="0">
-                  <a:spcBef>
-                    <a:spcPts val="0"/>
-                  </a:spcBef>
-                  <a:spcAft>
-                    <a:spcPts val="0"/>
-                  </a:spcAft>
-                  <a:buNone/>
-                </a:pPr>
-                <a:endParaRPr/>
-              </a:p>
-            </p:txBody>
-          </p:sp>
-          <p:sp>
-            <p:nvSpPr>
-              <p:cNvPr id="8449" name="Google Shape;8449;p73"/>
-              <p:cNvSpPr/>
-              <p:nvPr/>
-            </p:nvSpPr>
-            <p:spPr>
-              <a:xfrm rot="892892">
-                <a:off x="3293396" y="2795269"/>
-                <a:ext cx="177555" cy="177555"/>
-              </a:xfrm>
-              <a:prstGeom prst="ellipse">
-                <a:avLst/>
-              </a:prstGeom>
-              <a:solidFill>
-                <a:schemeClr val="dk2"/>
-              </a:solidFill>
-              <a:ln>
-                <a:noFill/>
-              </a:ln>
-            </p:spPr>
-            <p:txBody>
-              <a:bodyPr spcFirstLastPara="1" wrap="square" lIns="91425" tIns="91425" rIns="91425" bIns="91425" anchor="ctr" anchorCtr="0">
-                <a:noAutofit/>
-              </a:bodyPr>
-              <a:lstStyle/>
-              <a:p>
-                <a:pPr marL="0" lvl="0" indent="0" algn="l" rtl="0">
-                  <a:spcBef>
-                    <a:spcPts val="0"/>
-                  </a:spcBef>
-                  <a:spcAft>
-                    <a:spcPts val="0"/>
-                  </a:spcAft>
-                  <a:buNone/>
-                </a:pPr>
-                <a:endParaRPr/>
-              </a:p>
-            </p:txBody>
-          </p:sp>
-          <p:sp>
-            <p:nvSpPr>
-              <p:cNvPr id="8450" name="Google Shape;8450;p73"/>
-              <p:cNvSpPr/>
-              <p:nvPr/>
-            </p:nvSpPr>
-            <p:spPr>
-              <a:xfrm rot="892892">
-                <a:off x="1704033" y="3685440"/>
-                <a:ext cx="177555" cy="177555"/>
-              </a:xfrm>
-              <a:prstGeom prst="ellipse">
-                <a:avLst/>
-              </a:prstGeom>
-              <a:solidFill>
-                <a:schemeClr val="dk2"/>
-              </a:solidFill>
-              <a:ln>
-                <a:noFill/>
-              </a:ln>
-            </p:spPr>
-            <p:txBody>
-              <a:bodyPr spcFirstLastPara="1" wrap="square" lIns="91425" tIns="91425" rIns="91425" bIns="91425" anchor="ctr" anchorCtr="0">
-                <a:noAutofit/>
-              </a:bodyPr>
-              <a:lstStyle/>
-              <a:p>
-                <a:pPr marL="0" lvl="0" indent="0" algn="l" rtl="0">
-                  <a:spcBef>
-                    <a:spcPts val="0"/>
-                  </a:spcBef>
-                  <a:spcAft>
-                    <a:spcPts val="0"/>
-                  </a:spcAft>
-                  <a:buNone/>
-                </a:pPr>
-                <a:endParaRPr/>
-              </a:p>
-            </p:txBody>
-          </p:sp>
-        </p:grpSp>
-      </p:grpSp>
-      <p:sp>
-        <p:nvSpPr>
-          <p:cNvPr id="8451" name="Google Shape;8451;p73"/>
-          <p:cNvSpPr txBox="1"/>
-          <p:nvPr/>
-        </p:nvSpPr>
-        <p:spPr>
-          <a:xfrm>
-            <a:off x="3612500" y="338800"/>
-            <a:ext cx="4818300" cy="200700"/>
-          </a:xfrm>
-          <a:prstGeom prst="rect">
-            <a:avLst/>
-          </a:prstGeom>
-          <a:noFill/>
-          <a:ln>
-            <a:noFill/>
-          </a:ln>
-        </p:spPr>
-        <p:txBody>
-          <a:bodyPr spcFirstLastPara="1" wrap="square" lIns="0" tIns="91425" rIns="0" bIns="91425" anchor="ctr" anchorCtr="0">
-            <a:noAutofit/>
-          </a:bodyPr>
-          <a:lstStyle/>
-          <a:p>
-            <a:pPr marL="0" lvl="0" indent="0" algn="r" rtl="0">
-              <a:spcBef>
-                <a:spcPts val="0"/>
-              </a:spcBef>
-              <a:spcAft>
-                <a:spcPts val="0"/>
-              </a:spcAft>
-              <a:buNone/>
-            </a:pPr>
-            <a:r>
-              <a:rPr lang="en" sz="1100" b="1">
-                <a:solidFill>
-                  <a:schemeClr val="lt1"/>
-                </a:solidFill>
-                <a:latin typeface="Orbitron"/>
-                <a:ea typeface="Orbitron"/>
-                <a:cs typeface="Orbitron"/>
-                <a:sym typeface="Orbitron"/>
-              </a:rPr>
-              <a:t> // UNIVERSITY // ADMINISTRATION //</a:t>
-            </a:r>
-            <a:endParaRPr sz="1100" b="1">
-              <a:solidFill>
-                <a:schemeClr val="lt1"/>
-              </a:solidFill>
-              <a:latin typeface="Orbitron"/>
-              <a:ea typeface="Orbitron"/>
-              <a:cs typeface="Orbitron"/>
-              <a:sym typeface="Orbitron"/>
-            </a:endParaRPr>
-          </a:p>
-        </p:txBody>
-      </p:sp>
-    </p:spTree>
-  </p:cSld>
-  <p:clrMapOvr>
-    <a:masterClrMapping/>
-  </p:clrMapOvr>
+  <p:transition spd="slow">
+    <p:push dir="r"/>
+  </p:transition>
+  <p:timing>
+    <p:tnLst>
+      <p:par>
+        <p:cTn id="1" dur="indefinite" restart="never" nodeType="tmRoot">
+          <p:childTnLst>
+            <p:seq concurrent="1" nextAc="seek">
+              <p:cTn id="2" dur="indefinite" nodeType="mainSeq">
+                <p:childTnLst>
+                  <p:par>
+                    <p:cTn id="3" fill="hold">
+                      <p:stCondLst>
+                        <p:cond delay="indefinite"/>
+                      </p:stCondLst>
+                      <p:childTnLst>
+                        <p:par>
+                          <p:cTn id="4" fill="hold">
+                            <p:stCondLst>
+                              <p:cond delay="0"/>
+                            </p:stCondLst>
+                            <p:childTnLst>
+                              <p:par>
+                                <p:cTn id="5" presetID="1" presetClass="entr" presetSubtype="0" fill="hold" nodeType="clickEffect">
+                                  <p:stCondLst>
+                                    <p:cond delay="0"/>
+                                  </p:stCondLst>
+                                  <p:childTnLst>
+                                    <p:set>
+                                      <p:cBhvr>
+                                        <p:cTn id="6" dur="1" fill="hold">
+                                          <p:stCondLst>
+                                            <p:cond delay="0"/>
+                                          </p:stCondLst>
+                                        </p:cTn>
+                                        <p:tgtEl>
+                                          <p:spTgt spid="2"/>
+                                        </p:tgtEl>
+                                        <p:attrNameLst>
+                                          <p:attrName>style.visibility</p:attrName>
+                                        </p:attrNameLst>
+                                      </p:cBhvr>
+                                      <p:to>
+                                        <p:strVal val="visible"/>
+                                      </p:to>
+                                    </p:set>
+                                  </p:childTnLst>
+                                </p:cTn>
+                              </p:par>
+                              <p:par>
+                                <p:cTn id="7" presetID="1" presetClass="entr" presetSubtype="0" fill="hold" grpId="0" nodeType="withEffect">
+                                  <p:stCondLst>
+                                    <p:cond delay="0"/>
+                                  </p:stCondLst>
+                                  <p:childTnLst>
+                                    <p:set>
+                                      <p:cBhvr>
+                                        <p:cTn id="8" dur="1" fill="hold">
+                                          <p:stCondLst>
+                                            <p:cond delay="0"/>
+                                          </p:stCondLst>
+                                        </p:cTn>
+                                        <p:tgtEl>
+                                          <p:spTgt spid="3"/>
+                                        </p:tgtEl>
+                                        <p:attrNameLst>
+                                          <p:attrName>style.visibility</p:attrName>
+                                        </p:attrNameLst>
+                                      </p:cBhvr>
+                                      <p:to>
+                                        <p:strVal val="visible"/>
+                                      </p:to>
+                                    </p:set>
+                                  </p:childTnLst>
+                                </p:cTn>
+                              </p:par>
+                            </p:childTnLst>
+                          </p:cTn>
+                        </p:par>
+                      </p:childTnLst>
+                    </p:cTn>
+                  </p:par>
+                  <p:par>
+                    <p:cTn id="9" fill="hold">
+                      <p:stCondLst>
+                        <p:cond delay="indefinite"/>
+                      </p:stCondLst>
+                      <p:childTnLst>
+                        <p:par>
+                          <p:cTn id="10" fill="hold">
+                            <p:stCondLst>
+                              <p:cond delay="0"/>
+                            </p:stCondLst>
+                            <p:childTnLst>
+                              <p:par>
+                                <p:cTn id="11" presetID="16" presetClass="entr" presetSubtype="42" fill="hold" nodeType="clickEffect">
+                                  <p:stCondLst>
+                                    <p:cond delay="0"/>
+                                  </p:stCondLst>
+                                  <p:childTnLst>
+                                    <p:set>
+                                      <p:cBhvr>
+                                        <p:cTn id="12" dur="1" fill="hold">
+                                          <p:stCondLst>
+                                            <p:cond delay="0"/>
+                                          </p:stCondLst>
+                                        </p:cTn>
+                                        <p:tgtEl>
+                                          <p:spTgt spid="6"/>
+                                        </p:tgtEl>
+                                        <p:attrNameLst>
+                                          <p:attrName>style.visibility</p:attrName>
+                                        </p:attrNameLst>
+                                      </p:cBhvr>
+                                      <p:to>
+                                        <p:strVal val="visible"/>
+                                      </p:to>
+                                    </p:set>
+                                    <p:animEffect transition="in" filter="barn(outHorizontal)">
+                                      <p:cBhvr>
+                                        <p:cTn id="13" dur="500"/>
+                                        <p:tgtEl>
+                                          <p:spTgt spid="6"/>
+                                        </p:tgtEl>
+                                      </p:cBhvr>
+                                    </p:animEffect>
+                                  </p:childTnLst>
+                                </p:cTn>
+                              </p:par>
+                            </p:childTnLst>
+                          </p:cTn>
+                        </p:par>
+                      </p:childTnLst>
+                    </p:cTn>
+                  </p:par>
+                  <p:par>
+                    <p:cTn id="14" fill="hold">
+                      <p:stCondLst>
+                        <p:cond delay="indefinite"/>
+                      </p:stCondLst>
+                      <p:childTnLst>
+                        <p:par>
+                          <p:cTn id="15" fill="hold">
+                            <p:stCondLst>
+                              <p:cond delay="0"/>
+                            </p:stCondLst>
+                            <p:childTnLst>
+                              <p:par>
+                                <p:cTn id="16" presetID="22" presetClass="entr" presetSubtype="8" fill="hold" nodeType="clickEffect">
+                                  <p:stCondLst>
+                                    <p:cond delay="0"/>
+                                  </p:stCondLst>
+                                  <p:childTnLst>
+                                    <p:set>
+                                      <p:cBhvr>
+                                        <p:cTn id="17" dur="1" fill="hold">
+                                          <p:stCondLst>
+                                            <p:cond delay="0"/>
+                                          </p:stCondLst>
+                                        </p:cTn>
+                                        <p:tgtEl>
+                                          <p:spTgt spid="5"/>
+                                        </p:tgtEl>
+                                        <p:attrNameLst>
+                                          <p:attrName>style.visibility</p:attrName>
+                                        </p:attrNameLst>
+                                      </p:cBhvr>
+                                      <p:to>
+                                        <p:strVal val="visible"/>
+                                      </p:to>
+                                    </p:set>
+                                    <p:animEffect transition="in" filter="wipe(left)">
+                                      <p:cBhvr>
+                                        <p:cTn id="18" dur="500"/>
+                                        <p:tgtEl>
+                                          <p:spTgt spid="5"/>
+                                        </p:tgtEl>
+                                      </p:cBhvr>
+                                    </p:animEffect>
+                                  </p:childTnLst>
+                                </p:cTn>
+                              </p:par>
+                            </p:childTnLst>
+                          </p:cTn>
+                        </p:par>
+                      </p:childTnLst>
+                    </p:cTn>
+                  </p:par>
+                </p:childTnLst>
+              </p:cTn>
+              <p:prevCondLst>
+                <p:cond evt="onPrev" delay="0">
+                  <p:tgtEl>
+                    <p:sldTgt/>
+                  </p:tgtEl>
+                </p:cond>
+              </p:prevCondLst>
+              <p:nextCondLst>
+                <p:cond evt="onNext" delay="0">
+                  <p:tgtEl>
+                    <p:sldTgt/>
+                  </p:tgtEl>
+                </p:cond>
+              </p:nextCondLst>
+            </p:seq>
+          </p:childTnLst>
+        </p:cTn>
+      </p:par>
+    </p:tnLst>
+    <p:bldLst>
+      <p:bldP spid="3" grpId="0"/>
+    </p:bldLst>
+  </p:timing>
 </p:sld>
 </file>
 
